--- a/Team2 - Epic Meal Slime Presentation 1.pptx
+++ b/Team2 - Epic Meal Slime Presentation 1.pptx
@@ -1,39 +1,38 @@
 
 <file path=ppt/presentation.xml><?xml version="1.0" encoding="utf-8"?>
-<p:presentation xmlns:a="http://schemas.openxmlformats.org/drawingml/2006/main" xmlns:r="http://schemas.openxmlformats.org/officeDocument/2006/relationships" xmlns:mc="http://schemas.openxmlformats.org/markup-compatibility/2006" xmlns:mv="urn:schemas-microsoft-com:mac:vml" xmlns:p="http://schemas.openxmlformats.org/presentationml/2006/main" xmlns:c="http://schemas.openxmlformats.org/drawingml/2006/chart" xmlns:dgm="http://schemas.openxmlformats.org/drawingml/2006/diagram" xmlns:o="urn:schemas-microsoft-com:office:office" xmlns:v="urn:schemas-microsoft-com:vml" xmlns:pvml="urn:schemas-microsoft-com:office:powerpoint" xmlns:com="http://schemas.openxmlformats.org/drawingml/2006/compatibility" xmlns:p14="http://schemas.microsoft.com/office/powerpoint/2010/main" xmlns:p15="http://schemas.microsoft.com/office/powerpoint/2012/main" xmlns:ahyp="http://schemas.microsoft.com/office/drawing/2018/hyperlinkcolor" autoCompressPictures="0" embedTrueTypeFonts="1" strictFirstAndLastChars="0" saveSubsetFonts="1">
+<p:presentation xmlns:a="http://schemas.openxmlformats.org/drawingml/2006/main" xmlns:r="http://schemas.openxmlformats.org/officeDocument/2006/relationships" xmlns:p="http://schemas.openxmlformats.org/presentationml/2006/main" strictFirstAndLastChars="0" embedTrueTypeFonts="1" saveSubsetFonts="1" autoCompressPictures="0">
   <p:sldMasterIdLst>
-    <p:sldMasterId id="2147483659" r:id="rId4"/>
+    <p:sldMasterId id="2147483659" r:id="rId1"/>
   </p:sldMasterIdLst>
   <p:notesMasterIdLst>
-    <p:notesMasterId r:id="rId5"/>
+    <p:notesMasterId r:id="rId8"/>
   </p:notesMasterIdLst>
   <p:sldIdLst>
-    <p:sldId id="256" r:id="rId6"/>
-    <p:sldId id="257" r:id="rId7"/>
-    <p:sldId id="258" r:id="rId8"/>
-    <p:sldId id="259" r:id="rId9"/>
-    <p:sldId id="260" r:id="rId10"/>
-    <p:sldId id="261" r:id="rId11"/>
-    <p:sldId id="262" r:id="rId12"/>
+    <p:sldId id="256" r:id="rId2"/>
+    <p:sldId id="257" r:id="rId3"/>
+    <p:sldId id="258" r:id="rId4"/>
+    <p:sldId id="259" r:id="rId5"/>
+    <p:sldId id="260" r:id="rId6"/>
+    <p:sldId id="261" r:id="rId7"/>
   </p:sldIdLst>
-  <p:sldSz cy="5143500" cx="9144000"/>
+  <p:sldSz cx="9144000" cy="5143500" type="screen16x9"/>
   <p:notesSz cx="6858000" cy="9144000"/>
   <p:embeddedFontLst>
     <p:embeddedFont>
-      <p:font typeface="Roboto Slab"/>
+      <p:font typeface="Roboto" panose="020B0604020202020204" charset="0"/>
+      <p:regular r:id="rId9"/>
+      <p:bold r:id="rId10"/>
+      <p:italic r:id="rId11"/>
+      <p:boldItalic r:id="rId12"/>
+    </p:embeddedFont>
+    <p:embeddedFont>
+      <p:font typeface="Roboto Slab" panose="020B0604020202020204" charset="0"/>
       <p:regular r:id="rId13"/>
       <p:bold r:id="rId14"/>
     </p:embeddedFont>
-    <p:embeddedFont>
-      <p:font typeface="Roboto"/>
-      <p:regular r:id="rId15"/>
-      <p:bold r:id="rId16"/>
-      <p:italic r:id="rId17"/>
-      <p:boldItalic r:id="rId18"/>
-    </p:embeddedFont>
   </p:embeddedFontLst>
   <p:defaultTextStyle>
-    <a:defPPr lvl="0" marR="0" rtl="0" algn="l">
+    <a:defPPr marR="0" lvl="0" algn="l" rtl="0">
       <a:lnSpc>
         <a:spcPct val="100000"/>
       </a:lnSpc>
@@ -44,7 +43,7 @@
         <a:spcPts val="0"/>
       </a:spcAft>
     </a:defPPr>
-    <a:lvl1pPr lvl="0" marR="0" rtl="0" algn="l">
+    <a:lvl1pPr marR="0" lvl="0" algn="l" rtl="0">
       <a:lnSpc>
         <a:spcPct val="100000"/>
       </a:lnSpc>
@@ -58,7 +57,7 @@
         <a:srgbClr val="000000"/>
       </a:buClr>
       <a:buFont typeface="Arial"/>
-      <a:defRPr b="0" i="0" sz="1400" u="none" cap="none" strike="noStrike">
+      <a:defRPr sz="1400" b="0" i="0" u="none" strike="noStrike" cap="none">
         <a:solidFill>
           <a:srgbClr val="000000"/>
         </a:solidFill>
@@ -68,7 +67,7 @@
         <a:sym typeface="Arial"/>
       </a:defRPr>
     </a:lvl1pPr>
-    <a:lvl2pPr lvl="1" marR="0" rtl="0" algn="l">
+    <a:lvl2pPr marR="0" lvl="1" algn="l" rtl="0">
       <a:lnSpc>
         <a:spcPct val="100000"/>
       </a:lnSpc>
@@ -82,7 +81,7 @@
         <a:srgbClr val="000000"/>
       </a:buClr>
       <a:buFont typeface="Arial"/>
-      <a:defRPr b="0" i="0" sz="1400" u="none" cap="none" strike="noStrike">
+      <a:defRPr sz="1400" b="0" i="0" u="none" strike="noStrike" cap="none">
         <a:solidFill>
           <a:srgbClr val="000000"/>
         </a:solidFill>
@@ -92,7 +91,7 @@
         <a:sym typeface="Arial"/>
       </a:defRPr>
     </a:lvl2pPr>
-    <a:lvl3pPr lvl="2" marR="0" rtl="0" algn="l">
+    <a:lvl3pPr marR="0" lvl="2" algn="l" rtl="0">
       <a:lnSpc>
         <a:spcPct val="100000"/>
       </a:lnSpc>
@@ -106,7 +105,7 @@
         <a:srgbClr val="000000"/>
       </a:buClr>
       <a:buFont typeface="Arial"/>
-      <a:defRPr b="0" i="0" sz="1400" u="none" cap="none" strike="noStrike">
+      <a:defRPr sz="1400" b="0" i="0" u="none" strike="noStrike" cap="none">
         <a:solidFill>
           <a:srgbClr val="000000"/>
         </a:solidFill>
@@ -116,7 +115,7 @@
         <a:sym typeface="Arial"/>
       </a:defRPr>
     </a:lvl3pPr>
-    <a:lvl4pPr lvl="3" marR="0" rtl="0" algn="l">
+    <a:lvl4pPr marR="0" lvl="3" algn="l" rtl="0">
       <a:lnSpc>
         <a:spcPct val="100000"/>
       </a:lnSpc>
@@ -130,7 +129,7 @@
         <a:srgbClr val="000000"/>
       </a:buClr>
       <a:buFont typeface="Arial"/>
-      <a:defRPr b="0" i="0" sz="1400" u="none" cap="none" strike="noStrike">
+      <a:defRPr sz="1400" b="0" i="0" u="none" strike="noStrike" cap="none">
         <a:solidFill>
           <a:srgbClr val="000000"/>
         </a:solidFill>
@@ -140,7 +139,7 @@
         <a:sym typeface="Arial"/>
       </a:defRPr>
     </a:lvl4pPr>
-    <a:lvl5pPr lvl="4" marR="0" rtl="0" algn="l">
+    <a:lvl5pPr marR="0" lvl="4" algn="l" rtl="0">
       <a:lnSpc>
         <a:spcPct val="100000"/>
       </a:lnSpc>
@@ -154,7 +153,7 @@
         <a:srgbClr val="000000"/>
       </a:buClr>
       <a:buFont typeface="Arial"/>
-      <a:defRPr b="0" i="0" sz="1400" u="none" cap="none" strike="noStrike">
+      <a:defRPr sz="1400" b="0" i="0" u="none" strike="noStrike" cap="none">
         <a:solidFill>
           <a:srgbClr val="000000"/>
         </a:solidFill>
@@ -164,7 +163,7 @@
         <a:sym typeface="Arial"/>
       </a:defRPr>
     </a:lvl5pPr>
-    <a:lvl6pPr lvl="5" marR="0" rtl="0" algn="l">
+    <a:lvl6pPr marR="0" lvl="5" algn="l" rtl="0">
       <a:lnSpc>
         <a:spcPct val="100000"/>
       </a:lnSpc>
@@ -178,7 +177,7 @@
         <a:srgbClr val="000000"/>
       </a:buClr>
       <a:buFont typeface="Arial"/>
-      <a:defRPr b="0" i="0" sz="1400" u="none" cap="none" strike="noStrike">
+      <a:defRPr sz="1400" b="0" i="0" u="none" strike="noStrike" cap="none">
         <a:solidFill>
           <a:srgbClr val="000000"/>
         </a:solidFill>
@@ -188,7 +187,7 @@
         <a:sym typeface="Arial"/>
       </a:defRPr>
     </a:lvl6pPr>
-    <a:lvl7pPr lvl="6" marR="0" rtl="0" algn="l">
+    <a:lvl7pPr marR="0" lvl="6" algn="l" rtl="0">
       <a:lnSpc>
         <a:spcPct val="100000"/>
       </a:lnSpc>
@@ -202,7 +201,7 @@
         <a:srgbClr val="000000"/>
       </a:buClr>
       <a:buFont typeface="Arial"/>
-      <a:defRPr b="0" i="0" sz="1400" u="none" cap="none" strike="noStrike">
+      <a:defRPr sz="1400" b="0" i="0" u="none" strike="noStrike" cap="none">
         <a:solidFill>
           <a:srgbClr val="000000"/>
         </a:solidFill>
@@ -212,7 +211,7 @@
         <a:sym typeface="Arial"/>
       </a:defRPr>
     </a:lvl7pPr>
-    <a:lvl8pPr lvl="7" marR="0" rtl="0" algn="l">
+    <a:lvl8pPr marR="0" lvl="7" algn="l" rtl="0">
       <a:lnSpc>
         <a:spcPct val="100000"/>
       </a:lnSpc>
@@ -226,7 +225,7 @@
         <a:srgbClr val="000000"/>
       </a:buClr>
       <a:buFont typeface="Arial"/>
-      <a:defRPr b="0" i="0" sz="1400" u="none" cap="none" strike="noStrike">
+      <a:defRPr sz="1400" b="0" i="0" u="none" strike="noStrike" cap="none">
         <a:solidFill>
           <a:srgbClr val="000000"/>
         </a:solidFill>
@@ -236,7 +235,7 @@
         <a:sym typeface="Arial"/>
       </a:defRPr>
     </a:lvl8pPr>
-    <a:lvl9pPr lvl="8" marR="0" rtl="0" algn="l">
+    <a:lvl9pPr marR="0" lvl="8" algn="l" rtl="0">
       <a:lnSpc>
         <a:spcPct val="100000"/>
       </a:lnSpc>
@@ -250,7 +249,7 @@
         <a:srgbClr val="000000"/>
       </a:buClr>
       <a:buFont typeface="Arial"/>
-      <a:defRPr b="0" i="0" sz="1400" u="none" cap="none" strike="noStrike">
+      <a:defRPr sz="1400" b="0" i="0" u="none" strike="noStrike" cap="none">
         <a:solidFill>
           <a:srgbClr val="000000"/>
         </a:solidFill>
@@ -263,7 +262,7 @@
   </p:defaultTextStyle>
   <p:extLst>
     <p:ext uri="{EFAFB233-063F-42B5-8137-9DF3F51BA10A}">
-      <p15:sldGuideLst>
+      <p15:sldGuideLst xmlns:p15="http://schemas.microsoft.com/office/powerpoint/2012/main">
         <p15:guide id="1" orient="horz" pos="1620">
           <p15:clr>
             <a:srgbClr val="747775"/>
@@ -281,11 +280,16 @@
 </file>
 
 <file path=ppt/notesMasters/notesMaster1.xml><?xml version="1.0" encoding="utf-8"?>
-<p:notesMaster xmlns:a="http://schemas.openxmlformats.org/drawingml/2006/main" xmlns:r="http://schemas.openxmlformats.org/officeDocument/2006/relationships" xmlns:mc="http://schemas.openxmlformats.org/markup-compatibility/2006" xmlns:mv="urn:schemas-microsoft-com:mac:vml" xmlns:p="http://schemas.openxmlformats.org/presentationml/2006/main" xmlns:c="http://schemas.openxmlformats.org/drawingml/2006/chart" xmlns:dgm="http://schemas.openxmlformats.org/drawingml/2006/diagram" xmlns:o="urn:schemas-microsoft-com:office:office" xmlns:v="urn:schemas-microsoft-com:vml" xmlns:pvml="urn:schemas-microsoft-com:office:powerpoint" xmlns:com="http://schemas.openxmlformats.org/drawingml/2006/compatibility" xmlns:p14="http://schemas.microsoft.com/office/powerpoint/2010/main" xmlns:p15="http://schemas.microsoft.com/office/powerpoint/2012/main" xmlns:ahyp="http://schemas.microsoft.com/office/drawing/2018/hyperlinkcolor">
+<p:notesMaster xmlns:a="http://schemas.openxmlformats.org/drawingml/2006/main" xmlns:r="http://schemas.openxmlformats.org/officeDocument/2006/relationships" xmlns:p="http://schemas.openxmlformats.org/presentationml/2006/main">
   <p:cSld>
+    <p:bg>
+      <p:bgRef idx="1001">
+        <a:schemeClr val="bg1"/>
+      </p:bgRef>
+    </p:bg>
     <p:spTree>
       <p:nvGrpSpPr>
-        <p:cNvPr id="2" name="Shape 2"/>
+        <p:cNvPr id="1" name="Shape 2"/>
         <p:cNvGrpSpPr/>
         <p:nvPr/>
       </p:nvGrpSpPr>
@@ -300,9 +304,11 @@
       <p:sp>
         <p:nvSpPr>
           <p:cNvPr id="3" name="Google Shape;3;n"/>
-          <p:cNvSpPr/>
+          <p:cNvSpPr>
+            <a:spLocks noGrp="1" noRot="1" noChangeAspect="1"/>
+          </p:cNvSpPr>
           <p:nvPr>
-            <p:ph idx="2" type="sldImg"/>
+            <p:ph type="sldImg" idx="2"/>
           </p:nvPr>
         </p:nvSpPr>
         <p:spPr>
@@ -311,9 +317,13 @@
             <a:ext cx="6096075" cy="3429000"/>
           </a:xfrm>
           <a:custGeom>
-            <a:rect b="b" l="l" r="r" t="t"/>
+            <a:avLst/>
+            <a:gdLst/>
+            <a:ahLst/>
+            <a:cxnLst/>
+            <a:rect l="l" t="t" r="r" b="b"/>
             <a:pathLst>
-              <a:path extrusionOk="0" h="120000" w="120000">
+              <a:path w="120000" h="120000" extrusionOk="0">
                 <a:moveTo>
                   <a:pt x="0" y="0"/>
                 </a:moveTo>
@@ -331,23 +341,25 @@
             </a:pathLst>
           </a:custGeom>
           <a:noFill/>
-          <a:ln cap="flat" cmpd="sng" w="9525">
+          <a:ln w="9525" cap="flat" cmpd="sng">
             <a:solidFill>
               <a:srgbClr val="000000"/>
             </a:solidFill>
             <a:prstDash val="solid"/>
             <a:round/>
-            <a:headEnd len="sm" w="sm" type="none"/>
-            <a:tailEnd len="sm" w="sm" type="none"/>
+            <a:headEnd type="none" w="sm" len="sm"/>
+            <a:tailEnd type="none" w="sm" len="sm"/>
           </a:ln>
         </p:spPr>
       </p:sp>
       <p:sp>
         <p:nvSpPr>
           <p:cNvPr id="4" name="Google Shape;4;n"/>
-          <p:cNvSpPr txBox="1"/>
+          <p:cNvSpPr txBox="1">
+            <a:spLocks noGrp="1"/>
+          </p:cNvSpPr>
           <p:nvPr>
-            <p:ph idx="1" type="body"/>
+            <p:ph type="body" idx="1"/>
           </p:nvPr>
         </p:nvSpPr>
         <p:spPr>
@@ -364,11 +376,11 @@
           </a:ln>
         </p:spPr>
         <p:txBody>
-          <a:bodyPr anchorCtr="0" anchor="t" bIns="91425" lIns="91425" spcFirstLastPara="1" rIns="91425" wrap="square" tIns="91425">
+          <a:bodyPr spcFirstLastPara="1" wrap="square" lIns="91425" tIns="91425" rIns="91425" bIns="91425" anchor="t" anchorCtr="0">
             <a:noAutofit/>
           </a:bodyPr>
           <a:lstStyle>
-            <a:lvl1pPr indent="-298450" lvl="0" marL="457200">
+            <a:lvl1pPr marL="457200" lvl="0" indent="-298450">
               <a:spcBef>
                 <a:spcPts val="0"/>
               </a:spcBef>
@@ -379,7 +391,7 @@
               <a:buChar char="●"/>
               <a:defRPr sz="1100"/>
             </a:lvl1pPr>
-            <a:lvl2pPr indent="-298450" lvl="1" marL="914400">
+            <a:lvl2pPr marL="914400" lvl="1" indent="-298450">
               <a:spcBef>
                 <a:spcPts val="0"/>
               </a:spcBef>
@@ -390,7 +402,7 @@
               <a:buChar char="○"/>
               <a:defRPr sz="1100"/>
             </a:lvl2pPr>
-            <a:lvl3pPr indent="-298450" lvl="2" marL="1371600">
+            <a:lvl3pPr marL="1371600" lvl="2" indent="-298450">
               <a:spcBef>
                 <a:spcPts val="0"/>
               </a:spcBef>
@@ -401,7 +413,7 @@
               <a:buChar char="■"/>
               <a:defRPr sz="1100"/>
             </a:lvl3pPr>
-            <a:lvl4pPr indent="-298450" lvl="3" marL="1828800">
+            <a:lvl4pPr marL="1828800" lvl="3" indent="-298450">
               <a:spcBef>
                 <a:spcPts val="0"/>
               </a:spcBef>
@@ -412,7 +424,7 @@
               <a:buChar char="●"/>
               <a:defRPr sz="1100"/>
             </a:lvl4pPr>
-            <a:lvl5pPr indent="-298450" lvl="4" marL="2286000">
+            <a:lvl5pPr marL="2286000" lvl="4" indent="-298450">
               <a:spcBef>
                 <a:spcPts val="0"/>
               </a:spcBef>
@@ -423,7 +435,7 @@
               <a:buChar char="○"/>
               <a:defRPr sz="1100"/>
             </a:lvl5pPr>
-            <a:lvl6pPr indent="-298450" lvl="5" marL="2743200">
+            <a:lvl6pPr marL="2743200" lvl="5" indent="-298450">
               <a:spcBef>
                 <a:spcPts val="0"/>
               </a:spcBef>
@@ -434,7 +446,7 @@
               <a:buChar char="■"/>
               <a:defRPr sz="1100"/>
             </a:lvl6pPr>
-            <a:lvl7pPr indent="-298450" lvl="6" marL="3200400">
+            <a:lvl7pPr marL="3200400" lvl="6" indent="-298450">
               <a:spcBef>
                 <a:spcPts val="0"/>
               </a:spcBef>
@@ -445,7 +457,7 @@
               <a:buChar char="●"/>
               <a:defRPr sz="1100"/>
             </a:lvl7pPr>
-            <a:lvl8pPr indent="-298450" lvl="7" marL="3657600">
+            <a:lvl8pPr marL="3657600" lvl="7" indent="-298450">
               <a:spcBef>
                 <a:spcPts val="0"/>
               </a:spcBef>
@@ -456,7 +468,7 @@
               <a:buChar char="○"/>
               <a:defRPr sz="1100"/>
             </a:lvl8pPr>
-            <a:lvl9pPr indent="-298450" lvl="8" marL="4114800">
+            <a:lvl9pPr marL="4114800" lvl="8" indent="-298450">
               <a:spcBef>
                 <a:spcPts val="0"/>
               </a:spcBef>
@@ -468,14 +480,16 @@
               <a:defRPr sz="1100"/>
             </a:lvl9pPr>
           </a:lstStyle>
-          <a:p/>
+          <a:p>
+            <a:endParaRPr/>
+          </a:p>
         </p:txBody>
       </p:sp>
     </p:spTree>
   </p:cSld>
-  <p:clrMap accent1="accent1" accent2="accent2" accent3="accent3" accent4="accent4" accent5="accent5" accent6="accent6" bg1="lt1" bg2="dk2" tx1="dk1" tx2="lt2" folHlink="folHlink" hlink="hlink"/>
+  <p:clrMap bg1="lt1" tx1="dk1" bg2="dk2" tx2="lt2" accent1="accent1" accent2="accent2" accent3="accent3" accent4="accent4" accent5="accent5" accent6="accent6" hlink="hlink" folHlink="folHlink"/>
   <p:notesStyle>
-    <a:defPPr lvl="0" marR="0" rtl="0" algn="l">
+    <a:defPPr marR="0" lvl="0" algn="l" rtl="0">
       <a:lnSpc>
         <a:spcPct val="100000"/>
       </a:lnSpc>
@@ -486,7 +500,7 @@
         <a:spcPts val="0"/>
       </a:spcAft>
     </a:defPPr>
-    <a:lvl1pPr lvl="0" marR="0" rtl="0" algn="l">
+    <a:lvl1pPr marR="0" lvl="0" algn="l" rtl="0">
       <a:lnSpc>
         <a:spcPct val="100000"/>
       </a:lnSpc>
@@ -500,7 +514,7 @@
         <a:srgbClr val="000000"/>
       </a:buClr>
       <a:buFont typeface="Arial"/>
-      <a:defRPr b="0" i="0" sz="1400" u="none" cap="none" strike="noStrike">
+      <a:defRPr sz="1400" b="0" i="0" u="none" strike="noStrike" cap="none">
         <a:solidFill>
           <a:srgbClr val="000000"/>
         </a:solidFill>
@@ -510,7 +524,7 @@
         <a:sym typeface="Arial"/>
       </a:defRPr>
     </a:lvl1pPr>
-    <a:lvl2pPr lvl="1" marR="0" rtl="0" algn="l">
+    <a:lvl2pPr marR="0" lvl="1" algn="l" rtl="0">
       <a:lnSpc>
         <a:spcPct val="100000"/>
       </a:lnSpc>
@@ -524,7 +538,7 @@
         <a:srgbClr val="000000"/>
       </a:buClr>
       <a:buFont typeface="Arial"/>
-      <a:defRPr b="0" i="0" sz="1400" u="none" cap="none" strike="noStrike">
+      <a:defRPr sz="1400" b="0" i="0" u="none" strike="noStrike" cap="none">
         <a:solidFill>
           <a:srgbClr val="000000"/>
         </a:solidFill>
@@ -534,7 +548,7 @@
         <a:sym typeface="Arial"/>
       </a:defRPr>
     </a:lvl2pPr>
-    <a:lvl3pPr lvl="2" marR="0" rtl="0" algn="l">
+    <a:lvl3pPr marR="0" lvl="2" algn="l" rtl="0">
       <a:lnSpc>
         <a:spcPct val="100000"/>
       </a:lnSpc>
@@ -548,7 +562,7 @@
         <a:srgbClr val="000000"/>
       </a:buClr>
       <a:buFont typeface="Arial"/>
-      <a:defRPr b="0" i="0" sz="1400" u="none" cap="none" strike="noStrike">
+      <a:defRPr sz="1400" b="0" i="0" u="none" strike="noStrike" cap="none">
         <a:solidFill>
           <a:srgbClr val="000000"/>
         </a:solidFill>
@@ -558,7 +572,7 @@
         <a:sym typeface="Arial"/>
       </a:defRPr>
     </a:lvl3pPr>
-    <a:lvl4pPr lvl="3" marR="0" rtl="0" algn="l">
+    <a:lvl4pPr marR="0" lvl="3" algn="l" rtl="0">
       <a:lnSpc>
         <a:spcPct val="100000"/>
       </a:lnSpc>
@@ -572,7 +586,7 @@
         <a:srgbClr val="000000"/>
       </a:buClr>
       <a:buFont typeface="Arial"/>
-      <a:defRPr b="0" i="0" sz="1400" u="none" cap="none" strike="noStrike">
+      <a:defRPr sz="1400" b="0" i="0" u="none" strike="noStrike" cap="none">
         <a:solidFill>
           <a:srgbClr val="000000"/>
         </a:solidFill>
@@ -582,7 +596,7 @@
         <a:sym typeface="Arial"/>
       </a:defRPr>
     </a:lvl4pPr>
-    <a:lvl5pPr lvl="4" marR="0" rtl="0" algn="l">
+    <a:lvl5pPr marR="0" lvl="4" algn="l" rtl="0">
       <a:lnSpc>
         <a:spcPct val="100000"/>
       </a:lnSpc>
@@ -596,7 +610,7 @@
         <a:srgbClr val="000000"/>
       </a:buClr>
       <a:buFont typeface="Arial"/>
-      <a:defRPr b="0" i="0" sz="1400" u="none" cap="none" strike="noStrike">
+      <a:defRPr sz="1400" b="0" i="0" u="none" strike="noStrike" cap="none">
         <a:solidFill>
           <a:srgbClr val="000000"/>
         </a:solidFill>
@@ -606,7 +620,7 @@
         <a:sym typeface="Arial"/>
       </a:defRPr>
     </a:lvl5pPr>
-    <a:lvl6pPr lvl="5" marR="0" rtl="0" algn="l">
+    <a:lvl6pPr marR="0" lvl="5" algn="l" rtl="0">
       <a:lnSpc>
         <a:spcPct val="100000"/>
       </a:lnSpc>
@@ -620,7 +634,7 @@
         <a:srgbClr val="000000"/>
       </a:buClr>
       <a:buFont typeface="Arial"/>
-      <a:defRPr b="0" i="0" sz="1400" u="none" cap="none" strike="noStrike">
+      <a:defRPr sz="1400" b="0" i="0" u="none" strike="noStrike" cap="none">
         <a:solidFill>
           <a:srgbClr val="000000"/>
         </a:solidFill>
@@ -630,7 +644,7 @@
         <a:sym typeface="Arial"/>
       </a:defRPr>
     </a:lvl6pPr>
-    <a:lvl7pPr lvl="6" marR="0" rtl="0" algn="l">
+    <a:lvl7pPr marR="0" lvl="6" algn="l" rtl="0">
       <a:lnSpc>
         <a:spcPct val="100000"/>
       </a:lnSpc>
@@ -644,7 +658,7 @@
         <a:srgbClr val="000000"/>
       </a:buClr>
       <a:buFont typeface="Arial"/>
-      <a:defRPr b="0" i="0" sz="1400" u="none" cap="none" strike="noStrike">
+      <a:defRPr sz="1400" b="0" i="0" u="none" strike="noStrike" cap="none">
         <a:solidFill>
           <a:srgbClr val="000000"/>
         </a:solidFill>
@@ -654,7 +668,7 @@
         <a:sym typeface="Arial"/>
       </a:defRPr>
     </a:lvl7pPr>
-    <a:lvl8pPr lvl="7" marR="0" rtl="0" algn="l">
+    <a:lvl8pPr marR="0" lvl="7" algn="l" rtl="0">
       <a:lnSpc>
         <a:spcPct val="100000"/>
       </a:lnSpc>
@@ -668,7 +682,7 @@
         <a:srgbClr val="000000"/>
       </a:buClr>
       <a:buFont typeface="Arial"/>
-      <a:defRPr b="0" i="0" sz="1400" u="none" cap="none" strike="noStrike">
+      <a:defRPr sz="1400" b="0" i="0" u="none" strike="noStrike" cap="none">
         <a:solidFill>
           <a:srgbClr val="000000"/>
         </a:solidFill>
@@ -678,7 +692,7 @@
         <a:sym typeface="Arial"/>
       </a:defRPr>
     </a:lvl8pPr>
-    <a:lvl9pPr lvl="8" marR="0" rtl="0" algn="l">
+    <a:lvl9pPr marR="0" lvl="8" algn="l" rtl="0">
       <a:lnSpc>
         <a:spcPct val="100000"/>
       </a:lnSpc>
@@ -692,7 +706,7 @@
         <a:srgbClr val="000000"/>
       </a:buClr>
       <a:buFont typeface="Arial"/>
-      <a:defRPr b="0" i="0" sz="1400" u="none" cap="none" strike="noStrike">
+      <a:defRPr sz="1400" b="0" i="0" u="none" strike="noStrike" cap="none">
         <a:solidFill>
           <a:srgbClr val="000000"/>
         </a:solidFill>
@@ -707,11 +721,11 @@
 </file>
 
 <file path=ppt/notesSlides/notesSlide1.xml><?xml version="1.0" encoding="utf-8"?>
-<p:notes xmlns:a="http://schemas.openxmlformats.org/drawingml/2006/main" xmlns:r="http://schemas.openxmlformats.org/officeDocument/2006/relationships" xmlns:mc="http://schemas.openxmlformats.org/markup-compatibility/2006" xmlns:mv="urn:schemas-microsoft-com:mac:vml" xmlns:p="http://schemas.openxmlformats.org/presentationml/2006/main" xmlns:c="http://schemas.openxmlformats.org/drawingml/2006/chart" xmlns:dgm="http://schemas.openxmlformats.org/drawingml/2006/diagram" xmlns:o="urn:schemas-microsoft-com:office:office" xmlns:v="urn:schemas-microsoft-com:vml" xmlns:pvml="urn:schemas-microsoft-com:office:powerpoint" xmlns:com="http://schemas.openxmlformats.org/drawingml/2006/compatibility" xmlns:p14="http://schemas.microsoft.com/office/powerpoint/2010/main" xmlns:p15="http://schemas.microsoft.com/office/powerpoint/2012/main" xmlns:ahyp="http://schemas.microsoft.com/office/drawing/2018/hyperlinkcolor" showMasterPhAnim="0" showMasterSp="0">
+<p:notes xmlns:a="http://schemas.openxmlformats.org/drawingml/2006/main" xmlns:r="http://schemas.openxmlformats.org/officeDocument/2006/relationships" xmlns:p="http://schemas.openxmlformats.org/presentationml/2006/main" showMasterSp="0" showMasterPhAnim="0">
   <p:cSld>
     <p:spTree>
       <p:nvGrpSpPr>
-        <p:cNvPr id="59" name="Shape 59"/>
+        <p:cNvPr id="1" name="Shape 59"/>
         <p:cNvGrpSpPr/>
         <p:nvPr/>
       </p:nvGrpSpPr>
@@ -726,9 +740,11 @@
       <p:sp>
         <p:nvSpPr>
           <p:cNvPr id="60" name="Google Shape;60;p:notes"/>
-          <p:cNvSpPr/>
+          <p:cNvSpPr>
+            <a:spLocks noGrp="1" noRot="1" noChangeAspect="1"/>
+          </p:cNvSpPr>
           <p:nvPr>
-            <p:ph idx="2" type="sldImg"/>
+            <p:ph type="sldImg" idx="2"/>
           </p:nvPr>
         </p:nvSpPr>
         <p:spPr>
@@ -737,9 +753,13 @@
             <a:ext cx="6096075" cy="3429000"/>
           </a:xfrm>
           <a:custGeom>
-            <a:rect b="b" l="l" r="r" t="t"/>
+            <a:avLst/>
+            <a:gdLst/>
+            <a:ahLst/>
+            <a:cxnLst/>
+            <a:rect l="l" t="t" r="r" b="b"/>
             <a:pathLst>
-              <a:path extrusionOk="0" h="120000" w="120000">
+              <a:path w="120000" h="120000" extrusionOk="0">
                 <a:moveTo>
                   <a:pt x="0" y="0"/>
                 </a:moveTo>
@@ -761,9 +781,11 @@
       <p:sp>
         <p:nvSpPr>
           <p:cNvPr id="61" name="Google Shape;61;p:notes"/>
-          <p:cNvSpPr txBox="1"/>
+          <p:cNvSpPr txBox="1">
+            <a:spLocks noGrp="1"/>
+          </p:cNvSpPr>
           <p:nvPr>
-            <p:ph idx="1" type="body"/>
+            <p:ph type="body" idx="1"/>
           </p:nvPr>
         </p:nvSpPr>
         <p:spPr>
@@ -776,12 +798,12 @@
           </a:prstGeom>
         </p:spPr>
         <p:txBody>
-          <a:bodyPr anchorCtr="0" anchor="t" bIns="91425" lIns="91425" spcFirstLastPara="1" rIns="91425" wrap="square" tIns="91425">
+          <a:bodyPr spcFirstLastPara="1" wrap="square" lIns="91425" tIns="91425" rIns="91425" bIns="91425" anchor="t" anchorCtr="0">
             <a:noAutofit/>
           </a:bodyPr>
           <a:lstStyle/>
           <a:p>
-            <a:pPr indent="0" lvl="0" marL="0" rtl="0" algn="l">
+            <a:pPr marL="0" lvl="0" indent="0" algn="l" rtl="0">
               <a:spcBef>
                 <a:spcPts val="0"/>
               </a:spcBef>
@@ -790,9 +812,6 @@
               </a:spcAft>
               <a:buNone/>
             </a:pPr>
-            <a:r>
-              <a:t/>
-            </a:r>
             <a:endParaRPr/>
           </a:p>
         </p:txBody>
@@ -806,11 +825,11 @@
 </file>
 
 <file path=ppt/notesSlides/notesSlide2.xml><?xml version="1.0" encoding="utf-8"?>
-<p:notes xmlns:a="http://schemas.openxmlformats.org/drawingml/2006/main" xmlns:r="http://schemas.openxmlformats.org/officeDocument/2006/relationships" xmlns:mc="http://schemas.openxmlformats.org/markup-compatibility/2006" xmlns:mv="urn:schemas-microsoft-com:mac:vml" xmlns:p="http://schemas.openxmlformats.org/presentationml/2006/main" xmlns:c="http://schemas.openxmlformats.org/drawingml/2006/chart" xmlns:dgm="http://schemas.openxmlformats.org/drawingml/2006/diagram" xmlns:o="urn:schemas-microsoft-com:office:office" xmlns:v="urn:schemas-microsoft-com:vml" xmlns:pvml="urn:schemas-microsoft-com:office:powerpoint" xmlns:com="http://schemas.openxmlformats.org/drawingml/2006/compatibility" xmlns:p14="http://schemas.microsoft.com/office/powerpoint/2010/main" xmlns:p15="http://schemas.microsoft.com/office/powerpoint/2012/main" xmlns:ahyp="http://schemas.microsoft.com/office/drawing/2018/hyperlinkcolor" showMasterPhAnim="0" showMasterSp="0">
+<p:notes xmlns:a="http://schemas.openxmlformats.org/drawingml/2006/main" xmlns:r="http://schemas.openxmlformats.org/officeDocument/2006/relationships" xmlns:p="http://schemas.openxmlformats.org/presentationml/2006/main" showMasterSp="0" showMasterPhAnim="0">
   <p:cSld>
     <p:spTree>
       <p:nvGrpSpPr>
-        <p:cNvPr id="65" name="Shape 65"/>
+        <p:cNvPr id="1" name="Shape 65"/>
         <p:cNvGrpSpPr/>
         <p:nvPr/>
       </p:nvGrpSpPr>
@@ -825,9 +844,11 @@
       <p:sp>
         <p:nvSpPr>
           <p:cNvPr id="66" name="Google Shape;66;g2da567a3b1c_0_0:notes"/>
-          <p:cNvSpPr/>
+          <p:cNvSpPr>
+            <a:spLocks noGrp="1" noRot="1" noChangeAspect="1"/>
+          </p:cNvSpPr>
           <p:nvPr>
-            <p:ph idx="2" type="sldImg"/>
+            <p:ph type="sldImg" idx="2"/>
           </p:nvPr>
         </p:nvSpPr>
         <p:spPr>
@@ -836,9 +857,13 @@
             <a:ext cx="6096000" cy="3429000"/>
           </a:xfrm>
           <a:custGeom>
-            <a:rect b="b" l="l" r="r" t="t"/>
+            <a:avLst/>
+            <a:gdLst/>
+            <a:ahLst/>
+            <a:cxnLst/>
+            <a:rect l="l" t="t" r="r" b="b"/>
             <a:pathLst>
-              <a:path extrusionOk="0" h="120000" w="120000">
+              <a:path w="120000" h="120000" extrusionOk="0">
                 <a:moveTo>
                   <a:pt x="0" y="0"/>
                 </a:moveTo>
@@ -860,9 +885,11 @@
       <p:sp>
         <p:nvSpPr>
           <p:cNvPr id="67" name="Google Shape;67;g2da567a3b1c_0_0:notes"/>
-          <p:cNvSpPr txBox="1"/>
+          <p:cNvSpPr txBox="1">
+            <a:spLocks noGrp="1"/>
+          </p:cNvSpPr>
           <p:nvPr>
-            <p:ph idx="1" type="body"/>
+            <p:ph type="body" idx="1"/>
           </p:nvPr>
         </p:nvSpPr>
         <p:spPr>
@@ -875,12 +902,12 @@
           </a:prstGeom>
         </p:spPr>
         <p:txBody>
-          <a:bodyPr anchorCtr="0" anchor="t" bIns="91425" lIns="91425" spcFirstLastPara="1" rIns="91425" wrap="square" tIns="91425">
+          <a:bodyPr spcFirstLastPara="1" wrap="square" lIns="91425" tIns="91425" rIns="91425" bIns="91425" anchor="t" anchorCtr="0">
             <a:noAutofit/>
           </a:bodyPr>
           <a:lstStyle/>
           <a:p>
-            <a:pPr indent="0" lvl="0" marL="0" rtl="0" algn="l">
+            <a:pPr marL="0" lvl="0" indent="0" algn="l" rtl="0">
               <a:spcBef>
                 <a:spcPts val="0"/>
               </a:spcBef>
@@ -889,9 +916,6 @@
               </a:spcAft>
               <a:buNone/>
             </a:pPr>
-            <a:r>
-              <a:t/>
-            </a:r>
             <a:endParaRPr/>
           </a:p>
         </p:txBody>
@@ -905,11 +929,11 @@
 </file>
 
 <file path=ppt/notesSlides/notesSlide3.xml><?xml version="1.0" encoding="utf-8"?>
-<p:notes xmlns:a="http://schemas.openxmlformats.org/drawingml/2006/main" xmlns:r="http://schemas.openxmlformats.org/officeDocument/2006/relationships" xmlns:mc="http://schemas.openxmlformats.org/markup-compatibility/2006" xmlns:mv="urn:schemas-microsoft-com:mac:vml" xmlns:p="http://schemas.openxmlformats.org/presentationml/2006/main" xmlns:c="http://schemas.openxmlformats.org/drawingml/2006/chart" xmlns:dgm="http://schemas.openxmlformats.org/drawingml/2006/diagram" xmlns:o="urn:schemas-microsoft-com:office:office" xmlns:v="urn:schemas-microsoft-com:vml" xmlns:pvml="urn:schemas-microsoft-com:office:powerpoint" xmlns:com="http://schemas.openxmlformats.org/drawingml/2006/compatibility" xmlns:p14="http://schemas.microsoft.com/office/powerpoint/2010/main" xmlns:p15="http://schemas.microsoft.com/office/powerpoint/2012/main" xmlns:ahyp="http://schemas.microsoft.com/office/drawing/2018/hyperlinkcolor" showMasterPhAnim="0" showMasterSp="0">
+<p:notes xmlns:a="http://schemas.openxmlformats.org/drawingml/2006/main" xmlns:r="http://schemas.openxmlformats.org/officeDocument/2006/relationships" xmlns:p="http://schemas.openxmlformats.org/presentationml/2006/main" showMasterSp="0" showMasterPhAnim="0">
   <p:cSld>
     <p:spTree>
       <p:nvGrpSpPr>
-        <p:cNvPr id="72" name="Shape 72"/>
+        <p:cNvPr id="1" name="Shape 72"/>
         <p:cNvGrpSpPr/>
         <p:nvPr/>
       </p:nvGrpSpPr>
@@ -924,9 +948,11 @@
       <p:sp>
         <p:nvSpPr>
           <p:cNvPr id="73" name="Google Shape;73;g2da567a3b1c_0_16:notes"/>
-          <p:cNvSpPr/>
+          <p:cNvSpPr>
+            <a:spLocks noGrp="1" noRot="1" noChangeAspect="1"/>
+          </p:cNvSpPr>
           <p:nvPr>
-            <p:ph idx="2" type="sldImg"/>
+            <p:ph type="sldImg" idx="2"/>
           </p:nvPr>
         </p:nvSpPr>
         <p:spPr>
@@ -935,9 +961,13 @@
             <a:ext cx="6096000" cy="3429000"/>
           </a:xfrm>
           <a:custGeom>
-            <a:rect b="b" l="l" r="r" t="t"/>
+            <a:avLst/>
+            <a:gdLst/>
+            <a:ahLst/>
+            <a:cxnLst/>
+            <a:rect l="l" t="t" r="r" b="b"/>
             <a:pathLst>
-              <a:path extrusionOk="0" h="120000" w="120000">
+              <a:path w="120000" h="120000" extrusionOk="0">
                 <a:moveTo>
                   <a:pt x="0" y="0"/>
                 </a:moveTo>
@@ -959,9 +989,11 @@
       <p:sp>
         <p:nvSpPr>
           <p:cNvPr id="74" name="Google Shape;74;g2da567a3b1c_0_16:notes"/>
-          <p:cNvSpPr txBox="1"/>
+          <p:cNvSpPr txBox="1">
+            <a:spLocks noGrp="1"/>
+          </p:cNvSpPr>
           <p:nvPr>
-            <p:ph idx="1" type="body"/>
+            <p:ph type="body" idx="1"/>
           </p:nvPr>
         </p:nvSpPr>
         <p:spPr>
@@ -974,12 +1006,12 @@
           </a:prstGeom>
         </p:spPr>
         <p:txBody>
-          <a:bodyPr anchorCtr="0" anchor="t" bIns="91425" lIns="91425" spcFirstLastPara="1" rIns="91425" wrap="square" tIns="91425">
+          <a:bodyPr spcFirstLastPara="1" wrap="square" lIns="91425" tIns="91425" rIns="91425" bIns="91425" anchor="t" anchorCtr="0">
             <a:noAutofit/>
           </a:bodyPr>
           <a:lstStyle/>
           <a:p>
-            <a:pPr indent="0" lvl="0" marL="0" rtl="0" algn="l">
+            <a:pPr marL="0" lvl="0" indent="0" algn="l" rtl="0">
               <a:spcBef>
                 <a:spcPts val="0"/>
               </a:spcBef>
@@ -1005,11 +1037,11 @@
 </file>
 
 <file path=ppt/notesSlides/notesSlide4.xml><?xml version="1.0" encoding="utf-8"?>
-<p:notes xmlns:a="http://schemas.openxmlformats.org/drawingml/2006/main" xmlns:r="http://schemas.openxmlformats.org/officeDocument/2006/relationships" xmlns:mc="http://schemas.openxmlformats.org/markup-compatibility/2006" xmlns:mv="urn:schemas-microsoft-com:mac:vml" xmlns:p="http://schemas.openxmlformats.org/presentationml/2006/main" xmlns:c="http://schemas.openxmlformats.org/drawingml/2006/chart" xmlns:dgm="http://schemas.openxmlformats.org/drawingml/2006/diagram" xmlns:o="urn:schemas-microsoft-com:office:office" xmlns:v="urn:schemas-microsoft-com:vml" xmlns:pvml="urn:schemas-microsoft-com:office:powerpoint" xmlns:com="http://schemas.openxmlformats.org/drawingml/2006/compatibility" xmlns:p14="http://schemas.microsoft.com/office/powerpoint/2010/main" xmlns:p15="http://schemas.microsoft.com/office/powerpoint/2012/main" xmlns:ahyp="http://schemas.microsoft.com/office/drawing/2018/hyperlinkcolor" showMasterPhAnim="0" showMasterSp="0">
+<p:notes xmlns:a="http://schemas.openxmlformats.org/drawingml/2006/main" xmlns:r="http://schemas.openxmlformats.org/officeDocument/2006/relationships" xmlns:p="http://schemas.openxmlformats.org/presentationml/2006/main" showMasterSp="0" showMasterPhAnim="0">
   <p:cSld>
     <p:spTree>
       <p:nvGrpSpPr>
-        <p:cNvPr id="79" name="Shape 79"/>
+        <p:cNvPr id="1" name="Shape 79"/>
         <p:cNvGrpSpPr/>
         <p:nvPr/>
       </p:nvGrpSpPr>
@@ -1024,9 +1056,11 @@
       <p:sp>
         <p:nvSpPr>
           <p:cNvPr id="80" name="Google Shape;80;g2da567a3b1c_0_5:notes"/>
-          <p:cNvSpPr/>
+          <p:cNvSpPr>
+            <a:spLocks noGrp="1" noRot="1" noChangeAspect="1"/>
+          </p:cNvSpPr>
           <p:nvPr>
-            <p:ph idx="2" type="sldImg"/>
+            <p:ph type="sldImg" idx="2"/>
           </p:nvPr>
         </p:nvSpPr>
         <p:spPr>
@@ -1035,9 +1069,13 @@
             <a:ext cx="6096000" cy="3429000"/>
           </a:xfrm>
           <a:custGeom>
-            <a:rect b="b" l="l" r="r" t="t"/>
+            <a:avLst/>
+            <a:gdLst/>
+            <a:ahLst/>
+            <a:cxnLst/>
+            <a:rect l="l" t="t" r="r" b="b"/>
             <a:pathLst>
-              <a:path extrusionOk="0" h="120000" w="120000">
+              <a:path w="120000" h="120000" extrusionOk="0">
                 <a:moveTo>
                   <a:pt x="0" y="0"/>
                 </a:moveTo>
@@ -1059,9 +1097,11 @@
       <p:sp>
         <p:nvSpPr>
           <p:cNvPr id="81" name="Google Shape;81;g2da567a3b1c_0_5:notes"/>
-          <p:cNvSpPr txBox="1"/>
+          <p:cNvSpPr txBox="1">
+            <a:spLocks noGrp="1"/>
+          </p:cNvSpPr>
           <p:nvPr>
-            <p:ph idx="1" type="body"/>
+            <p:ph type="body" idx="1"/>
           </p:nvPr>
         </p:nvSpPr>
         <p:spPr>
@@ -1074,12 +1114,12 @@
           </a:prstGeom>
         </p:spPr>
         <p:txBody>
-          <a:bodyPr anchorCtr="0" anchor="t" bIns="91425" lIns="91425" spcFirstLastPara="1" rIns="91425" wrap="square" tIns="91425">
+          <a:bodyPr spcFirstLastPara="1" wrap="square" lIns="91425" tIns="91425" rIns="91425" bIns="91425" anchor="t" anchorCtr="0">
             <a:noAutofit/>
           </a:bodyPr>
           <a:lstStyle/>
           <a:p>
-            <a:pPr indent="0" lvl="0" marL="0" rtl="0" algn="l">
+            <a:pPr marL="0" lvl="0" indent="0" algn="l" rtl="0">
               <a:spcBef>
                 <a:spcPts val="0"/>
               </a:spcBef>
@@ -1088,9 +1128,6 @@
               </a:spcAft>
               <a:buNone/>
             </a:pPr>
-            <a:r>
-              <a:t/>
-            </a:r>
             <a:endParaRPr/>
           </a:p>
         </p:txBody>
@@ -1104,11 +1141,11 @@
 </file>
 
 <file path=ppt/notesSlides/notesSlide5.xml><?xml version="1.0" encoding="utf-8"?>
-<p:notes xmlns:a="http://schemas.openxmlformats.org/drawingml/2006/main" xmlns:r="http://schemas.openxmlformats.org/officeDocument/2006/relationships" xmlns:mc="http://schemas.openxmlformats.org/markup-compatibility/2006" xmlns:mv="urn:schemas-microsoft-com:mac:vml" xmlns:p="http://schemas.openxmlformats.org/presentationml/2006/main" xmlns:c="http://schemas.openxmlformats.org/drawingml/2006/chart" xmlns:dgm="http://schemas.openxmlformats.org/drawingml/2006/diagram" xmlns:o="urn:schemas-microsoft-com:office:office" xmlns:v="urn:schemas-microsoft-com:vml" xmlns:pvml="urn:schemas-microsoft-com:office:powerpoint" xmlns:com="http://schemas.openxmlformats.org/drawingml/2006/compatibility" xmlns:p14="http://schemas.microsoft.com/office/powerpoint/2010/main" xmlns:p15="http://schemas.microsoft.com/office/powerpoint/2012/main" xmlns:ahyp="http://schemas.microsoft.com/office/drawing/2018/hyperlinkcolor" showMasterPhAnim="0" showMasterSp="0">
+<p:notes xmlns:a="http://schemas.openxmlformats.org/drawingml/2006/main" xmlns:r="http://schemas.openxmlformats.org/officeDocument/2006/relationships" xmlns:p="http://schemas.openxmlformats.org/presentationml/2006/main" showMasterSp="0" showMasterPhAnim="0">
   <p:cSld>
     <p:spTree>
       <p:nvGrpSpPr>
-        <p:cNvPr id="87" name="Shape 87"/>
+        <p:cNvPr id="1" name="Shape 87"/>
         <p:cNvGrpSpPr/>
         <p:nvPr/>
       </p:nvGrpSpPr>
@@ -1123,20 +1160,26 @@
       <p:sp>
         <p:nvSpPr>
           <p:cNvPr id="88" name="Google Shape;88;g2da567a3b1c_0_10:notes"/>
-          <p:cNvSpPr/>
+          <p:cNvSpPr>
+            <a:spLocks noGrp="1" noRot="1" noChangeAspect="1"/>
+          </p:cNvSpPr>
           <p:nvPr>
-            <p:ph idx="2" type="sldImg"/>
+            <p:ph type="sldImg" idx="2"/>
           </p:nvPr>
         </p:nvSpPr>
         <p:spPr>
           <a:xfrm>
-            <a:off x="381300" y="685800"/>
+            <a:off x="381000" y="685800"/>
             <a:ext cx="6096000" cy="3429000"/>
           </a:xfrm>
           <a:custGeom>
-            <a:rect b="b" l="l" r="r" t="t"/>
+            <a:avLst/>
+            <a:gdLst/>
+            <a:ahLst/>
+            <a:cxnLst/>
+            <a:rect l="l" t="t" r="r" b="b"/>
             <a:pathLst>
-              <a:path extrusionOk="0" h="120000" w="120000">
+              <a:path w="120000" h="120000" extrusionOk="0">
                 <a:moveTo>
                   <a:pt x="0" y="0"/>
                 </a:moveTo>
@@ -1158,9 +1201,11 @@
       <p:sp>
         <p:nvSpPr>
           <p:cNvPr id="89" name="Google Shape;89;g2da567a3b1c_0_10:notes"/>
-          <p:cNvSpPr txBox="1"/>
+          <p:cNvSpPr txBox="1">
+            <a:spLocks noGrp="1"/>
+          </p:cNvSpPr>
           <p:nvPr>
-            <p:ph idx="1" type="body"/>
+            <p:ph type="body" idx="1"/>
           </p:nvPr>
         </p:nvSpPr>
         <p:spPr>
@@ -1173,12 +1218,12 @@
           </a:prstGeom>
         </p:spPr>
         <p:txBody>
-          <a:bodyPr anchorCtr="0" anchor="t" bIns="91425" lIns="91425" spcFirstLastPara="1" rIns="91425" wrap="square" tIns="91425">
+          <a:bodyPr spcFirstLastPara="1" wrap="square" lIns="91425" tIns="91425" rIns="91425" bIns="91425" anchor="t" anchorCtr="0">
             <a:noAutofit/>
           </a:bodyPr>
           <a:lstStyle/>
           <a:p>
-            <a:pPr indent="0" lvl="0" marL="0" rtl="0" algn="l">
+            <a:pPr marL="0" lvl="0" indent="0" algn="l" rtl="0">
               <a:lnSpc>
                 <a:spcPct val="115000"/>
               </a:lnSpc>
@@ -1208,7 +1253,7 @@
               <a:t>Jumping - </a:t>
             </a:r>
             <a:r>
-              <a:rPr b="1" lang="en" sz="1200">
+              <a:rPr lang="en" sz="1200" b="1">
                 <a:solidFill>
                   <a:schemeClr val="dk1"/>
                 </a:solidFill>
@@ -1242,7 +1287,7 @@
             </a:endParaRPr>
           </a:p>
           <a:p>
-            <a:pPr indent="0" lvl="0" marL="0" rtl="0" algn="l">
+            <a:pPr marL="0" lvl="0" indent="0" algn="l" rtl="0">
               <a:lnSpc>
                 <a:spcPct val="115000"/>
               </a:lnSpc>
@@ -1272,7 +1317,7 @@
               <a:t>Aiming - An aiming line </a:t>
             </a:r>
             <a:r>
-              <a:rPr i="1" lang="en" sz="1200">
+              <a:rPr lang="en" sz="1200" i="1">
                 <a:solidFill>
                   <a:schemeClr val="dk1"/>
                 </a:solidFill>
@@ -1296,7 +1341,7 @@
               <a:t> goes up and down, </a:t>
             </a:r>
             <a:r>
-              <a:rPr b="1" lang="en" sz="1200">
+              <a:rPr lang="en" sz="1200" b="1">
                 <a:solidFill>
                   <a:schemeClr val="dk1"/>
                 </a:solidFill>
@@ -1330,7 +1375,7 @@
             </a:endParaRPr>
           </a:p>
           <a:p>
-            <a:pPr indent="0" lvl="0" marL="0" rtl="0" algn="l">
+            <a:pPr marL="0" lvl="0" indent="0" algn="l" rtl="0">
               <a:lnSpc>
                 <a:spcPct val="115000"/>
               </a:lnSpc>
@@ -1376,11 +1421,11 @@
 </file>
 
 <file path=ppt/notesSlides/notesSlide6.xml><?xml version="1.0" encoding="utf-8"?>
-<p:notes xmlns:a="http://schemas.openxmlformats.org/drawingml/2006/main" xmlns:r="http://schemas.openxmlformats.org/officeDocument/2006/relationships" xmlns:mc="http://schemas.openxmlformats.org/markup-compatibility/2006" xmlns:mv="urn:schemas-microsoft-com:mac:vml" xmlns:p="http://schemas.openxmlformats.org/presentationml/2006/main" xmlns:c="http://schemas.openxmlformats.org/drawingml/2006/chart" xmlns:dgm="http://schemas.openxmlformats.org/drawingml/2006/diagram" xmlns:o="urn:schemas-microsoft-com:office:office" xmlns:v="urn:schemas-microsoft-com:vml" xmlns:pvml="urn:schemas-microsoft-com:office:powerpoint" xmlns:com="http://schemas.openxmlformats.org/drawingml/2006/compatibility" xmlns:p14="http://schemas.microsoft.com/office/powerpoint/2010/main" xmlns:p15="http://schemas.microsoft.com/office/powerpoint/2012/main" xmlns:ahyp="http://schemas.microsoft.com/office/drawing/2018/hyperlinkcolor" showMasterPhAnim="0" showMasterSp="0">
+<p:notes xmlns:a="http://schemas.openxmlformats.org/drawingml/2006/main" xmlns:r="http://schemas.openxmlformats.org/officeDocument/2006/relationships" xmlns:p="http://schemas.openxmlformats.org/presentationml/2006/main" showMasterSp="0" showMasterPhAnim="0">
   <p:cSld>
     <p:spTree>
       <p:nvGrpSpPr>
-        <p:cNvPr id="94" name="Shape 94"/>
+        <p:cNvPr id="1" name="Shape 94"/>
         <p:cNvGrpSpPr/>
         <p:nvPr/>
       </p:nvGrpSpPr>
@@ -1395,9 +1440,11 @@
       <p:sp>
         <p:nvSpPr>
           <p:cNvPr id="95" name="Google Shape;95;g2da67bc78ea_2_0:notes"/>
-          <p:cNvSpPr/>
+          <p:cNvSpPr>
+            <a:spLocks noGrp="1" noRot="1" noChangeAspect="1"/>
+          </p:cNvSpPr>
           <p:nvPr>
-            <p:ph idx="2" type="sldImg"/>
+            <p:ph type="sldImg" idx="2"/>
           </p:nvPr>
         </p:nvSpPr>
         <p:spPr>
@@ -1406,9 +1453,13 @@
             <a:ext cx="6096000" cy="3429000"/>
           </a:xfrm>
           <a:custGeom>
-            <a:rect b="b" l="l" r="r" t="t"/>
+            <a:avLst/>
+            <a:gdLst/>
+            <a:ahLst/>
+            <a:cxnLst/>
+            <a:rect l="l" t="t" r="r" b="b"/>
             <a:pathLst>
-              <a:path extrusionOk="0" h="120000" w="120000">
+              <a:path w="120000" h="120000" extrusionOk="0">
                 <a:moveTo>
                   <a:pt x="0" y="0"/>
                 </a:moveTo>
@@ -1430,9 +1481,11 @@
       <p:sp>
         <p:nvSpPr>
           <p:cNvPr id="96" name="Google Shape;96;g2da67bc78ea_2_0:notes"/>
-          <p:cNvSpPr txBox="1"/>
+          <p:cNvSpPr txBox="1">
+            <a:spLocks noGrp="1"/>
+          </p:cNvSpPr>
           <p:nvPr>
-            <p:ph idx="1" type="body"/>
+            <p:ph type="body" idx="1"/>
           </p:nvPr>
         </p:nvSpPr>
         <p:spPr>
@@ -1445,12 +1498,12 @@
           </a:prstGeom>
         </p:spPr>
         <p:txBody>
-          <a:bodyPr anchorCtr="0" anchor="t" bIns="91425" lIns="91425" spcFirstLastPara="1" rIns="91425" wrap="square" tIns="91425">
+          <a:bodyPr spcFirstLastPara="1" wrap="square" lIns="91425" tIns="91425" rIns="91425" bIns="91425" anchor="t" anchorCtr="0">
             <a:noAutofit/>
           </a:bodyPr>
           <a:lstStyle/>
           <a:p>
-            <a:pPr indent="0" lvl="0" marL="0" rtl="0" algn="l">
+            <a:pPr marL="0" lvl="0" indent="0" algn="l" rtl="0">
               <a:spcBef>
                 <a:spcPts val="0"/>
               </a:spcBef>
@@ -1459,108 +1512,6 @@
               </a:spcAft>
               <a:buNone/>
             </a:pPr>
-            <a:r>
-              <a:t/>
-            </a:r>
-            <a:endParaRPr/>
-          </a:p>
-        </p:txBody>
-      </p:sp>
-    </p:spTree>
-  </p:cSld>
-  <p:clrMapOvr>
-    <a:masterClrMapping/>
-  </p:clrMapOvr>
-</p:notes>
-</file>
-
-<file path=ppt/notesSlides/notesSlide7.xml><?xml version="1.0" encoding="utf-8"?>
-<p:notes xmlns:a="http://schemas.openxmlformats.org/drawingml/2006/main" xmlns:r="http://schemas.openxmlformats.org/officeDocument/2006/relationships" xmlns:mc="http://schemas.openxmlformats.org/markup-compatibility/2006" xmlns:mv="urn:schemas-microsoft-com:mac:vml" xmlns:p="http://schemas.openxmlformats.org/presentationml/2006/main" xmlns:c="http://schemas.openxmlformats.org/drawingml/2006/chart" xmlns:dgm="http://schemas.openxmlformats.org/drawingml/2006/diagram" xmlns:o="urn:schemas-microsoft-com:office:office" xmlns:v="urn:schemas-microsoft-com:vml" xmlns:pvml="urn:schemas-microsoft-com:office:powerpoint" xmlns:com="http://schemas.openxmlformats.org/drawingml/2006/compatibility" xmlns:p14="http://schemas.microsoft.com/office/powerpoint/2010/main" xmlns:p15="http://schemas.microsoft.com/office/powerpoint/2012/main" xmlns:ahyp="http://schemas.microsoft.com/office/drawing/2018/hyperlinkcolor" showMasterPhAnim="0" showMasterSp="0">
-  <p:cSld>
-    <p:spTree>
-      <p:nvGrpSpPr>
-        <p:cNvPr id="101" name="Shape 101"/>
-        <p:cNvGrpSpPr/>
-        <p:nvPr/>
-      </p:nvGrpSpPr>
-      <p:grpSpPr>
-        <a:xfrm>
-          <a:off x="0" y="0"/>
-          <a:ext cx="0" cy="0"/>
-          <a:chOff x="0" y="0"/>
-          <a:chExt cx="0" cy="0"/>
-        </a:xfrm>
-      </p:grpSpPr>
-      <p:sp>
-        <p:nvSpPr>
-          <p:cNvPr id="102" name="Google Shape;102;g2da567a3b1c_0_27:notes"/>
-          <p:cNvSpPr/>
-          <p:nvPr>
-            <p:ph idx="2" type="sldImg"/>
-          </p:nvPr>
-        </p:nvSpPr>
-        <p:spPr>
-          <a:xfrm>
-            <a:off x="381300" y="685800"/>
-            <a:ext cx="6096000" cy="3429000"/>
-          </a:xfrm>
-          <a:custGeom>
-            <a:rect b="b" l="l" r="r" t="t"/>
-            <a:pathLst>
-              <a:path extrusionOk="0" h="120000" w="120000">
-                <a:moveTo>
-                  <a:pt x="0" y="0"/>
-                </a:moveTo>
-                <a:lnTo>
-                  <a:pt x="120000" y="0"/>
-                </a:lnTo>
-                <a:lnTo>
-                  <a:pt x="120000" y="120000"/>
-                </a:lnTo>
-                <a:lnTo>
-                  <a:pt x="0" y="120000"/>
-                </a:lnTo>
-                <a:close/>
-              </a:path>
-            </a:pathLst>
-          </a:custGeom>
-        </p:spPr>
-      </p:sp>
-      <p:sp>
-        <p:nvSpPr>
-          <p:cNvPr id="103" name="Google Shape;103;g2da567a3b1c_0_27:notes"/>
-          <p:cNvSpPr txBox="1"/>
-          <p:nvPr>
-            <p:ph idx="1" type="body"/>
-          </p:nvPr>
-        </p:nvSpPr>
-        <p:spPr>
-          <a:xfrm>
-            <a:off x="685800" y="4343400"/>
-            <a:ext cx="5486400" cy="4114800"/>
-          </a:xfrm>
-          <a:prstGeom prst="rect">
-            <a:avLst/>
-          </a:prstGeom>
-        </p:spPr>
-        <p:txBody>
-          <a:bodyPr anchorCtr="0" anchor="t" bIns="91425" lIns="91425" spcFirstLastPara="1" rIns="91425" wrap="square" tIns="91425">
-            <a:noAutofit/>
-          </a:bodyPr>
-          <a:lstStyle/>
-          <a:p>
-            <a:pPr indent="0" lvl="0" marL="0" rtl="0" algn="l">
-              <a:spcBef>
-                <a:spcPts val="0"/>
-              </a:spcBef>
-              <a:spcAft>
-                <a:spcPts val="0"/>
-              </a:spcAft>
-              <a:buNone/>
-            </a:pPr>
-            <a:r>
-              <a:t/>
-            </a:r>
             <a:endParaRPr/>
           </a:p>
         </p:txBody>
@@ -1574,11 +1525,11 @@
 </file>
 
 <file path=ppt/slideLayouts/slideLayout1.xml><?xml version="1.0" encoding="utf-8"?>
-<p:sldLayout xmlns:a="http://schemas.openxmlformats.org/drawingml/2006/main" xmlns:r="http://schemas.openxmlformats.org/officeDocument/2006/relationships" xmlns:mc="http://schemas.openxmlformats.org/markup-compatibility/2006" xmlns:mv="urn:schemas-microsoft-com:mac:vml" xmlns:p="http://schemas.openxmlformats.org/presentationml/2006/main" xmlns:c="http://schemas.openxmlformats.org/drawingml/2006/chart" xmlns:dgm="http://schemas.openxmlformats.org/drawingml/2006/diagram" xmlns:o="urn:schemas-microsoft-com:office:office" xmlns:v="urn:schemas-microsoft-com:vml" xmlns:pvml="urn:schemas-microsoft-com:office:powerpoint" xmlns:com="http://schemas.openxmlformats.org/drawingml/2006/compatibility" xmlns:p14="http://schemas.microsoft.com/office/powerpoint/2010/main" xmlns:p15="http://schemas.microsoft.com/office/powerpoint/2012/main" xmlns:ahyp="http://schemas.microsoft.com/office/drawing/2018/hyperlinkcolor" matchingName="Title slide" type="title">
+<p:sldLayout xmlns:a="http://schemas.openxmlformats.org/drawingml/2006/main" xmlns:r="http://schemas.openxmlformats.org/officeDocument/2006/relationships" xmlns:p="http://schemas.openxmlformats.org/presentationml/2006/main" matchingName="Title slide" type="title">
   <p:cSld name="TITLE">
     <p:spTree>
       <p:nvGrpSpPr>
-        <p:cNvPr id="9" name="Shape 9"/>
+        <p:cNvPr id="1" name="Shape 9"/>
         <p:cNvGrpSpPr/>
         <p:nvPr/>
       </p:nvGrpSpPr>
@@ -1602,9 +1553,13 @@
             <a:ext cx="1081625" cy="1124950"/>
           </a:xfrm>
           <a:custGeom>
-            <a:rect b="b" l="l" r="r" t="t"/>
+            <a:avLst/>
+            <a:gdLst/>
+            <a:ahLst/>
+            <a:cxnLst/>
+            <a:rect l="l" t="t" r="r" b="b"/>
             <a:pathLst>
-              <a:path extrusionOk="0" h="44998" w="43265">
+              <a:path w="43265" h="44998" extrusionOk="0">
                 <a:moveTo>
                   <a:pt x="0" y="44998"/>
                 </a:moveTo>
@@ -1618,14 +1573,14 @@
             </a:pathLst>
           </a:custGeom>
           <a:noFill/>
-          <a:ln cap="flat" cmpd="sng" w="28575">
+          <a:ln w="28575" cap="flat" cmpd="sng">
             <a:solidFill>
               <a:schemeClr val="accent5"/>
             </a:solidFill>
             <a:prstDash val="solid"/>
             <a:miter lim="8000"/>
-            <a:headEnd len="sm" w="sm" type="none"/>
-            <a:tailEnd len="sm" w="sm" type="none"/>
+            <a:headEnd type="none" w="sm" len="sm"/>
+            <a:tailEnd type="none" w="sm" len="sm"/>
           </a:ln>
         </p:spPr>
       </p:sp>
@@ -1641,9 +1596,13 @@
             <a:ext cx="1081625" cy="1124950"/>
           </a:xfrm>
           <a:custGeom>
-            <a:rect b="b" l="l" r="r" t="t"/>
+            <a:avLst/>
+            <a:gdLst/>
+            <a:ahLst/>
+            <a:cxnLst/>
+            <a:rect l="l" t="t" r="r" b="b"/>
             <a:pathLst>
-              <a:path extrusionOk="0" h="44998" w="43265">
+              <a:path w="43265" h="44998" extrusionOk="0">
                 <a:moveTo>
                   <a:pt x="0" y="44998"/>
                 </a:moveTo>
@@ -1657,14 +1616,14 @@
             </a:pathLst>
           </a:custGeom>
           <a:noFill/>
-          <a:ln cap="flat" cmpd="sng" w="28575">
+          <a:ln w="28575" cap="flat" cmpd="sng">
             <a:solidFill>
               <a:schemeClr val="accent5"/>
             </a:solidFill>
             <a:prstDash val="solid"/>
             <a:miter lim="8000"/>
-            <a:headEnd len="sm" w="sm" type="none"/>
-            <a:tailEnd len="sm" w="sm" type="none"/>
+            <a:headEnd type="none" w="sm" len="sm"/>
+            <a:tailEnd type="none" w="sm" len="sm"/>
           </a:ln>
         </p:spPr>
       </p:sp>
@@ -1683,21 +1642,23 @@
             <a:avLst/>
           </a:prstGeom>
           <a:noFill/>
-          <a:ln cap="flat" cmpd="sng" w="38100">
+          <a:ln w="38100" cap="flat" cmpd="sng">
             <a:solidFill>
               <a:schemeClr val="accent4"/>
             </a:solidFill>
             <a:prstDash val="solid"/>
             <a:round/>
-            <a:headEnd len="sm" w="sm" type="none"/>
-            <a:tailEnd len="sm" w="sm" type="none"/>
+            <a:headEnd type="none" w="sm" len="sm"/>
+            <a:tailEnd type="none" w="sm" len="sm"/>
           </a:ln>
         </p:spPr>
       </p:cxnSp>
       <p:sp>
         <p:nvSpPr>
           <p:cNvPr id="13" name="Google Shape;13;p2"/>
-          <p:cNvSpPr txBox="1"/>
+          <p:cNvSpPr txBox="1">
+            <a:spLocks noGrp="1"/>
+          </p:cNvSpPr>
           <p:nvPr>
             <p:ph type="ctrTitle"/>
           </p:nvPr>
@@ -1712,7 +1673,7 @@
           </a:prstGeom>
         </p:spPr>
         <p:txBody>
-          <a:bodyPr anchorCtr="0" anchor="b" bIns="91425" lIns="91425" spcFirstLastPara="1" rIns="91425" wrap="square" tIns="91425">
+          <a:bodyPr spcFirstLastPara="1" wrap="square" lIns="91425" tIns="91425" rIns="91425" bIns="91425" anchor="b" anchorCtr="0">
             <a:normAutofit/>
           </a:bodyPr>
           <a:lstStyle>
@@ -1816,15 +1777,19 @@
               <a:defRPr sz="4000"/>
             </a:lvl9pPr>
           </a:lstStyle>
-          <a:p/>
+          <a:p>
+            <a:endParaRPr/>
+          </a:p>
         </p:txBody>
       </p:sp>
       <p:sp>
         <p:nvSpPr>
           <p:cNvPr id="14" name="Google Shape;14;p2"/>
-          <p:cNvSpPr txBox="1"/>
+          <p:cNvSpPr txBox="1">
+            <a:spLocks noGrp="1"/>
+          </p:cNvSpPr>
           <p:nvPr>
-            <p:ph idx="1" type="subTitle"/>
+            <p:ph type="subTitle" idx="1"/>
           </p:nvPr>
         </p:nvSpPr>
         <p:spPr>
@@ -1837,7 +1802,7 @@
           </a:prstGeom>
         </p:spPr>
         <p:txBody>
-          <a:bodyPr anchorCtr="0" anchor="t" bIns="91425" lIns="91425" spcFirstLastPara="1" rIns="91425" wrap="square" tIns="91425">
+          <a:bodyPr spcFirstLastPara="1" wrap="square" lIns="91425" tIns="91425" rIns="91425" bIns="91425" anchor="t" anchorCtr="0">
             <a:normAutofit/>
           </a:bodyPr>
           <a:lstStyle>
@@ -2076,15 +2041,19 @@
               </a:defRPr>
             </a:lvl9pPr>
           </a:lstStyle>
-          <a:p/>
+          <a:p>
+            <a:endParaRPr/>
+          </a:p>
         </p:txBody>
       </p:sp>
       <p:sp>
         <p:nvSpPr>
           <p:cNvPr id="15" name="Google Shape;15;p2"/>
-          <p:cNvSpPr txBox="1"/>
+          <p:cNvSpPr txBox="1">
+            <a:spLocks noGrp="1"/>
+          </p:cNvSpPr>
           <p:nvPr>
-            <p:ph idx="12" type="sldNum"/>
+            <p:ph type="sldNum" idx="12"/>
           </p:nvPr>
         </p:nvSpPr>
         <p:spPr>
@@ -2097,7 +2066,7 @@
           </a:prstGeom>
         </p:spPr>
         <p:txBody>
-          <a:bodyPr anchorCtr="0" anchor="ctr" bIns="91425" lIns="91425" spcFirstLastPara="1" rIns="91425" wrap="square" tIns="91425">
+          <a:bodyPr spcFirstLastPara="1" wrap="square" lIns="91425" tIns="91425" rIns="91425" bIns="91425" anchor="ctr" anchorCtr="0">
             <a:normAutofit/>
           </a:bodyPr>
           <a:lstStyle>
@@ -2139,7 +2108,7 @@
             </a:lvl9pPr>
           </a:lstStyle>
           <a:p>
-            <a:pPr indent="0" lvl="0" marL="0" rtl="0" algn="r">
+            <a:pPr marL="0" lvl="0" indent="0" algn="r" rtl="0">
               <a:spcBef>
                 <a:spcPts val="0"/>
               </a:spcBef>
@@ -2165,11 +2134,11 @@
 </file>
 
 <file path=ppt/slideLayouts/slideLayout10.xml><?xml version="1.0" encoding="utf-8"?>
-<p:sldLayout xmlns:a="http://schemas.openxmlformats.org/drawingml/2006/main" xmlns:r="http://schemas.openxmlformats.org/officeDocument/2006/relationships" xmlns:mc="http://schemas.openxmlformats.org/markup-compatibility/2006" xmlns:mv="urn:schemas-microsoft-com:mac:vml" xmlns:p="http://schemas.openxmlformats.org/presentationml/2006/main" xmlns:c="http://schemas.openxmlformats.org/drawingml/2006/chart" xmlns:dgm="http://schemas.openxmlformats.org/drawingml/2006/diagram" xmlns:o="urn:schemas-microsoft-com:office:office" xmlns:v="urn:schemas-microsoft-com:vml" xmlns:pvml="urn:schemas-microsoft-com:office:powerpoint" xmlns:com="http://schemas.openxmlformats.org/drawingml/2006/compatibility" xmlns:p14="http://schemas.microsoft.com/office/powerpoint/2010/main" xmlns:p15="http://schemas.microsoft.com/office/powerpoint/2012/main" xmlns:ahyp="http://schemas.microsoft.com/office/drawing/2018/hyperlinkcolor" matchingName="Big number">
+<p:sldLayout xmlns:a="http://schemas.openxmlformats.org/drawingml/2006/main" xmlns:r="http://schemas.openxmlformats.org/officeDocument/2006/relationships" xmlns:p="http://schemas.openxmlformats.org/presentationml/2006/main" matchingName="Big number">
   <p:cSld name="BIG_NUMBER">
     <p:spTree>
       <p:nvGrpSpPr>
-        <p:cNvPr id="52" name="Shape 52"/>
+        <p:cNvPr id="1" name="Shape 52"/>
         <p:cNvGrpSpPr/>
         <p:nvPr/>
       </p:nvGrpSpPr>
@@ -2203,12 +2172,12 @@
           </a:ln>
         </p:spPr>
         <p:txBody>
-          <a:bodyPr anchorCtr="0" anchor="ctr" bIns="91425" lIns="91425" spcFirstLastPara="1" rIns="91425" wrap="square" tIns="91425">
+          <a:bodyPr spcFirstLastPara="1" wrap="square" lIns="91425" tIns="91425" rIns="91425" bIns="91425" anchor="ctr" anchorCtr="0">
             <a:noAutofit/>
           </a:bodyPr>
           <a:lstStyle/>
           <a:p>
-            <a:pPr indent="0" lvl="0" marL="0" rtl="0" algn="l">
+            <a:pPr marL="0" lvl="0" indent="0" algn="l" rtl="0">
               <a:spcBef>
                 <a:spcPts val="0"/>
               </a:spcBef>
@@ -2217,9 +2186,6 @@
               </a:spcAft>
               <a:buNone/>
             </a:pPr>
-            <a:r>
-              <a:t/>
-            </a:r>
             <a:endParaRPr/>
           </a:p>
         </p:txBody>
@@ -2227,9 +2193,11 @@
       <p:sp>
         <p:nvSpPr>
           <p:cNvPr id="54" name="Google Shape;54;p11"/>
-          <p:cNvSpPr txBox="1"/>
+          <p:cNvSpPr txBox="1">
+            <a:spLocks noGrp="1"/>
+          </p:cNvSpPr>
           <p:nvPr>
-            <p:ph hasCustomPrompt="1" type="title"/>
+            <p:ph type="title" hasCustomPrompt="1"/>
           </p:nvPr>
         </p:nvSpPr>
         <p:spPr>
@@ -2242,7 +2210,7 @@
           </a:prstGeom>
         </p:spPr>
         <p:txBody>
-          <a:bodyPr anchorCtr="0" anchor="ctr" bIns="91425" lIns="91425" spcFirstLastPara="1" rIns="91425" wrap="square" tIns="91425">
+          <a:bodyPr spcFirstLastPara="1" wrap="square" lIns="91425" tIns="91425" rIns="91425" bIns="91425" anchor="ctr" anchorCtr="0">
             <a:normAutofit/>
           </a:bodyPr>
           <a:lstStyle>
@@ -2419,9 +2387,11 @@
       <p:sp>
         <p:nvSpPr>
           <p:cNvPr id="55" name="Google Shape;55;p11"/>
-          <p:cNvSpPr txBox="1"/>
+          <p:cNvSpPr txBox="1">
+            <a:spLocks noGrp="1"/>
+          </p:cNvSpPr>
           <p:nvPr>
-            <p:ph idx="1" type="body"/>
+            <p:ph type="body" idx="1"/>
           </p:nvPr>
         </p:nvSpPr>
         <p:spPr>
@@ -2434,11 +2404,11 @@
           </a:prstGeom>
         </p:spPr>
         <p:txBody>
-          <a:bodyPr anchorCtr="0" anchor="t" bIns="91425" lIns="91425" spcFirstLastPara="1" rIns="91425" wrap="square" tIns="91425">
+          <a:bodyPr spcFirstLastPara="1" wrap="square" lIns="91425" tIns="91425" rIns="91425" bIns="91425" anchor="t" anchorCtr="0">
             <a:normAutofit/>
           </a:bodyPr>
           <a:lstStyle>
-            <a:lvl1pPr indent="-342900" lvl="0" marL="457200" algn="ctr">
+            <a:lvl1pPr marL="457200" lvl="0" indent="-342900" algn="ctr">
               <a:spcBef>
                 <a:spcPts val="0"/>
               </a:spcBef>
@@ -2449,7 +2419,7 @@
               <a:buChar char="●"/>
               <a:defRPr/>
             </a:lvl1pPr>
-            <a:lvl2pPr indent="-317500" lvl="1" marL="914400" algn="ctr">
+            <a:lvl2pPr marL="914400" lvl="1" indent="-317500" algn="ctr">
               <a:spcBef>
                 <a:spcPts val="0"/>
               </a:spcBef>
@@ -2460,7 +2430,7 @@
               <a:buChar char="○"/>
               <a:defRPr/>
             </a:lvl2pPr>
-            <a:lvl3pPr indent="-317500" lvl="2" marL="1371600" algn="ctr">
+            <a:lvl3pPr marL="1371600" lvl="2" indent="-317500" algn="ctr">
               <a:spcBef>
                 <a:spcPts val="0"/>
               </a:spcBef>
@@ -2471,7 +2441,7 @@
               <a:buChar char="■"/>
               <a:defRPr/>
             </a:lvl3pPr>
-            <a:lvl4pPr indent="-317500" lvl="3" marL="1828800" algn="ctr">
+            <a:lvl4pPr marL="1828800" lvl="3" indent="-317500" algn="ctr">
               <a:spcBef>
                 <a:spcPts val="0"/>
               </a:spcBef>
@@ -2482,7 +2452,7 @@
               <a:buChar char="●"/>
               <a:defRPr/>
             </a:lvl4pPr>
-            <a:lvl5pPr indent="-317500" lvl="4" marL="2286000" algn="ctr">
+            <a:lvl5pPr marL="2286000" lvl="4" indent="-317500" algn="ctr">
               <a:spcBef>
                 <a:spcPts val="0"/>
               </a:spcBef>
@@ -2493,7 +2463,7 @@
               <a:buChar char="○"/>
               <a:defRPr/>
             </a:lvl5pPr>
-            <a:lvl6pPr indent="-317500" lvl="5" marL="2743200" algn="ctr">
+            <a:lvl6pPr marL="2743200" lvl="5" indent="-317500" algn="ctr">
               <a:spcBef>
                 <a:spcPts val="0"/>
               </a:spcBef>
@@ -2504,7 +2474,7 @@
               <a:buChar char="■"/>
               <a:defRPr/>
             </a:lvl6pPr>
-            <a:lvl7pPr indent="-317500" lvl="6" marL="3200400" algn="ctr">
+            <a:lvl7pPr marL="3200400" lvl="6" indent="-317500" algn="ctr">
               <a:spcBef>
                 <a:spcPts val="0"/>
               </a:spcBef>
@@ -2515,7 +2485,7 @@
               <a:buChar char="●"/>
               <a:defRPr/>
             </a:lvl7pPr>
-            <a:lvl8pPr indent="-317500" lvl="7" marL="3657600" algn="ctr">
+            <a:lvl8pPr marL="3657600" lvl="7" indent="-317500" algn="ctr">
               <a:spcBef>
                 <a:spcPts val="0"/>
               </a:spcBef>
@@ -2526,7 +2496,7 @@
               <a:buChar char="○"/>
               <a:defRPr/>
             </a:lvl8pPr>
-            <a:lvl9pPr indent="-317500" lvl="8" marL="4114800" algn="ctr">
+            <a:lvl9pPr marL="4114800" lvl="8" indent="-317500" algn="ctr">
               <a:spcBef>
                 <a:spcPts val="0"/>
               </a:spcBef>
@@ -2538,15 +2508,19 @@
               <a:defRPr/>
             </a:lvl9pPr>
           </a:lstStyle>
-          <a:p/>
+          <a:p>
+            <a:endParaRPr/>
+          </a:p>
         </p:txBody>
       </p:sp>
       <p:sp>
         <p:nvSpPr>
           <p:cNvPr id="56" name="Google Shape;56;p11"/>
-          <p:cNvSpPr txBox="1"/>
+          <p:cNvSpPr txBox="1">
+            <a:spLocks noGrp="1"/>
+          </p:cNvSpPr>
           <p:nvPr>
-            <p:ph idx="12" type="sldNum"/>
+            <p:ph type="sldNum" idx="12"/>
           </p:nvPr>
         </p:nvSpPr>
         <p:spPr>
@@ -2559,7 +2533,7 @@
           </a:prstGeom>
         </p:spPr>
         <p:txBody>
-          <a:bodyPr anchorCtr="0" anchor="ctr" bIns="91425" lIns="91425" spcFirstLastPara="1" rIns="91425" wrap="square" tIns="91425">
+          <a:bodyPr spcFirstLastPara="1" wrap="square" lIns="91425" tIns="91425" rIns="91425" bIns="91425" anchor="ctr" anchorCtr="0">
             <a:normAutofit/>
           </a:bodyPr>
           <a:lstStyle>
@@ -2601,7 +2575,7 @@
             </a:lvl9pPr>
           </a:lstStyle>
           <a:p>
-            <a:pPr indent="0" lvl="0" marL="0" rtl="0" algn="r">
+            <a:pPr marL="0" lvl="0" indent="0" algn="r" rtl="0">
               <a:spcBef>
                 <a:spcPts val="0"/>
               </a:spcBef>
@@ -2627,11 +2601,11 @@
 </file>
 
 <file path=ppt/slideLayouts/slideLayout11.xml><?xml version="1.0" encoding="utf-8"?>
-<p:sldLayout xmlns:a="http://schemas.openxmlformats.org/drawingml/2006/main" xmlns:r="http://schemas.openxmlformats.org/officeDocument/2006/relationships" xmlns:mc="http://schemas.openxmlformats.org/markup-compatibility/2006" xmlns:mv="urn:schemas-microsoft-com:mac:vml" xmlns:p="http://schemas.openxmlformats.org/presentationml/2006/main" xmlns:c="http://schemas.openxmlformats.org/drawingml/2006/chart" xmlns:dgm="http://schemas.openxmlformats.org/drawingml/2006/diagram" xmlns:o="urn:schemas-microsoft-com:office:office" xmlns:v="urn:schemas-microsoft-com:vml" xmlns:pvml="urn:schemas-microsoft-com:office:powerpoint" xmlns:com="http://schemas.openxmlformats.org/drawingml/2006/compatibility" xmlns:p14="http://schemas.microsoft.com/office/powerpoint/2010/main" xmlns:p15="http://schemas.microsoft.com/office/powerpoint/2012/main" xmlns:ahyp="http://schemas.microsoft.com/office/drawing/2018/hyperlinkcolor" matchingName="Blank" type="blank">
+<p:sldLayout xmlns:a="http://schemas.openxmlformats.org/drawingml/2006/main" xmlns:r="http://schemas.openxmlformats.org/officeDocument/2006/relationships" xmlns:p="http://schemas.openxmlformats.org/presentationml/2006/main" matchingName="Blank" type="blank">
   <p:cSld name="BLANK">
     <p:spTree>
       <p:nvGrpSpPr>
-        <p:cNvPr id="57" name="Shape 57"/>
+        <p:cNvPr id="1" name="Shape 57"/>
         <p:cNvGrpSpPr/>
         <p:nvPr/>
       </p:nvGrpSpPr>
@@ -2646,9 +2620,11 @@
       <p:sp>
         <p:nvSpPr>
           <p:cNvPr id="58" name="Google Shape;58;p12"/>
-          <p:cNvSpPr txBox="1"/>
+          <p:cNvSpPr txBox="1">
+            <a:spLocks noGrp="1"/>
+          </p:cNvSpPr>
           <p:nvPr>
-            <p:ph idx="12" type="sldNum"/>
+            <p:ph type="sldNum" idx="12"/>
           </p:nvPr>
         </p:nvSpPr>
         <p:spPr>
@@ -2661,7 +2637,7 @@
           </a:prstGeom>
         </p:spPr>
         <p:txBody>
-          <a:bodyPr anchorCtr="0" anchor="ctr" bIns="91425" lIns="91425" spcFirstLastPara="1" rIns="91425" wrap="square" tIns="91425">
+          <a:bodyPr spcFirstLastPara="1" wrap="square" lIns="91425" tIns="91425" rIns="91425" bIns="91425" anchor="ctr" anchorCtr="0">
             <a:normAutofit/>
           </a:bodyPr>
           <a:lstStyle>
@@ -2703,7 +2679,7 @@
             </a:lvl9pPr>
           </a:lstStyle>
           <a:p>
-            <a:pPr indent="0" lvl="0" marL="0" rtl="0" algn="r">
+            <a:pPr marL="0" lvl="0" indent="0" algn="r" rtl="0">
               <a:spcBef>
                 <a:spcPts val="0"/>
               </a:spcBef>
@@ -2729,11 +2705,11 @@
 </file>
 
 <file path=ppt/slideLayouts/slideLayout2.xml><?xml version="1.0" encoding="utf-8"?>
-<p:sldLayout xmlns:a="http://schemas.openxmlformats.org/drawingml/2006/main" xmlns:r="http://schemas.openxmlformats.org/officeDocument/2006/relationships" xmlns:mc="http://schemas.openxmlformats.org/markup-compatibility/2006" xmlns:mv="urn:schemas-microsoft-com:mac:vml" xmlns:p="http://schemas.openxmlformats.org/presentationml/2006/main" xmlns:c="http://schemas.openxmlformats.org/drawingml/2006/chart" xmlns:dgm="http://schemas.openxmlformats.org/drawingml/2006/diagram" xmlns:o="urn:schemas-microsoft-com:office:office" xmlns:v="urn:schemas-microsoft-com:vml" xmlns:pvml="urn:schemas-microsoft-com:office:powerpoint" xmlns:com="http://schemas.openxmlformats.org/drawingml/2006/compatibility" xmlns:p14="http://schemas.microsoft.com/office/powerpoint/2010/main" xmlns:p15="http://schemas.microsoft.com/office/powerpoint/2012/main" xmlns:ahyp="http://schemas.microsoft.com/office/drawing/2018/hyperlinkcolor" matchingName="Section header" type="secHead">
+<p:sldLayout xmlns:a="http://schemas.openxmlformats.org/drawingml/2006/main" xmlns:r="http://schemas.openxmlformats.org/officeDocument/2006/relationships" xmlns:p="http://schemas.openxmlformats.org/presentationml/2006/main" matchingName="Section header" type="secHead">
   <p:cSld name="SECTION_HEADER">
     <p:spTree>
       <p:nvGrpSpPr>
-        <p:cNvPr id="16" name="Shape 16"/>
+        <p:cNvPr id="1" name="Shape 16"/>
         <p:cNvGrpSpPr/>
         <p:nvPr/>
       </p:nvGrpSpPr>
@@ -2760,21 +2736,23 @@
             <a:avLst/>
           </a:prstGeom>
           <a:noFill/>
-          <a:ln cap="flat" cmpd="sng" w="38100">
+          <a:ln w="38100" cap="flat" cmpd="sng">
             <a:solidFill>
               <a:schemeClr val="accent4"/>
             </a:solidFill>
             <a:prstDash val="solid"/>
             <a:round/>
-            <a:headEnd len="sm" w="sm" type="none"/>
-            <a:tailEnd len="sm" w="sm" type="none"/>
+            <a:headEnd type="none" w="sm" len="sm"/>
+            <a:tailEnd type="none" w="sm" len="sm"/>
           </a:ln>
         </p:spPr>
       </p:cxnSp>
       <p:sp>
         <p:nvSpPr>
           <p:cNvPr id="18" name="Google Shape;18;p3"/>
-          <p:cNvSpPr txBox="1"/>
+          <p:cNvSpPr txBox="1">
+            <a:spLocks noGrp="1"/>
+          </p:cNvSpPr>
           <p:nvPr>
             <p:ph type="title"/>
           </p:nvPr>
@@ -2789,7 +2767,7 @@
           </a:prstGeom>
         </p:spPr>
         <p:txBody>
-          <a:bodyPr anchorCtr="0" anchor="b" bIns="91425" lIns="91425" spcFirstLastPara="1" rIns="91425" wrap="square" tIns="91425">
+          <a:bodyPr spcFirstLastPara="1" wrap="square" lIns="91425" tIns="91425" rIns="91425" bIns="91425" anchor="b" anchorCtr="0">
             <a:normAutofit/>
           </a:bodyPr>
           <a:lstStyle>
@@ -2893,15 +2871,19 @@
               <a:defRPr sz="4800"/>
             </a:lvl9pPr>
           </a:lstStyle>
-          <a:p/>
+          <a:p>
+            <a:endParaRPr/>
+          </a:p>
         </p:txBody>
       </p:sp>
       <p:sp>
         <p:nvSpPr>
           <p:cNvPr id="19" name="Google Shape;19;p3"/>
-          <p:cNvSpPr txBox="1"/>
+          <p:cNvSpPr txBox="1">
+            <a:spLocks noGrp="1"/>
+          </p:cNvSpPr>
           <p:nvPr>
-            <p:ph idx="12" type="sldNum"/>
+            <p:ph type="sldNum" idx="12"/>
           </p:nvPr>
         </p:nvSpPr>
         <p:spPr>
@@ -2914,7 +2896,7 @@
           </a:prstGeom>
         </p:spPr>
         <p:txBody>
-          <a:bodyPr anchorCtr="0" anchor="ctr" bIns="91425" lIns="91425" spcFirstLastPara="1" rIns="91425" wrap="square" tIns="91425">
+          <a:bodyPr spcFirstLastPara="1" wrap="square" lIns="91425" tIns="91425" rIns="91425" bIns="91425" anchor="ctr" anchorCtr="0">
             <a:normAutofit/>
           </a:bodyPr>
           <a:lstStyle>
@@ -2956,7 +2938,7 @@
             </a:lvl9pPr>
           </a:lstStyle>
           <a:p>
-            <a:pPr indent="0" lvl="0" marL="0" rtl="0" algn="r">
+            <a:pPr marL="0" lvl="0" indent="0" algn="r" rtl="0">
               <a:spcBef>
                 <a:spcPts val="0"/>
               </a:spcBef>
@@ -2982,11 +2964,11 @@
 </file>
 
 <file path=ppt/slideLayouts/slideLayout3.xml><?xml version="1.0" encoding="utf-8"?>
-<p:sldLayout xmlns:a="http://schemas.openxmlformats.org/drawingml/2006/main" xmlns:r="http://schemas.openxmlformats.org/officeDocument/2006/relationships" xmlns:mc="http://schemas.openxmlformats.org/markup-compatibility/2006" xmlns:mv="urn:schemas-microsoft-com:mac:vml" xmlns:p="http://schemas.openxmlformats.org/presentationml/2006/main" xmlns:c="http://schemas.openxmlformats.org/drawingml/2006/chart" xmlns:dgm="http://schemas.openxmlformats.org/drawingml/2006/diagram" xmlns:o="urn:schemas-microsoft-com:office:office" xmlns:v="urn:schemas-microsoft-com:vml" xmlns:pvml="urn:schemas-microsoft-com:office:powerpoint" xmlns:com="http://schemas.openxmlformats.org/drawingml/2006/compatibility" xmlns:p14="http://schemas.microsoft.com/office/powerpoint/2010/main" xmlns:p15="http://schemas.microsoft.com/office/powerpoint/2012/main" xmlns:ahyp="http://schemas.microsoft.com/office/drawing/2018/hyperlinkcolor" matchingName="Title and body" type="tx">
+<p:sldLayout xmlns:a="http://schemas.openxmlformats.org/drawingml/2006/main" xmlns:r="http://schemas.openxmlformats.org/officeDocument/2006/relationships" xmlns:p="http://schemas.openxmlformats.org/presentationml/2006/main" matchingName="Title and body" type="tx">
   <p:cSld name="TITLE_AND_BODY">
     <p:spTree>
       <p:nvGrpSpPr>
-        <p:cNvPr id="20" name="Shape 20"/>
+        <p:cNvPr id="1" name="Shape 20"/>
         <p:cNvGrpSpPr/>
         <p:nvPr/>
       </p:nvGrpSpPr>
@@ -3013,21 +2995,23 @@
             <a:avLst/>
           </a:prstGeom>
           <a:noFill/>
-          <a:ln cap="flat" cmpd="sng" w="38100">
+          <a:ln w="38100" cap="flat" cmpd="sng">
             <a:solidFill>
               <a:schemeClr val="accent4"/>
             </a:solidFill>
             <a:prstDash val="solid"/>
             <a:round/>
-            <a:headEnd len="sm" w="sm" type="none"/>
-            <a:tailEnd len="sm" w="sm" type="none"/>
+            <a:headEnd type="none" w="sm" len="sm"/>
+            <a:tailEnd type="none" w="sm" len="sm"/>
           </a:ln>
         </p:spPr>
       </p:cxnSp>
       <p:sp>
         <p:nvSpPr>
           <p:cNvPr id="22" name="Google Shape;22;p4"/>
-          <p:cNvSpPr txBox="1"/>
+          <p:cNvSpPr txBox="1">
+            <a:spLocks noGrp="1"/>
+          </p:cNvSpPr>
           <p:nvPr>
             <p:ph type="title"/>
           </p:nvPr>
@@ -3042,7 +3026,7 @@
           </a:prstGeom>
         </p:spPr>
         <p:txBody>
-          <a:bodyPr anchorCtr="0" anchor="b" bIns="91425" lIns="91425" spcFirstLastPara="1" rIns="91425" wrap="square" tIns="91425">
+          <a:bodyPr spcFirstLastPara="1" wrap="square" lIns="91425" tIns="91425" rIns="91425" bIns="91425" anchor="b" anchorCtr="0">
             <a:normAutofit/>
           </a:bodyPr>
           <a:lstStyle>
@@ -3146,15 +3130,19 @@
               <a:defRPr/>
             </a:lvl9pPr>
           </a:lstStyle>
-          <a:p/>
+          <a:p>
+            <a:endParaRPr/>
+          </a:p>
         </p:txBody>
       </p:sp>
       <p:sp>
         <p:nvSpPr>
           <p:cNvPr id="23" name="Google Shape;23;p4"/>
-          <p:cNvSpPr txBox="1"/>
+          <p:cNvSpPr txBox="1">
+            <a:spLocks noGrp="1"/>
+          </p:cNvSpPr>
           <p:nvPr>
-            <p:ph idx="1" type="body"/>
+            <p:ph type="body" idx="1"/>
           </p:nvPr>
         </p:nvSpPr>
         <p:spPr>
@@ -3167,11 +3155,11 @@
           </a:prstGeom>
         </p:spPr>
         <p:txBody>
-          <a:bodyPr anchorCtr="0" anchor="t" bIns="91425" lIns="91425" spcFirstLastPara="1" rIns="91425" wrap="square" tIns="91425">
+          <a:bodyPr spcFirstLastPara="1" wrap="square" lIns="91425" tIns="91425" rIns="91425" bIns="91425" anchor="t" anchorCtr="0">
             <a:normAutofit/>
           </a:bodyPr>
           <a:lstStyle>
-            <a:lvl1pPr indent="-342900" lvl="0" marL="457200">
+            <a:lvl1pPr marL="457200" lvl="0" indent="-342900">
               <a:spcBef>
                 <a:spcPts val="0"/>
               </a:spcBef>
@@ -3182,7 +3170,7 @@
               <a:buChar char="●"/>
               <a:defRPr/>
             </a:lvl1pPr>
-            <a:lvl2pPr indent="-317500" lvl="1" marL="914400">
+            <a:lvl2pPr marL="914400" lvl="1" indent="-317500">
               <a:spcBef>
                 <a:spcPts val="0"/>
               </a:spcBef>
@@ -3193,7 +3181,7 @@
               <a:buChar char="○"/>
               <a:defRPr/>
             </a:lvl2pPr>
-            <a:lvl3pPr indent="-317500" lvl="2" marL="1371600">
+            <a:lvl3pPr marL="1371600" lvl="2" indent="-317500">
               <a:spcBef>
                 <a:spcPts val="0"/>
               </a:spcBef>
@@ -3204,7 +3192,7 @@
               <a:buChar char="■"/>
               <a:defRPr/>
             </a:lvl3pPr>
-            <a:lvl4pPr indent="-317500" lvl="3" marL="1828800">
+            <a:lvl4pPr marL="1828800" lvl="3" indent="-317500">
               <a:spcBef>
                 <a:spcPts val="0"/>
               </a:spcBef>
@@ -3215,7 +3203,7 @@
               <a:buChar char="●"/>
               <a:defRPr/>
             </a:lvl4pPr>
-            <a:lvl5pPr indent="-317500" lvl="4" marL="2286000">
+            <a:lvl5pPr marL="2286000" lvl="4" indent="-317500">
               <a:spcBef>
                 <a:spcPts val="0"/>
               </a:spcBef>
@@ -3226,7 +3214,7 @@
               <a:buChar char="○"/>
               <a:defRPr/>
             </a:lvl5pPr>
-            <a:lvl6pPr indent="-317500" lvl="5" marL="2743200">
+            <a:lvl6pPr marL="2743200" lvl="5" indent="-317500">
               <a:spcBef>
                 <a:spcPts val="0"/>
               </a:spcBef>
@@ -3237,7 +3225,7 @@
               <a:buChar char="■"/>
               <a:defRPr/>
             </a:lvl6pPr>
-            <a:lvl7pPr indent="-317500" lvl="6" marL="3200400">
+            <a:lvl7pPr marL="3200400" lvl="6" indent="-317500">
               <a:spcBef>
                 <a:spcPts val="0"/>
               </a:spcBef>
@@ -3248,7 +3236,7 @@
               <a:buChar char="●"/>
               <a:defRPr/>
             </a:lvl7pPr>
-            <a:lvl8pPr indent="-317500" lvl="7" marL="3657600">
+            <a:lvl8pPr marL="3657600" lvl="7" indent="-317500">
               <a:spcBef>
                 <a:spcPts val="0"/>
               </a:spcBef>
@@ -3259,7 +3247,7 @@
               <a:buChar char="○"/>
               <a:defRPr/>
             </a:lvl8pPr>
-            <a:lvl9pPr indent="-317500" lvl="8" marL="4114800">
+            <a:lvl9pPr marL="4114800" lvl="8" indent="-317500">
               <a:spcBef>
                 <a:spcPts val="0"/>
               </a:spcBef>
@@ -3271,15 +3259,19 @@
               <a:defRPr/>
             </a:lvl9pPr>
           </a:lstStyle>
-          <a:p/>
+          <a:p>
+            <a:endParaRPr/>
+          </a:p>
         </p:txBody>
       </p:sp>
       <p:sp>
         <p:nvSpPr>
           <p:cNvPr id="24" name="Google Shape;24;p4"/>
-          <p:cNvSpPr txBox="1"/>
+          <p:cNvSpPr txBox="1">
+            <a:spLocks noGrp="1"/>
+          </p:cNvSpPr>
           <p:nvPr>
-            <p:ph idx="12" type="sldNum"/>
+            <p:ph type="sldNum" idx="12"/>
           </p:nvPr>
         </p:nvSpPr>
         <p:spPr>
@@ -3292,7 +3284,7 @@
           </a:prstGeom>
         </p:spPr>
         <p:txBody>
-          <a:bodyPr anchorCtr="0" anchor="ctr" bIns="91425" lIns="91425" spcFirstLastPara="1" rIns="91425" wrap="square" tIns="91425">
+          <a:bodyPr spcFirstLastPara="1" wrap="square" lIns="91425" tIns="91425" rIns="91425" bIns="91425" anchor="ctr" anchorCtr="0">
             <a:normAutofit/>
           </a:bodyPr>
           <a:lstStyle>
@@ -3334,7 +3326,7 @@
             </a:lvl9pPr>
           </a:lstStyle>
           <a:p>
-            <a:pPr indent="0" lvl="0" marL="0" rtl="0" algn="r">
+            <a:pPr marL="0" lvl="0" indent="0" algn="r" rtl="0">
               <a:spcBef>
                 <a:spcPts val="0"/>
               </a:spcBef>
@@ -3360,11 +3352,11 @@
 </file>
 
 <file path=ppt/slideLayouts/slideLayout4.xml><?xml version="1.0" encoding="utf-8"?>
-<p:sldLayout xmlns:a="http://schemas.openxmlformats.org/drawingml/2006/main" xmlns:r="http://schemas.openxmlformats.org/officeDocument/2006/relationships" xmlns:mc="http://schemas.openxmlformats.org/markup-compatibility/2006" xmlns:mv="urn:schemas-microsoft-com:mac:vml" xmlns:p="http://schemas.openxmlformats.org/presentationml/2006/main" xmlns:c="http://schemas.openxmlformats.org/drawingml/2006/chart" xmlns:dgm="http://schemas.openxmlformats.org/drawingml/2006/diagram" xmlns:o="urn:schemas-microsoft-com:office:office" xmlns:v="urn:schemas-microsoft-com:vml" xmlns:pvml="urn:schemas-microsoft-com:office:powerpoint" xmlns:com="http://schemas.openxmlformats.org/drawingml/2006/compatibility" xmlns:p14="http://schemas.microsoft.com/office/powerpoint/2010/main" xmlns:p15="http://schemas.microsoft.com/office/powerpoint/2012/main" xmlns:ahyp="http://schemas.microsoft.com/office/drawing/2018/hyperlinkcolor" matchingName="Title and two columns" type="twoColTx">
+<p:sldLayout xmlns:a="http://schemas.openxmlformats.org/drawingml/2006/main" xmlns:r="http://schemas.openxmlformats.org/officeDocument/2006/relationships" xmlns:p="http://schemas.openxmlformats.org/presentationml/2006/main" matchingName="Title and two columns" type="twoColTx">
   <p:cSld name="TITLE_AND_TWO_COLUMNS">
     <p:spTree>
       <p:nvGrpSpPr>
-        <p:cNvPr id="25" name="Shape 25"/>
+        <p:cNvPr id="1" name="Shape 25"/>
         <p:cNvGrpSpPr/>
         <p:nvPr/>
       </p:nvGrpSpPr>
@@ -3391,21 +3383,23 @@
             <a:avLst/>
           </a:prstGeom>
           <a:noFill/>
-          <a:ln cap="flat" cmpd="sng" w="38100">
+          <a:ln w="38100" cap="flat" cmpd="sng">
             <a:solidFill>
               <a:schemeClr val="accent4"/>
             </a:solidFill>
             <a:prstDash val="solid"/>
             <a:round/>
-            <a:headEnd len="sm" w="sm" type="none"/>
-            <a:tailEnd len="sm" w="sm" type="none"/>
+            <a:headEnd type="none" w="sm" len="sm"/>
+            <a:tailEnd type="none" w="sm" len="sm"/>
           </a:ln>
         </p:spPr>
       </p:cxnSp>
       <p:sp>
         <p:nvSpPr>
           <p:cNvPr id="27" name="Google Shape;27;p5"/>
-          <p:cNvSpPr txBox="1"/>
+          <p:cNvSpPr txBox="1">
+            <a:spLocks noGrp="1"/>
+          </p:cNvSpPr>
           <p:nvPr>
             <p:ph type="title"/>
           </p:nvPr>
@@ -3420,7 +3414,7 @@
           </a:prstGeom>
         </p:spPr>
         <p:txBody>
-          <a:bodyPr anchorCtr="0" anchor="b" bIns="91425" lIns="91425" spcFirstLastPara="1" rIns="91425" wrap="square" tIns="91425">
+          <a:bodyPr spcFirstLastPara="1" wrap="square" lIns="91425" tIns="91425" rIns="91425" bIns="91425" anchor="b" anchorCtr="0">
             <a:normAutofit/>
           </a:bodyPr>
           <a:lstStyle>
@@ -3524,15 +3518,19 @@
               <a:defRPr/>
             </a:lvl9pPr>
           </a:lstStyle>
-          <a:p/>
+          <a:p>
+            <a:endParaRPr/>
+          </a:p>
         </p:txBody>
       </p:sp>
       <p:sp>
         <p:nvSpPr>
           <p:cNvPr id="28" name="Google Shape;28;p5"/>
-          <p:cNvSpPr txBox="1"/>
+          <p:cNvSpPr txBox="1">
+            <a:spLocks noGrp="1"/>
+          </p:cNvSpPr>
           <p:nvPr>
-            <p:ph idx="1" type="body"/>
+            <p:ph type="body" idx="1"/>
           </p:nvPr>
         </p:nvSpPr>
         <p:spPr>
@@ -3545,11 +3543,11 @@
           </a:prstGeom>
         </p:spPr>
         <p:txBody>
-          <a:bodyPr anchorCtr="0" anchor="t" bIns="91425" lIns="91425" spcFirstLastPara="1" rIns="91425" wrap="square" tIns="91425">
+          <a:bodyPr spcFirstLastPara="1" wrap="square" lIns="91425" tIns="91425" rIns="91425" bIns="91425" anchor="t" anchorCtr="0">
             <a:normAutofit/>
           </a:bodyPr>
           <a:lstStyle>
-            <a:lvl1pPr indent="-317500" lvl="0" marL="457200">
+            <a:lvl1pPr marL="457200" lvl="0" indent="-317500">
               <a:spcBef>
                 <a:spcPts val="0"/>
               </a:spcBef>
@@ -3560,7 +3558,7 @@
               <a:buChar char="●"/>
               <a:defRPr sz="1400"/>
             </a:lvl1pPr>
-            <a:lvl2pPr indent="-304800" lvl="1" marL="914400">
+            <a:lvl2pPr marL="914400" lvl="1" indent="-304800">
               <a:spcBef>
                 <a:spcPts val="0"/>
               </a:spcBef>
@@ -3571,7 +3569,7 @@
               <a:buChar char="○"/>
               <a:defRPr sz="1200"/>
             </a:lvl2pPr>
-            <a:lvl3pPr indent="-304800" lvl="2" marL="1371600">
+            <a:lvl3pPr marL="1371600" lvl="2" indent="-304800">
               <a:spcBef>
                 <a:spcPts val="0"/>
               </a:spcBef>
@@ -3582,7 +3580,7 @@
               <a:buChar char="■"/>
               <a:defRPr sz="1200"/>
             </a:lvl3pPr>
-            <a:lvl4pPr indent="-304800" lvl="3" marL="1828800">
+            <a:lvl4pPr marL="1828800" lvl="3" indent="-304800">
               <a:spcBef>
                 <a:spcPts val="0"/>
               </a:spcBef>
@@ -3593,7 +3591,7 @@
               <a:buChar char="●"/>
               <a:defRPr sz="1200"/>
             </a:lvl4pPr>
-            <a:lvl5pPr indent="-304800" lvl="4" marL="2286000">
+            <a:lvl5pPr marL="2286000" lvl="4" indent="-304800">
               <a:spcBef>
                 <a:spcPts val="0"/>
               </a:spcBef>
@@ -3604,7 +3602,7 @@
               <a:buChar char="○"/>
               <a:defRPr sz="1200"/>
             </a:lvl5pPr>
-            <a:lvl6pPr indent="-304800" lvl="5" marL="2743200">
+            <a:lvl6pPr marL="2743200" lvl="5" indent="-304800">
               <a:spcBef>
                 <a:spcPts val="0"/>
               </a:spcBef>
@@ -3615,7 +3613,7 @@
               <a:buChar char="■"/>
               <a:defRPr sz="1200"/>
             </a:lvl6pPr>
-            <a:lvl7pPr indent="-304800" lvl="6" marL="3200400">
+            <a:lvl7pPr marL="3200400" lvl="6" indent="-304800">
               <a:spcBef>
                 <a:spcPts val="0"/>
               </a:spcBef>
@@ -3626,7 +3624,7 @@
               <a:buChar char="●"/>
               <a:defRPr sz="1200"/>
             </a:lvl7pPr>
-            <a:lvl8pPr indent="-304800" lvl="7" marL="3657600">
+            <a:lvl8pPr marL="3657600" lvl="7" indent="-304800">
               <a:spcBef>
                 <a:spcPts val="0"/>
               </a:spcBef>
@@ -3637,7 +3635,7 @@
               <a:buChar char="○"/>
               <a:defRPr sz="1200"/>
             </a:lvl8pPr>
-            <a:lvl9pPr indent="-304800" lvl="8" marL="4114800">
+            <a:lvl9pPr marL="4114800" lvl="8" indent="-304800">
               <a:spcBef>
                 <a:spcPts val="0"/>
               </a:spcBef>
@@ -3649,15 +3647,19 @@
               <a:defRPr sz="1200"/>
             </a:lvl9pPr>
           </a:lstStyle>
-          <a:p/>
+          <a:p>
+            <a:endParaRPr/>
+          </a:p>
         </p:txBody>
       </p:sp>
       <p:sp>
         <p:nvSpPr>
           <p:cNvPr id="29" name="Google Shape;29;p5"/>
-          <p:cNvSpPr txBox="1"/>
+          <p:cNvSpPr txBox="1">
+            <a:spLocks noGrp="1"/>
+          </p:cNvSpPr>
           <p:nvPr>
-            <p:ph idx="2" type="body"/>
+            <p:ph type="body" idx="2"/>
           </p:nvPr>
         </p:nvSpPr>
         <p:spPr>
@@ -3670,11 +3672,11 @@
           </a:prstGeom>
         </p:spPr>
         <p:txBody>
-          <a:bodyPr anchorCtr="0" anchor="t" bIns="91425" lIns="91425" spcFirstLastPara="1" rIns="91425" wrap="square" tIns="91425">
+          <a:bodyPr spcFirstLastPara="1" wrap="square" lIns="91425" tIns="91425" rIns="91425" bIns="91425" anchor="t" anchorCtr="0">
             <a:normAutofit/>
           </a:bodyPr>
           <a:lstStyle>
-            <a:lvl1pPr indent="-317500" lvl="0" marL="457200">
+            <a:lvl1pPr marL="457200" lvl="0" indent="-317500">
               <a:spcBef>
                 <a:spcPts val="0"/>
               </a:spcBef>
@@ -3685,7 +3687,7 @@
               <a:buChar char="●"/>
               <a:defRPr sz="1400"/>
             </a:lvl1pPr>
-            <a:lvl2pPr indent="-304800" lvl="1" marL="914400">
+            <a:lvl2pPr marL="914400" lvl="1" indent="-304800">
               <a:spcBef>
                 <a:spcPts val="0"/>
               </a:spcBef>
@@ -3696,7 +3698,7 @@
               <a:buChar char="○"/>
               <a:defRPr sz="1200"/>
             </a:lvl2pPr>
-            <a:lvl3pPr indent="-304800" lvl="2" marL="1371600">
+            <a:lvl3pPr marL="1371600" lvl="2" indent="-304800">
               <a:spcBef>
                 <a:spcPts val="0"/>
               </a:spcBef>
@@ -3707,7 +3709,7 @@
               <a:buChar char="■"/>
               <a:defRPr sz="1200"/>
             </a:lvl3pPr>
-            <a:lvl4pPr indent="-304800" lvl="3" marL="1828800">
+            <a:lvl4pPr marL="1828800" lvl="3" indent="-304800">
               <a:spcBef>
                 <a:spcPts val="0"/>
               </a:spcBef>
@@ -3718,7 +3720,7 @@
               <a:buChar char="●"/>
               <a:defRPr sz="1200"/>
             </a:lvl4pPr>
-            <a:lvl5pPr indent="-304800" lvl="4" marL="2286000">
+            <a:lvl5pPr marL="2286000" lvl="4" indent="-304800">
               <a:spcBef>
                 <a:spcPts val="0"/>
               </a:spcBef>
@@ -3729,7 +3731,7 @@
               <a:buChar char="○"/>
               <a:defRPr sz="1200"/>
             </a:lvl5pPr>
-            <a:lvl6pPr indent="-304800" lvl="5" marL="2743200">
+            <a:lvl6pPr marL="2743200" lvl="5" indent="-304800">
               <a:spcBef>
                 <a:spcPts val="0"/>
               </a:spcBef>
@@ -3740,7 +3742,7 @@
               <a:buChar char="■"/>
               <a:defRPr sz="1200"/>
             </a:lvl6pPr>
-            <a:lvl7pPr indent="-304800" lvl="6" marL="3200400">
+            <a:lvl7pPr marL="3200400" lvl="6" indent="-304800">
               <a:spcBef>
                 <a:spcPts val="0"/>
               </a:spcBef>
@@ -3751,7 +3753,7 @@
               <a:buChar char="●"/>
               <a:defRPr sz="1200"/>
             </a:lvl7pPr>
-            <a:lvl8pPr indent="-304800" lvl="7" marL="3657600">
+            <a:lvl8pPr marL="3657600" lvl="7" indent="-304800">
               <a:spcBef>
                 <a:spcPts val="0"/>
               </a:spcBef>
@@ -3762,7 +3764,7 @@
               <a:buChar char="○"/>
               <a:defRPr sz="1200"/>
             </a:lvl8pPr>
-            <a:lvl9pPr indent="-304800" lvl="8" marL="4114800">
+            <a:lvl9pPr marL="4114800" lvl="8" indent="-304800">
               <a:spcBef>
                 <a:spcPts val="0"/>
               </a:spcBef>
@@ -3774,15 +3776,19 @@
               <a:defRPr sz="1200"/>
             </a:lvl9pPr>
           </a:lstStyle>
-          <a:p/>
+          <a:p>
+            <a:endParaRPr/>
+          </a:p>
         </p:txBody>
       </p:sp>
       <p:sp>
         <p:nvSpPr>
           <p:cNvPr id="30" name="Google Shape;30;p5"/>
-          <p:cNvSpPr txBox="1"/>
+          <p:cNvSpPr txBox="1">
+            <a:spLocks noGrp="1"/>
+          </p:cNvSpPr>
           <p:nvPr>
-            <p:ph idx="12" type="sldNum"/>
+            <p:ph type="sldNum" idx="12"/>
           </p:nvPr>
         </p:nvSpPr>
         <p:spPr>
@@ -3795,7 +3801,7 @@
           </a:prstGeom>
         </p:spPr>
         <p:txBody>
-          <a:bodyPr anchorCtr="0" anchor="ctr" bIns="91425" lIns="91425" spcFirstLastPara="1" rIns="91425" wrap="square" tIns="91425">
+          <a:bodyPr spcFirstLastPara="1" wrap="square" lIns="91425" tIns="91425" rIns="91425" bIns="91425" anchor="ctr" anchorCtr="0">
             <a:normAutofit/>
           </a:bodyPr>
           <a:lstStyle>
@@ -3837,7 +3843,7 @@
             </a:lvl9pPr>
           </a:lstStyle>
           <a:p>
-            <a:pPr indent="0" lvl="0" marL="0" rtl="0" algn="r">
+            <a:pPr marL="0" lvl="0" indent="0" algn="r" rtl="0">
               <a:spcBef>
                 <a:spcPts val="0"/>
               </a:spcBef>
@@ -3863,11 +3869,11 @@
 </file>
 
 <file path=ppt/slideLayouts/slideLayout5.xml><?xml version="1.0" encoding="utf-8"?>
-<p:sldLayout xmlns:a="http://schemas.openxmlformats.org/drawingml/2006/main" xmlns:r="http://schemas.openxmlformats.org/officeDocument/2006/relationships" xmlns:mc="http://schemas.openxmlformats.org/markup-compatibility/2006" xmlns:mv="urn:schemas-microsoft-com:mac:vml" xmlns:p="http://schemas.openxmlformats.org/presentationml/2006/main" xmlns:c="http://schemas.openxmlformats.org/drawingml/2006/chart" xmlns:dgm="http://schemas.openxmlformats.org/drawingml/2006/diagram" xmlns:o="urn:schemas-microsoft-com:office:office" xmlns:v="urn:schemas-microsoft-com:vml" xmlns:pvml="urn:schemas-microsoft-com:office:powerpoint" xmlns:com="http://schemas.openxmlformats.org/drawingml/2006/compatibility" xmlns:p14="http://schemas.microsoft.com/office/powerpoint/2010/main" xmlns:p15="http://schemas.microsoft.com/office/powerpoint/2012/main" xmlns:ahyp="http://schemas.microsoft.com/office/drawing/2018/hyperlinkcolor" matchingName="Title only" type="titleOnly">
+<p:sldLayout xmlns:a="http://schemas.openxmlformats.org/drawingml/2006/main" xmlns:r="http://schemas.openxmlformats.org/officeDocument/2006/relationships" xmlns:p="http://schemas.openxmlformats.org/presentationml/2006/main" matchingName="Title only" type="titleOnly">
   <p:cSld name="TITLE_ONLY">
     <p:spTree>
       <p:nvGrpSpPr>
-        <p:cNvPr id="31" name="Shape 31"/>
+        <p:cNvPr id="1" name="Shape 31"/>
         <p:cNvGrpSpPr/>
         <p:nvPr/>
       </p:nvGrpSpPr>
@@ -3882,7 +3888,9 @@
       <p:sp>
         <p:nvSpPr>
           <p:cNvPr id="32" name="Google Shape;32;p6"/>
-          <p:cNvSpPr txBox="1"/>
+          <p:cNvSpPr txBox="1">
+            <a:spLocks noGrp="1"/>
+          </p:cNvSpPr>
           <p:nvPr>
             <p:ph type="title"/>
           </p:nvPr>
@@ -3897,7 +3905,7 @@
           </a:prstGeom>
         </p:spPr>
         <p:txBody>
-          <a:bodyPr anchorCtr="0" anchor="b" bIns="91425" lIns="91425" spcFirstLastPara="1" rIns="91425" wrap="square" tIns="91425">
+          <a:bodyPr spcFirstLastPara="1" wrap="square" lIns="91425" tIns="91425" rIns="91425" bIns="91425" anchor="b" anchorCtr="0">
             <a:normAutofit/>
           </a:bodyPr>
           <a:lstStyle>
@@ -4001,15 +4009,19 @@
               <a:defRPr/>
             </a:lvl9pPr>
           </a:lstStyle>
-          <a:p/>
+          <a:p>
+            <a:endParaRPr/>
+          </a:p>
         </p:txBody>
       </p:sp>
       <p:sp>
         <p:nvSpPr>
           <p:cNvPr id="33" name="Google Shape;33;p6"/>
-          <p:cNvSpPr txBox="1"/>
+          <p:cNvSpPr txBox="1">
+            <a:spLocks noGrp="1"/>
+          </p:cNvSpPr>
           <p:nvPr>
-            <p:ph idx="12" type="sldNum"/>
+            <p:ph type="sldNum" idx="12"/>
           </p:nvPr>
         </p:nvSpPr>
         <p:spPr>
@@ -4022,7 +4034,7 @@
           </a:prstGeom>
         </p:spPr>
         <p:txBody>
-          <a:bodyPr anchorCtr="0" anchor="ctr" bIns="91425" lIns="91425" spcFirstLastPara="1" rIns="91425" wrap="square" tIns="91425">
+          <a:bodyPr spcFirstLastPara="1" wrap="square" lIns="91425" tIns="91425" rIns="91425" bIns="91425" anchor="ctr" anchorCtr="0">
             <a:normAutofit/>
           </a:bodyPr>
           <a:lstStyle>
@@ -4064,7 +4076,7 @@
             </a:lvl9pPr>
           </a:lstStyle>
           <a:p>
-            <a:pPr indent="0" lvl="0" marL="0" rtl="0" algn="r">
+            <a:pPr marL="0" lvl="0" indent="0" algn="r" rtl="0">
               <a:spcBef>
                 <a:spcPts val="0"/>
               </a:spcBef>
@@ -4090,11 +4102,11 @@
 </file>
 
 <file path=ppt/slideLayouts/slideLayout6.xml><?xml version="1.0" encoding="utf-8"?>
-<p:sldLayout xmlns:a="http://schemas.openxmlformats.org/drawingml/2006/main" xmlns:r="http://schemas.openxmlformats.org/officeDocument/2006/relationships" xmlns:mc="http://schemas.openxmlformats.org/markup-compatibility/2006" xmlns:mv="urn:schemas-microsoft-com:mac:vml" xmlns:p="http://schemas.openxmlformats.org/presentationml/2006/main" xmlns:c="http://schemas.openxmlformats.org/drawingml/2006/chart" xmlns:dgm="http://schemas.openxmlformats.org/drawingml/2006/diagram" xmlns:o="urn:schemas-microsoft-com:office:office" xmlns:v="urn:schemas-microsoft-com:vml" xmlns:pvml="urn:schemas-microsoft-com:office:powerpoint" xmlns:com="http://schemas.openxmlformats.org/drawingml/2006/compatibility" xmlns:p14="http://schemas.microsoft.com/office/powerpoint/2010/main" xmlns:p15="http://schemas.microsoft.com/office/powerpoint/2012/main" xmlns:ahyp="http://schemas.microsoft.com/office/drawing/2018/hyperlinkcolor" matchingName="One column text">
+<p:sldLayout xmlns:a="http://schemas.openxmlformats.org/drawingml/2006/main" xmlns:r="http://schemas.openxmlformats.org/officeDocument/2006/relationships" xmlns:p="http://schemas.openxmlformats.org/presentationml/2006/main" matchingName="One column text">
   <p:cSld name="ONE_COLUMN_TEXT">
     <p:spTree>
       <p:nvGrpSpPr>
-        <p:cNvPr id="34" name="Shape 34"/>
+        <p:cNvPr id="1" name="Shape 34"/>
         <p:cNvGrpSpPr/>
         <p:nvPr/>
       </p:nvGrpSpPr>
@@ -4121,21 +4133,23 @@
             <a:avLst/>
           </a:prstGeom>
           <a:noFill/>
-          <a:ln cap="flat" cmpd="sng" w="38100">
+          <a:ln w="38100" cap="flat" cmpd="sng">
             <a:solidFill>
               <a:schemeClr val="accent4"/>
             </a:solidFill>
             <a:prstDash val="solid"/>
             <a:round/>
-            <a:headEnd len="sm" w="sm" type="none"/>
-            <a:tailEnd len="sm" w="sm" type="none"/>
+            <a:headEnd type="none" w="sm" len="sm"/>
+            <a:tailEnd type="none" w="sm" len="sm"/>
           </a:ln>
         </p:spPr>
       </p:cxnSp>
       <p:sp>
         <p:nvSpPr>
           <p:cNvPr id="36" name="Google Shape;36;p7"/>
-          <p:cNvSpPr txBox="1"/>
+          <p:cNvSpPr txBox="1">
+            <a:spLocks noGrp="1"/>
+          </p:cNvSpPr>
           <p:nvPr>
             <p:ph type="title"/>
           </p:nvPr>
@@ -4150,7 +4164,7 @@
           </a:prstGeom>
         </p:spPr>
         <p:txBody>
-          <a:bodyPr anchorCtr="0" anchor="b" bIns="91425" lIns="91425" spcFirstLastPara="1" rIns="91425" wrap="square" tIns="91425">
+          <a:bodyPr spcFirstLastPara="1" wrap="square" lIns="91425" tIns="91425" rIns="91425" bIns="91425" anchor="b" anchorCtr="0">
             <a:normAutofit/>
           </a:bodyPr>
           <a:lstStyle>
@@ -4254,15 +4268,19 @@
               <a:defRPr sz="2400"/>
             </a:lvl9pPr>
           </a:lstStyle>
-          <a:p/>
+          <a:p>
+            <a:endParaRPr/>
+          </a:p>
         </p:txBody>
       </p:sp>
       <p:sp>
         <p:nvSpPr>
           <p:cNvPr id="37" name="Google Shape;37;p7"/>
-          <p:cNvSpPr txBox="1"/>
+          <p:cNvSpPr txBox="1">
+            <a:spLocks noGrp="1"/>
+          </p:cNvSpPr>
           <p:nvPr>
-            <p:ph idx="1" type="body"/>
+            <p:ph type="body" idx="1"/>
           </p:nvPr>
         </p:nvSpPr>
         <p:spPr>
@@ -4275,11 +4293,11 @@
           </a:prstGeom>
         </p:spPr>
         <p:txBody>
-          <a:bodyPr anchorCtr="0" anchor="t" bIns="91425" lIns="91425" spcFirstLastPara="1" rIns="91425" wrap="square" tIns="91425">
+          <a:bodyPr spcFirstLastPara="1" wrap="square" lIns="91425" tIns="91425" rIns="91425" bIns="91425" anchor="t" anchorCtr="0">
             <a:normAutofit/>
           </a:bodyPr>
           <a:lstStyle>
-            <a:lvl1pPr indent="-304800" lvl="0" marL="457200">
+            <a:lvl1pPr marL="457200" lvl="0" indent="-304800">
               <a:spcBef>
                 <a:spcPts val="0"/>
               </a:spcBef>
@@ -4290,7 +4308,7 @@
               <a:buChar char="●"/>
               <a:defRPr sz="1200"/>
             </a:lvl1pPr>
-            <a:lvl2pPr indent="-304800" lvl="1" marL="914400">
+            <a:lvl2pPr marL="914400" lvl="1" indent="-304800">
               <a:spcBef>
                 <a:spcPts val="0"/>
               </a:spcBef>
@@ -4301,7 +4319,7 @@
               <a:buChar char="○"/>
               <a:defRPr sz="1200"/>
             </a:lvl2pPr>
-            <a:lvl3pPr indent="-304800" lvl="2" marL="1371600">
+            <a:lvl3pPr marL="1371600" lvl="2" indent="-304800">
               <a:spcBef>
                 <a:spcPts val="0"/>
               </a:spcBef>
@@ -4312,7 +4330,7 @@
               <a:buChar char="■"/>
               <a:defRPr sz="1200"/>
             </a:lvl3pPr>
-            <a:lvl4pPr indent="-304800" lvl="3" marL="1828800">
+            <a:lvl4pPr marL="1828800" lvl="3" indent="-304800">
               <a:spcBef>
                 <a:spcPts val="0"/>
               </a:spcBef>
@@ -4323,7 +4341,7 @@
               <a:buChar char="●"/>
               <a:defRPr sz="1200"/>
             </a:lvl4pPr>
-            <a:lvl5pPr indent="-304800" lvl="4" marL="2286000">
+            <a:lvl5pPr marL="2286000" lvl="4" indent="-304800">
               <a:spcBef>
                 <a:spcPts val="0"/>
               </a:spcBef>
@@ -4334,7 +4352,7 @@
               <a:buChar char="○"/>
               <a:defRPr sz="1200"/>
             </a:lvl5pPr>
-            <a:lvl6pPr indent="-304800" lvl="5" marL="2743200">
+            <a:lvl6pPr marL="2743200" lvl="5" indent="-304800">
               <a:spcBef>
                 <a:spcPts val="0"/>
               </a:spcBef>
@@ -4345,7 +4363,7 @@
               <a:buChar char="■"/>
               <a:defRPr sz="1200"/>
             </a:lvl6pPr>
-            <a:lvl7pPr indent="-304800" lvl="6" marL="3200400">
+            <a:lvl7pPr marL="3200400" lvl="6" indent="-304800">
               <a:spcBef>
                 <a:spcPts val="0"/>
               </a:spcBef>
@@ -4356,7 +4374,7 @@
               <a:buChar char="●"/>
               <a:defRPr sz="1200"/>
             </a:lvl7pPr>
-            <a:lvl8pPr indent="-304800" lvl="7" marL="3657600">
+            <a:lvl8pPr marL="3657600" lvl="7" indent="-304800">
               <a:spcBef>
                 <a:spcPts val="0"/>
               </a:spcBef>
@@ -4367,7 +4385,7 @@
               <a:buChar char="○"/>
               <a:defRPr sz="1200"/>
             </a:lvl8pPr>
-            <a:lvl9pPr indent="-304800" lvl="8" marL="4114800">
+            <a:lvl9pPr marL="4114800" lvl="8" indent="-304800">
               <a:spcBef>
                 <a:spcPts val="0"/>
               </a:spcBef>
@@ -4379,15 +4397,19 @@
               <a:defRPr sz="1200"/>
             </a:lvl9pPr>
           </a:lstStyle>
-          <a:p/>
+          <a:p>
+            <a:endParaRPr/>
+          </a:p>
         </p:txBody>
       </p:sp>
       <p:sp>
         <p:nvSpPr>
           <p:cNvPr id="38" name="Google Shape;38;p7"/>
-          <p:cNvSpPr txBox="1"/>
+          <p:cNvSpPr txBox="1">
+            <a:spLocks noGrp="1"/>
+          </p:cNvSpPr>
           <p:nvPr>
-            <p:ph idx="12" type="sldNum"/>
+            <p:ph type="sldNum" idx="12"/>
           </p:nvPr>
         </p:nvSpPr>
         <p:spPr>
@@ -4400,7 +4422,7 @@
           </a:prstGeom>
         </p:spPr>
         <p:txBody>
-          <a:bodyPr anchorCtr="0" anchor="ctr" bIns="91425" lIns="91425" spcFirstLastPara="1" rIns="91425" wrap="square" tIns="91425">
+          <a:bodyPr spcFirstLastPara="1" wrap="square" lIns="91425" tIns="91425" rIns="91425" bIns="91425" anchor="ctr" anchorCtr="0">
             <a:normAutofit/>
           </a:bodyPr>
           <a:lstStyle>
@@ -4442,7 +4464,7 @@
             </a:lvl9pPr>
           </a:lstStyle>
           <a:p>
-            <a:pPr indent="0" lvl="0" marL="0" rtl="0" algn="r">
+            <a:pPr marL="0" lvl="0" indent="0" algn="r" rtl="0">
               <a:spcBef>
                 <a:spcPts val="0"/>
               </a:spcBef>
@@ -4468,11 +4490,11 @@
 </file>
 
 <file path=ppt/slideLayouts/slideLayout7.xml><?xml version="1.0" encoding="utf-8"?>
-<p:sldLayout xmlns:a="http://schemas.openxmlformats.org/drawingml/2006/main" xmlns:r="http://schemas.openxmlformats.org/officeDocument/2006/relationships" xmlns:mc="http://schemas.openxmlformats.org/markup-compatibility/2006" xmlns:mv="urn:schemas-microsoft-com:mac:vml" xmlns:p="http://schemas.openxmlformats.org/presentationml/2006/main" xmlns:c="http://schemas.openxmlformats.org/drawingml/2006/chart" xmlns:dgm="http://schemas.openxmlformats.org/drawingml/2006/diagram" xmlns:o="urn:schemas-microsoft-com:office:office" xmlns:v="urn:schemas-microsoft-com:vml" xmlns:pvml="urn:schemas-microsoft-com:office:powerpoint" xmlns:com="http://schemas.openxmlformats.org/drawingml/2006/compatibility" xmlns:p14="http://schemas.microsoft.com/office/powerpoint/2010/main" xmlns:p15="http://schemas.microsoft.com/office/powerpoint/2012/main" xmlns:ahyp="http://schemas.microsoft.com/office/drawing/2018/hyperlinkcolor" matchingName="Main point">
+<p:sldLayout xmlns:a="http://schemas.openxmlformats.org/drawingml/2006/main" xmlns:r="http://schemas.openxmlformats.org/officeDocument/2006/relationships" xmlns:p="http://schemas.openxmlformats.org/presentationml/2006/main" matchingName="Main point">
   <p:cSld name="MAIN_POINT">
     <p:spTree>
       <p:nvGrpSpPr>
-        <p:cNvPr id="39" name="Shape 39"/>
+        <p:cNvPr id="1" name="Shape 39"/>
         <p:cNvGrpSpPr/>
         <p:nvPr/>
       </p:nvGrpSpPr>
@@ -4487,7 +4509,9 @@
       <p:sp>
         <p:nvSpPr>
           <p:cNvPr id="40" name="Google Shape;40;p8"/>
-          <p:cNvSpPr txBox="1"/>
+          <p:cNvSpPr txBox="1">
+            <a:spLocks noGrp="1"/>
+          </p:cNvSpPr>
           <p:nvPr>
             <p:ph type="title"/>
           </p:nvPr>
@@ -4502,7 +4526,7 @@
           </a:prstGeom>
         </p:spPr>
         <p:txBody>
-          <a:bodyPr anchorCtr="0" anchor="ctr" bIns="91425" lIns="91425" spcFirstLastPara="1" rIns="91425" wrap="square" tIns="91425">
+          <a:bodyPr spcFirstLastPara="1" wrap="square" lIns="91425" tIns="91425" rIns="91425" bIns="91425" anchor="ctr" anchorCtr="0">
             <a:normAutofit/>
           </a:bodyPr>
           <a:lstStyle>
@@ -4606,15 +4630,19 @@
               <a:defRPr sz="4800"/>
             </a:lvl9pPr>
           </a:lstStyle>
-          <a:p/>
+          <a:p>
+            <a:endParaRPr/>
+          </a:p>
         </p:txBody>
       </p:sp>
       <p:sp>
         <p:nvSpPr>
           <p:cNvPr id="41" name="Google Shape;41;p8"/>
-          <p:cNvSpPr txBox="1"/>
+          <p:cNvSpPr txBox="1">
+            <a:spLocks noGrp="1"/>
+          </p:cNvSpPr>
           <p:nvPr>
-            <p:ph idx="12" type="sldNum"/>
+            <p:ph type="sldNum" idx="12"/>
           </p:nvPr>
         </p:nvSpPr>
         <p:spPr>
@@ -4627,7 +4655,7 @@
           </a:prstGeom>
         </p:spPr>
         <p:txBody>
-          <a:bodyPr anchorCtr="0" anchor="ctr" bIns="91425" lIns="91425" spcFirstLastPara="1" rIns="91425" wrap="square" tIns="91425">
+          <a:bodyPr spcFirstLastPara="1" wrap="square" lIns="91425" tIns="91425" rIns="91425" bIns="91425" anchor="ctr" anchorCtr="0">
             <a:normAutofit/>
           </a:bodyPr>
           <a:lstStyle>
@@ -4669,7 +4697,7 @@
             </a:lvl9pPr>
           </a:lstStyle>
           <a:p>
-            <a:pPr indent="0" lvl="0" marL="0" rtl="0" algn="r">
+            <a:pPr marL="0" lvl="0" indent="0" algn="r" rtl="0">
               <a:spcBef>
                 <a:spcPts val="0"/>
               </a:spcBef>
@@ -4695,11 +4723,11 @@
 </file>
 
 <file path=ppt/slideLayouts/slideLayout8.xml><?xml version="1.0" encoding="utf-8"?>
-<p:sldLayout xmlns:a="http://schemas.openxmlformats.org/drawingml/2006/main" xmlns:r="http://schemas.openxmlformats.org/officeDocument/2006/relationships" xmlns:mc="http://schemas.openxmlformats.org/markup-compatibility/2006" xmlns:mv="urn:schemas-microsoft-com:mac:vml" xmlns:p="http://schemas.openxmlformats.org/presentationml/2006/main" xmlns:c="http://schemas.openxmlformats.org/drawingml/2006/chart" xmlns:dgm="http://schemas.openxmlformats.org/drawingml/2006/diagram" xmlns:o="urn:schemas-microsoft-com:office:office" xmlns:v="urn:schemas-microsoft-com:vml" xmlns:pvml="urn:schemas-microsoft-com:office:powerpoint" xmlns:com="http://schemas.openxmlformats.org/drawingml/2006/compatibility" xmlns:p14="http://schemas.microsoft.com/office/powerpoint/2010/main" xmlns:p15="http://schemas.microsoft.com/office/powerpoint/2012/main" xmlns:ahyp="http://schemas.microsoft.com/office/drawing/2018/hyperlinkcolor" matchingName="Section title and description">
+<p:sldLayout xmlns:a="http://schemas.openxmlformats.org/drawingml/2006/main" xmlns:r="http://schemas.openxmlformats.org/officeDocument/2006/relationships" xmlns:p="http://schemas.openxmlformats.org/presentationml/2006/main" matchingName="Section title and description">
   <p:cSld name="SECTION_TITLE_AND_DESCRIPTION">
     <p:spTree>
       <p:nvGrpSpPr>
-        <p:cNvPr id="42" name="Shape 42"/>
+        <p:cNvPr id="1" name="Shape 42"/>
         <p:cNvGrpSpPr/>
         <p:nvPr/>
       </p:nvGrpSpPr>
@@ -4733,12 +4761,12 @@
           </a:ln>
         </p:spPr>
         <p:txBody>
-          <a:bodyPr anchorCtr="0" anchor="ctr" bIns="91425" lIns="91425" spcFirstLastPara="1" rIns="91425" wrap="square" tIns="91425">
+          <a:bodyPr spcFirstLastPara="1" wrap="square" lIns="91425" tIns="91425" rIns="91425" bIns="91425" anchor="ctr" anchorCtr="0">
             <a:noAutofit/>
           </a:bodyPr>
           <a:lstStyle/>
           <a:p>
-            <a:pPr indent="0" lvl="0" marL="0" rtl="0" algn="l">
+            <a:pPr marL="0" lvl="0" indent="0" algn="l" rtl="0">
               <a:spcBef>
                 <a:spcPts val="0"/>
               </a:spcBef>
@@ -4747,9 +4775,6 @@
               </a:spcAft>
               <a:buNone/>
             </a:pPr>
-            <a:r>
-              <a:t/>
-            </a:r>
             <a:endParaRPr/>
           </a:p>
         </p:txBody>
@@ -4769,21 +4794,23 @@
             <a:avLst/>
           </a:prstGeom>
           <a:noFill/>
-          <a:ln cap="flat" cmpd="sng" w="38100">
+          <a:ln w="38100" cap="flat" cmpd="sng">
             <a:solidFill>
               <a:schemeClr val="accent5"/>
             </a:solidFill>
             <a:prstDash val="solid"/>
             <a:round/>
-            <a:headEnd len="sm" w="sm" type="none"/>
-            <a:tailEnd len="sm" w="sm" type="none"/>
+            <a:headEnd type="none" w="sm" len="sm"/>
+            <a:tailEnd type="none" w="sm" len="sm"/>
           </a:ln>
         </p:spPr>
       </p:cxnSp>
       <p:sp>
         <p:nvSpPr>
           <p:cNvPr id="45" name="Google Shape;45;p9"/>
-          <p:cNvSpPr txBox="1"/>
+          <p:cNvSpPr txBox="1">
+            <a:spLocks noGrp="1"/>
+          </p:cNvSpPr>
           <p:nvPr>
             <p:ph type="title"/>
           </p:nvPr>
@@ -4798,7 +4825,7 @@
           </a:prstGeom>
         </p:spPr>
         <p:txBody>
-          <a:bodyPr anchorCtr="0" anchor="b" bIns="91425" lIns="91425" spcFirstLastPara="1" rIns="91425" wrap="square" tIns="91425">
+          <a:bodyPr spcFirstLastPara="1" wrap="square" lIns="91425" tIns="91425" rIns="91425" bIns="91425" anchor="b" anchorCtr="0">
             <a:normAutofit/>
           </a:bodyPr>
           <a:lstStyle>
@@ -4902,15 +4929,19 @@
               <a:defRPr sz="3800"/>
             </a:lvl9pPr>
           </a:lstStyle>
-          <a:p/>
+          <a:p>
+            <a:endParaRPr/>
+          </a:p>
         </p:txBody>
       </p:sp>
       <p:sp>
         <p:nvSpPr>
           <p:cNvPr id="46" name="Google Shape;46;p9"/>
-          <p:cNvSpPr txBox="1"/>
+          <p:cNvSpPr txBox="1">
+            <a:spLocks noGrp="1"/>
+          </p:cNvSpPr>
           <p:nvPr>
-            <p:ph idx="1" type="subTitle"/>
+            <p:ph type="subTitle" idx="1"/>
           </p:nvPr>
         </p:nvSpPr>
         <p:spPr>
@@ -4923,7 +4954,7 @@
           </a:prstGeom>
         </p:spPr>
         <p:txBody>
-          <a:bodyPr anchorCtr="0" anchor="t" bIns="91425" lIns="91425" spcFirstLastPara="1" rIns="91425" wrap="square" tIns="91425">
+          <a:bodyPr spcFirstLastPara="1" wrap="square" lIns="91425" tIns="91425" rIns="91425" bIns="91425" anchor="t" anchorCtr="0">
             <a:normAutofit/>
           </a:bodyPr>
           <a:lstStyle>
@@ -5117,15 +5148,19 @@
               </a:defRPr>
             </a:lvl9pPr>
           </a:lstStyle>
-          <a:p/>
+          <a:p>
+            <a:endParaRPr/>
+          </a:p>
         </p:txBody>
       </p:sp>
       <p:sp>
         <p:nvSpPr>
           <p:cNvPr id="47" name="Google Shape;47;p9"/>
-          <p:cNvSpPr txBox="1"/>
+          <p:cNvSpPr txBox="1">
+            <a:spLocks noGrp="1"/>
+          </p:cNvSpPr>
           <p:nvPr>
-            <p:ph idx="2" type="body"/>
+            <p:ph type="body" idx="2"/>
           </p:nvPr>
         </p:nvSpPr>
         <p:spPr>
@@ -5138,11 +5173,11 @@
           </a:prstGeom>
         </p:spPr>
         <p:txBody>
-          <a:bodyPr anchorCtr="0" anchor="ctr" bIns="91425" lIns="91425" spcFirstLastPara="1" rIns="91425" wrap="square" tIns="91425">
+          <a:bodyPr spcFirstLastPara="1" wrap="square" lIns="91425" tIns="91425" rIns="91425" bIns="91425" anchor="ctr" anchorCtr="0">
             <a:normAutofit/>
           </a:bodyPr>
           <a:lstStyle>
-            <a:lvl1pPr indent="-342900" lvl="0" marL="457200">
+            <a:lvl1pPr marL="457200" lvl="0" indent="-342900">
               <a:spcBef>
                 <a:spcPts val="0"/>
               </a:spcBef>
@@ -5153,7 +5188,7 @@
               <a:buChar char="●"/>
               <a:defRPr/>
             </a:lvl1pPr>
-            <a:lvl2pPr indent="-317500" lvl="1" marL="914400">
+            <a:lvl2pPr marL="914400" lvl="1" indent="-317500">
               <a:spcBef>
                 <a:spcPts val="0"/>
               </a:spcBef>
@@ -5164,7 +5199,7 @@
               <a:buChar char="○"/>
               <a:defRPr/>
             </a:lvl2pPr>
-            <a:lvl3pPr indent="-317500" lvl="2" marL="1371600">
+            <a:lvl3pPr marL="1371600" lvl="2" indent="-317500">
               <a:spcBef>
                 <a:spcPts val="0"/>
               </a:spcBef>
@@ -5175,7 +5210,7 @@
               <a:buChar char="■"/>
               <a:defRPr/>
             </a:lvl3pPr>
-            <a:lvl4pPr indent="-317500" lvl="3" marL="1828800">
+            <a:lvl4pPr marL="1828800" lvl="3" indent="-317500">
               <a:spcBef>
                 <a:spcPts val="0"/>
               </a:spcBef>
@@ -5186,7 +5221,7 @@
               <a:buChar char="●"/>
               <a:defRPr/>
             </a:lvl4pPr>
-            <a:lvl5pPr indent="-317500" lvl="4" marL="2286000">
+            <a:lvl5pPr marL="2286000" lvl="4" indent="-317500">
               <a:spcBef>
                 <a:spcPts val="0"/>
               </a:spcBef>
@@ -5197,7 +5232,7 @@
               <a:buChar char="○"/>
               <a:defRPr/>
             </a:lvl5pPr>
-            <a:lvl6pPr indent="-317500" lvl="5" marL="2743200">
+            <a:lvl6pPr marL="2743200" lvl="5" indent="-317500">
               <a:spcBef>
                 <a:spcPts val="0"/>
               </a:spcBef>
@@ -5208,7 +5243,7 @@
               <a:buChar char="■"/>
               <a:defRPr/>
             </a:lvl6pPr>
-            <a:lvl7pPr indent="-317500" lvl="6" marL="3200400">
+            <a:lvl7pPr marL="3200400" lvl="6" indent="-317500">
               <a:spcBef>
                 <a:spcPts val="0"/>
               </a:spcBef>
@@ -5219,7 +5254,7 @@
               <a:buChar char="●"/>
               <a:defRPr/>
             </a:lvl7pPr>
-            <a:lvl8pPr indent="-317500" lvl="7" marL="3657600">
+            <a:lvl8pPr marL="3657600" lvl="7" indent="-317500">
               <a:spcBef>
                 <a:spcPts val="0"/>
               </a:spcBef>
@@ -5230,7 +5265,7 @@
               <a:buChar char="○"/>
               <a:defRPr/>
             </a:lvl8pPr>
-            <a:lvl9pPr indent="-317500" lvl="8" marL="4114800">
+            <a:lvl9pPr marL="4114800" lvl="8" indent="-317500">
               <a:spcBef>
                 <a:spcPts val="0"/>
               </a:spcBef>
@@ -5242,15 +5277,19 @@
               <a:defRPr/>
             </a:lvl9pPr>
           </a:lstStyle>
-          <a:p/>
+          <a:p>
+            <a:endParaRPr/>
+          </a:p>
         </p:txBody>
       </p:sp>
       <p:sp>
         <p:nvSpPr>
           <p:cNvPr id="48" name="Google Shape;48;p9"/>
-          <p:cNvSpPr txBox="1"/>
+          <p:cNvSpPr txBox="1">
+            <a:spLocks noGrp="1"/>
+          </p:cNvSpPr>
           <p:nvPr>
-            <p:ph idx="12" type="sldNum"/>
+            <p:ph type="sldNum" idx="12"/>
           </p:nvPr>
         </p:nvSpPr>
         <p:spPr>
@@ -5263,7 +5302,7 @@
           </a:prstGeom>
         </p:spPr>
         <p:txBody>
-          <a:bodyPr anchorCtr="0" anchor="ctr" bIns="91425" lIns="91425" spcFirstLastPara="1" rIns="91425" wrap="square" tIns="91425">
+          <a:bodyPr spcFirstLastPara="1" wrap="square" lIns="91425" tIns="91425" rIns="91425" bIns="91425" anchor="ctr" anchorCtr="0">
             <a:normAutofit/>
           </a:bodyPr>
           <a:lstStyle>
@@ -5305,7 +5344,7 @@
             </a:lvl9pPr>
           </a:lstStyle>
           <a:p>
-            <a:pPr indent="0" lvl="0" marL="0" rtl="0" algn="r">
+            <a:pPr marL="0" lvl="0" indent="0" algn="r" rtl="0">
               <a:spcBef>
                 <a:spcPts val="0"/>
               </a:spcBef>
@@ -5331,11 +5370,11 @@
 </file>
 
 <file path=ppt/slideLayouts/slideLayout9.xml><?xml version="1.0" encoding="utf-8"?>
-<p:sldLayout xmlns:a="http://schemas.openxmlformats.org/drawingml/2006/main" xmlns:r="http://schemas.openxmlformats.org/officeDocument/2006/relationships" xmlns:mc="http://schemas.openxmlformats.org/markup-compatibility/2006" xmlns:mv="urn:schemas-microsoft-com:mac:vml" xmlns:p="http://schemas.openxmlformats.org/presentationml/2006/main" xmlns:c="http://schemas.openxmlformats.org/drawingml/2006/chart" xmlns:dgm="http://schemas.openxmlformats.org/drawingml/2006/diagram" xmlns:o="urn:schemas-microsoft-com:office:office" xmlns:v="urn:schemas-microsoft-com:vml" xmlns:pvml="urn:schemas-microsoft-com:office:powerpoint" xmlns:com="http://schemas.openxmlformats.org/drawingml/2006/compatibility" xmlns:p14="http://schemas.microsoft.com/office/powerpoint/2010/main" xmlns:p15="http://schemas.microsoft.com/office/powerpoint/2012/main" xmlns:ahyp="http://schemas.microsoft.com/office/drawing/2018/hyperlinkcolor" matchingName="Caption">
+<p:sldLayout xmlns:a="http://schemas.openxmlformats.org/drawingml/2006/main" xmlns:r="http://schemas.openxmlformats.org/officeDocument/2006/relationships" xmlns:p="http://schemas.openxmlformats.org/presentationml/2006/main" matchingName="Caption">
   <p:cSld name="CAPTION_ONLY">
     <p:spTree>
       <p:nvGrpSpPr>
-        <p:cNvPr id="49" name="Shape 49"/>
+        <p:cNvPr id="1" name="Shape 49"/>
         <p:cNvGrpSpPr/>
         <p:nvPr/>
       </p:nvGrpSpPr>
@@ -5350,9 +5389,11 @@
       <p:sp>
         <p:nvSpPr>
           <p:cNvPr id="50" name="Google Shape;50;p10"/>
-          <p:cNvSpPr txBox="1"/>
+          <p:cNvSpPr txBox="1">
+            <a:spLocks noGrp="1"/>
+          </p:cNvSpPr>
           <p:nvPr>
-            <p:ph idx="1" type="body"/>
+            <p:ph type="body" idx="1"/>
           </p:nvPr>
         </p:nvSpPr>
         <p:spPr>
@@ -5365,11 +5406,11 @@
           </a:prstGeom>
         </p:spPr>
         <p:txBody>
-          <a:bodyPr anchorCtr="0" anchor="ctr" bIns="91425" lIns="91425" spcFirstLastPara="1" rIns="91425" wrap="square" tIns="91425">
+          <a:bodyPr spcFirstLastPara="1" wrap="square" lIns="91425" tIns="91425" rIns="91425" bIns="91425" anchor="ctr" anchorCtr="0">
             <a:normAutofit/>
           </a:bodyPr>
           <a:lstStyle>
-            <a:lvl1pPr indent="-228600" lvl="0" marL="457200">
+            <a:lvl1pPr marL="457200" lvl="0" indent="-228600">
               <a:lnSpc>
                 <a:spcPct val="100000"/>
               </a:lnSpc>
@@ -5390,15 +5431,19 @@
               </a:defRPr>
             </a:lvl1pPr>
           </a:lstStyle>
-          <a:p/>
+          <a:p>
+            <a:endParaRPr/>
+          </a:p>
         </p:txBody>
       </p:sp>
       <p:sp>
         <p:nvSpPr>
           <p:cNvPr id="51" name="Google Shape;51;p10"/>
-          <p:cNvSpPr txBox="1"/>
+          <p:cNvSpPr txBox="1">
+            <a:spLocks noGrp="1"/>
+          </p:cNvSpPr>
           <p:nvPr>
-            <p:ph idx="12" type="sldNum"/>
+            <p:ph type="sldNum" idx="12"/>
           </p:nvPr>
         </p:nvSpPr>
         <p:spPr>
@@ -5411,7 +5456,7 @@
           </a:prstGeom>
         </p:spPr>
         <p:txBody>
-          <a:bodyPr anchorCtr="0" anchor="ctr" bIns="91425" lIns="91425" spcFirstLastPara="1" rIns="91425" wrap="square" tIns="91425">
+          <a:bodyPr spcFirstLastPara="1" wrap="square" lIns="91425" tIns="91425" rIns="91425" bIns="91425" anchor="ctr" anchorCtr="0">
             <a:normAutofit/>
           </a:bodyPr>
           <a:lstStyle>
@@ -5453,7 +5498,7 @@
             </a:lvl9pPr>
           </a:lstStyle>
           <a:p>
-            <a:pPr indent="0" lvl="0" marL="0" rtl="0" algn="r">
+            <a:pPr marL="0" lvl="0" indent="0" algn="r" rtl="0">
               <a:spcBef>
                 <a:spcPts val="0"/>
               </a:spcBef>
@@ -5479,18 +5524,19 @@
 </file>
 
 <file path=ppt/slideMasters/slideMaster1.xml><?xml version="1.0" encoding="utf-8"?>
-<p:sldMaster xmlns:a="http://schemas.openxmlformats.org/drawingml/2006/main" xmlns:r="http://schemas.openxmlformats.org/officeDocument/2006/relationships" xmlns:mc="http://schemas.openxmlformats.org/markup-compatibility/2006" xmlns:mv="urn:schemas-microsoft-com:mac:vml" xmlns:p="http://schemas.openxmlformats.org/presentationml/2006/main" xmlns:c="http://schemas.openxmlformats.org/drawingml/2006/chart" xmlns:dgm="http://schemas.openxmlformats.org/drawingml/2006/diagram" xmlns:o="urn:schemas-microsoft-com:office:office" xmlns:v="urn:schemas-microsoft-com:vml" xmlns:pvml="urn:schemas-microsoft-com:office:powerpoint" xmlns:com="http://schemas.openxmlformats.org/drawingml/2006/compatibility" xmlns:p14="http://schemas.microsoft.com/office/powerpoint/2010/main" xmlns:p15="http://schemas.microsoft.com/office/powerpoint/2012/main" xmlns:ahyp="http://schemas.microsoft.com/office/drawing/2018/hyperlinkcolor">
+<p:sldMaster xmlns:a="http://schemas.openxmlformats.org/drawingml/2006/main" xmlns:r="http://schemas.openxmlformats.org/officeDocument/2006/relationships" xmlns:p="http://schemas.openxmlformats.org/presentationml/2006/main">
   <p:cSld name="marina">
     <p:bg>
       <p:bgPr>
         <a:solidFill>
           <a:schemeClr val="lt1"/>
         </a:solidFill>
+        <a:effectLst/>
       </p:bgPr>
     </p:bg>
     <p:spTree>
       <p:nvGrpSpPr>
-        <p:cNvPr id="5" name="Shape 5"/>
+        <p:cNvPr id="1" name="Shape 5"/>
         <p:cNvGrpSpPr/>
         <p:nvPr/>
       </p:nvGrpSpPr>
@@ -5505,7 +5551,9 @@
       <p:sp>
         <p:nvSpPr>
           <p:cNvPr id="6" name="Google Shape;6;p1"/>
-          <p:cNvSpPr txBox="1"/>
+          <p:cNvSpPr txBox="1">
+            <a:spLocks noGrp="1"/>
+          </p:cNvSpPr>
           <p:nvPr>
             <p:ph type="title"/>
           </p:nvPr>
@@ -5524,7 +5572,7 @@
           </a:ln>
         </p:spPr>
         <p:txBody>
-          <a:bodyPr anchorCtr="0" anchor="b" bIns="91425" lIns="91425" spcFirstLastPara="1" rIns="91425" wrap="square" tIns="91425">
+          <a:bodyPr spcFirstLastPara="1" wrap="square" lIns="91425" tIns="91425" rIns="91425" bIns="91425" anchor="b" anchorCtr="0">
             <a:normAutofit/>
           </a:bodyPr>
           <a:lstStyle>
@@ -5736,15 +5784,19 @@
               </a:defRPr>
             </a:lvl9pPr>
           </a:lstStyle>
-          <a:p/>
+          <a:p>
+            <a:endParaRPr/>
+          </a:p>
         </p:txBody>
       </p:sp>
       <p:sp>
         <p:nvSpPr>
           <p:cNvPr id="7" name="Google Shape;7;p1"/>
-          <p:cNvSpPr txBox="1"/>
+          <p:cNvSpPr txBox="1">
+            <a:spLocks noGrp="1"/>
+          </p:cNvSpPr>
           <p:nvPr>
-            <p:ph idx="1" type="body"/>
+            <p:ph type="body" idx="1"/>
           </p:nvPr>
         </p:nvSpPr>
         <p:spPr>
@@ -5761,11 +5813,11 @@
           </a:ln>
         </p:spPr>
         <p:txBody>
-          <a:bodyPr anchorCtr="0" anchor="t" bIns="91425" lIns="91425" spcFirstLastPara="1" rIns="91425" wrap="square" tIns="91425">
+          <a:bodyPr spcFirstLastPara="1" wrap="square" lIns="91425" tIns="91425" rIns="91425" bIns="91425" anchor="t" anchorCtr="0">
             <a:normAutofit/>
           </a:bodyPr>
           <a:lstStyle>
-            <a:lvl1pPr indent="-342900" lvl="0" marL="457200">
+            <a:lvl1pPr marL="457200" lvl="0" indent="-342900">
               <a:lnSpc>
                 <a:spcPct val="115000"/>
               </a:lnSpc>
@@ -5791,7 +5843,7 @@
                 <a:sym typeface="Roboto"/>
               </a:defRPr>
             </a:lvl1pPr>
-            <a:lvl2pPr indent="-317500" lvl="1" marL="914400">
+            <a:lvl2pPr marL="914400" lvl="1" indent="-317500">
               <a:lnSpc>
                 <a:spcPct val="115000"/>
               </a:lnSpc>
@@ -5817,7 +5869,7 @@
                 <a:sym typeface="Roboto"/>
               </a:defRPr>
             </a:lvl2pPr>
-            <a:lvl3pPr indent="-317500" lvl="2" marL="1371600">
+            <a:lvl3pPr marL="1371600" lvl="2" indent="-317500">
               <a:lnSpc>
                 <a:spcPct val="115000"/>
               </a:lnSpc>
@@ -5843,7 +5895,7 @@
                 <a:sym typeface="Roboto"/>
               </a:defRPr>
             </a:lvl3pPr>
-            <a:lvl4pPr indent="-317500" lvl="3" marL="1828800">
+            <a:lvl4pPr marL="1828800" lvl="3" indent="-317500">
               <a:lnSpc>
                 <a:spcPct val="115000"/>
               </a:lnSpc>
@@ -5869,7 +5921,7 @@
                 <a:sym typeface="Roboto"/>
               </a:defRPr>
             </a:lvl4pPr>
-            <a:lvl5pPr indent="-317500" lvl="4" marL="2286000">
+            <a:lvl5pPr marL="2286000" lvl="4" indent="-317500">
               <a:lnSpc>
                 <a:spcPct val="115000"/>
               </a:lnSpc>
@@ -5895,7 +5947,7 @@
                 <a:sym typeface="Roboto"/>
               </a:defRPr>
             </a:lvl5pPr>
-            <a:lvl6pPr indent="-317500" lvl="5" marL="2743200">
+            <a:lvl6pPr marL="2743200" lvl="5" indent="-317500">
               <a:lnSpc>
                 <a:spcPct val="115000"/>
               </a:lnSpc>
@@ -5921,7 +5973,7 @@
                 <a:sym typeface="Roboto"/>
               </a:defRPr>
             </a:lvl6pPr>
-            <a:lvl7pPr indent="-317500" lvl="6" marL="3200400">
+            <a:lvl7pPr marL="3200400" lvl="6" indent="-317500">
               <a:lnSpc>
                 <a:spcPct val="115000"/>
               </a:lnSpc>
@@ -5947,7 +5999,7 @@
                 <a:sym typeface="Roboto"/>
               </a:defRPr>
             </a:lvl7pPr>
-            <a:lvl8pPr indent="-317500" lvl="7" marL="3657600">
+            <a:lvl8pPr marL="3657600" lvl="7" indent="-317500">
               <a:lnSpc>
                 <a:spcPct val="115000"/>
               </a:lnSpc>
@@ -5973,7 +6025,7 @@
                 <a:sym typeface="Roboto"/>
               </a:defRPr>
             </a:lvl8pPr>
-            <a:lvl9pPr indent="-317500" lvl="8" marL="4114800">
+            <a:lvl9pPr marL="4114800" lvl="8" indent="-317500">
               <a:lnSpc>
                 <a:spcPct val="115000"/>
               </a:lnSpc>
@@ -6000,15 +6052,19 @@
               </a:defRPr>
             </a:lvl9pPr>
           </a:lstStyle>
-          <a:p/>
+          <a:p>
+            <a:endParaRPr/>
+          </a:p>
         </p:txBody>
       </p:sp>
       <p:sp>
         <p:nvSpPr>
           <p:cNvPr id="8" name="Google Shape;8;p1"/>
-          <p:cNvSpPr txBox="1"/>
+          <p:cNvSpPr txBox="1">
+            <a:spLocks noGrp="1"/>
+          </p:cNvSpPr>
           <p:nvPr>
-            <p:ph idx="12" type="sldNum"/>
+            <p:ph type="sldNum" idx="12"/>
           </p:nvPr>
         </p:nvSpPr>
         <p:spPr>
@@ -6025,7 +6081,7 @@
           </a:ln>
         </p:spPr>
         <p:txBody>
-          <a:bodyPr anchorCtr="0" anchor="ctr" bIns="91425" lIns="91425" spcFirstLastPara="1" rIns="91425" wrap="square" tIns="91425">
+          <a:bodyPr spcFirstLastPara="1" wrap="square" lIns="91425" tIns="91425" rIns="91425" bIns="91425" anchor="ctr" anchorCtr="0">
             <a:normAutofit/>
           </a:bodyPr>
           <a:lstStyle>
@@ -6139,7 +6195,7 @@
             </a:lvl9pPr>
           </a:lstStyle>
           <a:p>
-            <a:pPr indent="0" lvl="0" marL="0" rtl="0" algn="r">
+            <a:pPr marL="0" lvl="0" indent="0" algn="r" rtl="0">
               <a:spcBef>
                 <a:spcPts val="0"/>
               </a:spcBef>
@@ -6158,7 +6214,7 @@
       </p:sp>
     </p:spTree>
   </p:cSld>
-  <p:clrMap accent1="accent1" accent2="accent2" accent3="accent3" accent4="accent4" accent5="accent5" accent6="accent6" bg1="lt1" bg2="dk2" tx1="dk1" tx2="lt2" folHlink="folHlink" hlink="hlink"/>
+  <p:clrMap bg1="lt1" tx1="dk1" bg2="dk2" tx2="lt2" accent1="accent1" accent2="accent2" accent3="accent3" accent4="accent4" accent5="accent5" accent6="accent6" hlink="hlink" folHlink="folHlink"/>
   <p:sldLayoutIdLst>
     <p:sldLayoutId id="2147483648" r:id="rId1"/>
     <p:sldLayoutId id="2147483649" r:id="rId2"/>
@@ -6175,10 +6231,10 @@
   <p:transition spd="med">
     <p:fade thruBlk="1"/>
   </p:transition>
-  <p:hf dt="0" ftr="0" hdr="0" sldNum="0"/>
+  <p:hf sldNum="0" hdr="0" ftr="0" dt="0"/>
   <p:txStyles>
     <p:titleStyle>
-      <a:defPPr lvl="0" marR="0" rtl="0" algn="l">
+      <a:defPPr marR="0" lvl="0" algn="l" rtl="0">
         <a:lnSpc>
           <a:spcPct val="100000"/>
         </a:lnSpc>
@@ -6189,7 +6245,7 @@
           <a:spcPts val="0"/>
         </a:spcAft>
       </a:defPPr>
-      <a:lvl1pPr lvl="0" marR="0" rtl="0" algn="l">
+      <a:lvl1pPr marR="0" lvl="0" algn="l" rtl="0">
         <a:lnSpc>
           <a:spcPct val="100000"/>
         </a:lnSpc>
@@ -6203,7 +6259,7 @@
           <a:srgbClr val="000000"/>
         </a:buClr>
         <a:buFont typeface="Arial"/>
-        <a:defRPr b="0" i="0" sz="1400" u="none" cap="none" strike="noStrike">
+        <a:defRPr sz="1400" b="0" i="0" u="none" strike="noStrike" cap="none">
           <a:solidFill>
             <a:srgbClr val="000000"/>
           </a:solidFill>
@@ -6213,7 +6269,7 @@
           <a:sym typeface="Arial"/>
         </a:defRPr>
       </a:lvl1pPr>
-      <a:lvl2pPr lvl="1" marR="0" rtl="0" algn="l">
+      <a:lvl2pPr marR="0" lvl="1" algn="l" rtl="0">
         <a:lnSpc>
           <a:spcPct val="100000"/>
         </a:lnSpc>
@@ -6227,7 +6283,7 @@
           <a:srgbClr val="000000"/>
         </a:buClr>
         <a:buFont typeface="Arial"/>
-        <a:defRPr b="0" i="0" sz="1400" u="none" cap="none" strike="noStrike">
+        <a:defRPr sz="1400" b="0" i="0" u="none" strike="noStrike" cap="none">
           <a:solidFill>
             <a:srgbClr val="000000"/>
           </a:solidFill>
@@ -6237,7 +6293,7 @@
           <a:sym typeface="Arial"/>
         </a:defRPr>
       </a:lvl2pPr>
-      <a:lvl3pPr lvl="2" marR="0" rtl="0" algn="l">
+      <a:lvl3pPr marR="0" lvl="2" algn="l" rtl="0">
         <a:lnSpc>
           <a:spcPct val="100000"/>
         </a:lnSpc>
@@ -6251,7 +6307,7 @@
           <a:srgbClr val="000000"/>
         </a:buClr>
         <a:buFont typeface="Arial"/>
-        <a:defRPr b="0" i="0" sz="1400" u="none" cap="none" strike="noStrike">
+        <a:defRPr sz="1400" b="0" i="0" u="none" strike="noStrike" cap="none">
           <a:solidFill>
             <a:srgbClr val="000000"/>
           </a:solidFill>
@@ -6261,7 +6317,7 @@
           <a:sym typeface="Arial"/>
         </a:defRPr>
       </a:lvl3pPr>
-      <a:lvl4pPr lvl="3" marR="0" rtl="0" algn="l">
+      <a:lvl4pPr marR="0" lvl="3" algn="l" rtl="0">
         <a:lnSpc>
           <a:spcPct val="100000"/>
         </a:lnSpc>
@@ -6275,7 +6331,7 @@
           <a:srgbClr val="000000"/>
         </a:buClr>
         <a:buFont typeface="Arial"/>
-        <a:defRPr b="0" i="0" sz="1400" u="none" cap="none" strike="noStrike">
+        <a:defRPr sz="1400" b="0" i="0" u="none" strike="noStrike" cap="none">
           <a:solidFill>
             <a:srgbClr val="000000"/>
           </a:solidFill>
@@ -6285,7 +6341,7 @@
           <a:sym typeface="Arial"/>
         </a:defRPr>
       </a:lvl4pPr>
-      <a:lvl5pPr lvl="4" marR="0" rtl="0" algn="l">
+      <a:lvl5pPr marR="0" lvl="4" algn="l" rtl="0">
         <a:lnSpc>
           <a:spcPct val="100000"/>
         </a:lnSpc>
@@ -6299,7 +6355,7 @@
           <a:srgbClr val="000000"/>
         </a:buClr>
         <a:buFont typeface="Arial"/>
-        <a:defRPr b="0" i="0" sz="1400" u="none" cap="none" strike="noStrike">
+        <a:defRPr sz="1400" b="0" i="0" u="none" strike="noStrike" cap="none">
           <a:solidFill>
             <a:srgbClr val="000000"/>
           </a:solidFill>
@@ -6309,7 +6365,7 @@
           <a:sym typeface="Arial"/>
         </a:defRPr>
       </a:lvl5pPr>
-      <a:lvl6pPr lvl="5" marR="0" rtl="0" algn="l">
+      <a:lvl6pPr marR="0" lvl="5" algn="l" rtl="0">
         <a:lnSpc>
           <a:spcPct val="100000"/>
         </a:lnSpc>
@@ -6323,7 +6379,7 @@
           <a:srgbClr val="000000"/>
         </a:buClr>
         <a:buFont typeface="Arial"/>
-        <a:defRPr b="0" i="0" sz="1400" u="none" cap="none" strike="noStrike">
+        <a:defRPr sz="1400" b="0" i="0" u="none" strike="noStrike" cap="none">
           <a:solidFill>
             <a:srgbClr val="000000"/>
           </a:solidFill>
@@ -6333,7 +6389,7 @@
           <a:sym typeface="Arial"/>
         </a:defRPr>
       </a:lvl6pPr>
-      <a:lvl7pPr lvl="6" marR="0" rtl="0" algn="l">
+      <a:lvl7pPr marR="0" lvl="6" algn="l" rtl="0">
         <a:lnSpc>
           <a:spcPct val="100000"/>
         </a:lnSpc>
@@ -6347,7 +6403,7 @@
           <a:srgbClr val="000000"/>
         </a:buClr>
         <a:buFont typeface="Arial"/>
-        <a:defRPr b="0" i="0" sz="1400" u="none" cap="none" strike="noStrike">
+        <a:defRPr sz="1400" b="0" i="0" u="none" strike="noStrike" cap="none">
           <a:solidFill>
             <a:srgbClr val="000000"/>
           </a:solidFill>
@@ -6357,7 +6413,7 @@
           <a:sym typeface="Arial"/>
         </a:defRPr>
       </a:lvl7pPr>
-      <a:lvl8pPr lvl="7" marR="0" rtl="0" algn="l">
+      <a:lvl8pPr marR="0" lvl="7" algn="l" rtl="0">
         <a:lnSpc>
           <a:spcPct val="100000"/>
         </a:lnSpc>
@@ -6371,7 +6427,7 @@
           <a:srgbClr val="000000"/>
         </a:buClr>
         <a:buFont typeface="Arial"/>
-        <a:defRPr b="0" i="0" sz="1400" u="none" cap="none" strike="noStrike">
+        <a:defRPr sz="1400" b="0" i="0" u="none" strike="noStrike" cap="none">
           <a:solidFill>
             <a:srgbClr val="000000"/>
           </a:solidFill>
@@ -6381,7 +6437,7 @@
           <a:sym typeface="Arial"/>
         </a:defRPr>
       </a:lvl8pPr>
-      <a:lvl9pPr lvl="8" marR="0" rtl="0" algn="l">
+      <a:lvl9pPr marR="0" lvl="8" algn="l" rtl="0">
         <a:lnSpc>
           <a:spcPct val="100000"/>
         </a:lnSpc>
@@ -6395,7 +6451,7 @@
           <a:srgbClr val="000000"/>
         </a:buClr>
         <a:buFont typeface="Arial"/>
-        <a:defRPr b="0" i="0" sz="1400" u="none" cap="none" strike="noStrike">
+        <a:defRPr sz="1400" b="0" i="0" u="none" strike="noStrike" cap="none">
           <a:solidFill>
             <a:srgbClr val="000000"/>
           </a:solidFill>
@@ -6407,7 +6463,7 @@
       </a:lvl9pPr>
     </p:titleStyle>
     <p:bodyStyle>
-      <a:defPPr lvl="0" marR="0" rtl="0" algn="l">
+      <a:defPPr marR="0" lvl="0" algn="l" rtl="0">
         <a:lnSpc>
           <a:spcPct val="100000"/>
         </a:lnSpc>
@@ -6418,7 +6474,7 @@
           <a:spcPts val="0"/>
         </a:spcAft>
       </a:defPPr>
-      <a:lvl1pPr lvl="0" marR="0" rtl="0" algn="l">
+      <a:lvl1pPr marR="0" lvl="0" algn="l" rtl="0">
         <a:lnSpc>
           <a:spcPct val="100000"/>
         </a:lnSpc>
@@ -6432,7 +6488,7 @@
           <a:srgbClr val="000000"/>
         </a:buClr>
         <a:buFont typeface="Arial"/>
-        <a:defRPr b="0" i="0" sz="1400" u="none" cap="none" strike="noStrike">
+        <a:defRPr sz="1400" b="0" i="0" u="none" strike="noStrike" cap="none">
           <a:solidFill>
             <a:srgbClr val="000000"/>
           </a:solidFill>
@@ -6442,7 +6498,7 @@
           <a:sym typeface="Arial"/>
         </a:defRPr>
       </a:lvl1pPr>
-      <a:lvl2pPr lvl="1" marR="0" rtl="0" algn="l">
+      <a:lvl2pPr marR="0" lvl="1" algn="l" rtl="0">
         <a:lnSpc>
           <a:spcPct val="100000"/>
         </a:lnSpc>
@@ -6456,7 +6512,7 @@
           <a:srgbClr val="000000"/>
         </a:buClr>
         <a:buFont typeface="Arial"/>
-        <a:defRPr b="0" i="0" sz="1400" u="none" cap="none" strike="noStrike">
+        <a:defRPr sz="1400" b="0" i="0" u="none" strike="noStrike" cap="none">
           <a:solidFill>
             <a:srgbClr val="000000"/>
           </a:solidFill>
@@ -6466,7 +6522,7 @@
           <a:sym typeface="Arial"/>
         </a:defRPr>
       </a:lvl2pPr>
-      <a:lvl3pPr lvl="2" marR="0" rtl="0" algn="l">
+      <a:lvl3pPr marR="0" lvl="2" algn="l" rtl="0">
         <a:lnSpc>
           <a:spcPct val="100000"/>
         </a:lnSpc>
@@ -6480,7 +6536,7 @@
           <a:srgbClr val="000000"/>
         </a:buClr>
         <a:buFont typeface="Arial"/>
-        <a:defRPr b="0" i="0" sz="1400" u="none" cap="none" strike="noStrike">
+        <a:defRPr sz="1400" b="0" i="0" u="none" strike="noStrike" cap="none">
           <a:solidFill>
             <a:srgbClr val="000000"/>
           </a:solidFill>
@@ -6490,7 +6546,7 @@
           <a:sym typeface="Arial"/>
         </a:defRPr>
       </a:lvl3pPr>
-      <a:lvl4pPr lvl="3" marR="0" rtl="0" algn="l">
+      <a:lvl4pPr marR="0" lvl="3" algn="l" rtl="0">
         <a:lnSpc>
           <a:spcPct val="100000"/>
         </a:lnSpc>
@@ -6504,7 +6560,7 @@
           <a:srgbClr val="000000"/>
         </a:buClr>
         <a:buFont typeface="Arial"/>
-        <a:defRPr b="0" i="0" sz="1400" u="none" cap="none" strike="noStrike">
+        <a:defRPr sz="1400" b="0" i="0" u="none" strike="noStrike" cap="none">
           <a:solidFill>
             <a:srgbClr val="000000"/>
           </a:solidFill>
@@ -6514,7 +6570,7 @@
           <a:sym typeface="Arial"/>
         </a:defRPr>
       </a:lvl4pPr>
-      <a:lvl5pPr lvl="4" marR="0" rtl="0" algn="l">
+      <a:lvl5pPr marR="0" lvl="4" algn="l" rtl="0">
         <a:lnSpc>
           <a:spcPct val="100000"/>
         </a:lnSpc>
@@ -6528,7 +6584,7 @@
           <a:srgbClr val="000000"/>
         </a:buClr>
         <a:buFont typeface="Arial"/>
-        <a:defRPr b="0" i="0" sz="1400" u="none" cap="none" strike="noStrike">
+        <a:defRPr sz="1400" b="0" i="0" u="none" strike="noStrike" cap="none">
           <a:solidFill>
             <a:srgbClr val="000000"/>
           </a:solidFill>
@@ -6538,7 +6594,7 @@
           <a:sym typeface="Arial"/>
         </a:defRPr>
       </a:lvl5pPr>
-      <a:lvl6pPr lvl="5" marR="0" rtl="0" algn="l">
+      <a:lvl6pPr marR="0" lvl="5" algn="l" rtl="0">
         <a:lnSpc>
           <a:spcPct val="100000"/>
         </a:lnSpc>
@@ -6552,7 +6608,7 @@
           <a:srgbClr val="000000"/>
         </a:buClr>
         <a:buFont typeface="Arial"/>
-        <a:defRPr b="0" i="0" sz="1400" u="none" cap="none" strike="noStrike">
+        <a:defRPr sz="1400" b="0" i="0" u="none" strike="noStrike" cap="none">
           <a:solidFill>
             <a:srgbClr val="000000"/>
           </a:solidFill>
@@ -6562,7 +6618,7 @@
           <a:sym typeface="Arial"/>
         </a:defRPr>
       </a:lvl6pPr>
-      <a:lvl7pPr lvl="6" marR="0" rtl="0" algn="l">
+      <a:lvl7pPr marR="0" lvl="6" algn="l" rtl="0">
         <a:lnSpc>
           <a:spcPct val="100000"/>
         </a:lnSpc>
@@ -6576,7 +6632,7 @@
           <a:srgbClr val="000000"/>
         </a:buClr>
         <a:buFont typeface="Arial"/>
-        <a:defRPr b="0" i="0" sz="1400" u="none" cap="none" strike="noStrike">
+        <a:defRPr sz="1400" b="0" i="0" u="none" strike="noStrike" cap="none">
           <a:solidFill>
             <a:srgbClr val="000000"/>
           </a:solidFill>
@@ -6586,7 +6642,7 @@
           <a:sym typeface="Arial"/>
         </a:defRPr>
       </a:lvl7pPr>
-      <a:lvl8pPr lvl="7" marR="0" rtl="0" algn="l">
+      <a:lvl8pPr marR="0" lvl="7" algn="l" rtl="0">
         <a:lnSpc>
           <a:spcPct val="100000"/>
         </a:lnSpc>
@@ -6600,7 +6656,7 @@
           <a:srgbClr val="000000"/>
         </a:buClr>
         <a:buFont typeface="Arial"/>
-        <a:defRPr b="0" i="0" sz="1400" u="none" cap="none" strike="noStrike">
+        <a:defRPr sz="1400" b="0" i="0" u="none" strike="noStrike" cap="none">
           <a:solidFill>
             <a:srgbClr val="000000"/>
           </a:solidFill>
@@ -6610,7 +6666,7 @@
           <a:sym typeface="Arial"/>
         </a:defRPr>
       </a:lvl8pPr>
-      <a:lvl9pPr lvl="8" marR="0" rtl="0" algn="l">
+      <a:lvl9pPr marR="0" lvl="8" algn="l" rtl="0">
         <a:lnSpc>
           <a:spcPct val="100000"/>
         </a:lnSpc>
@@ -6624,7 +6680,7 @@
           <a:srgbClr val="000000"/>
         </a:buClr>
         <a:buFont typeface="Arial"/>
-        <a:defRPr b="0" i="0" sz="1400" u="none" cap="none" strike="noStrike">
+        <a:defRPr sz="1400" b="0" i="0" u="none" strike="noStrike" cap="none">
           <a:solidFill>
             <a:srgbClr val="000000"/>
           </a:solidFill>
@@ -6636,7 +6692,7 @@
       </a:lvl9pPr>
     </p:bodyStyle>
     <p:otherStyle>
-      <a:defPPr lvl="0" marR="0" rtl="0" algn="l">
+      <a:defPPr marR="0" lvl="0" algn="l" rtl="0">
         <a:lnSpc>
           <a:spcPct val="100000"/>
         </a:lnSpc>
@@ -6647,7 +6703,7 @@
           <a:spcPts val="0"/>
         </a:spcAft>
       </a:defPPr>
-      <a:lvl1pPr lvl="0" marR="0" rtl="0" algn="l">
+      <a:lvl1pPr marR="0" lvl="0" algn="l" rtl="0">
         <a:lnSpc>
           <a:spcPct val="100000"/>
         </a:lnSpc>
@@ -6661,7 +6717,7 @@
           <a:srgbClr val="000000"/>
         </a:buClr>
         <a:buFont typeface="Arial"/>
-        <a:defRPr b="0" i="0" sz="1400" u="none" cap="none" strike="noStrike">
+        <a:defRPr sz="1400" b="0" i="0" u="none" strike="noStrike" cap="none">
           <a:solidFill>
             <a:srgbClr val="000000"/>
           </a:solidFill>
@@ -6671,7 +6727,7 @@
           <a:sym typeface="Arial"/>
         </a:defRPr>
       </a:lvl1pPr>
-      <a:lvl2pPr lvl="1" marR="0" rtl="0" algn="l">
+      <a:lvl2pPr marR="0" lvl="1" algn="l" rtl="0">
         <a:lnSpc>
           <a:spcPct val="100000"/>
         </a:lnSpc>
@@ -6685,7 +6741,7 @@
           <a:srgbClr val="000000"/>
         </a:buClr>
         <a:buFont typeface="Arial"/>
-        <a:defRPr b="0" i="0" sz="1400" u="none" cap="none" strike="noStrike">
+        <a:defRPr sz="1400" b="0" i="0" u="none" strike="noStrike" cap="none">
           <a:solidFill>
             <a:srgbClr val="000000"/>
           </a:solidFill>
@@ -6695,7 +6751,7 @@
           <a:sym typeface="Arial"/>
         </a:defRPr>
       </a:lvl2pPr>
-      <a:lvl3pPr lvl="2" marR="0" rtl="0" algn="l">
+      <a:lvl3pPr marR="0" lvl="2" algn="l" rtl="0">
         <a:lnSpc>
           <a:spcPct val="100000"/>
         </a:lnSpc>
@@ -6709,7 +6765,7 @@
           <a:srgbClr val="000000"/>
         </a:buClr>
         <a:buFont typeface="Arial"/>
-        <a:defRPr b="0" i="0" sz="1400" u="none" cap="none" strike="noStrike">
+        <a:defRPr sz="1400" b="0" i="0" u="none" strike="noStrike" cap="none">
           <a:solidFill>
             <a:srgbClr val="000000"/>
           </a:solidFill>
@@ -6719,7 +6775,7 @@
           <a:sym typeface="Arial"/>
         </a:defRPr>
       </a:lvl3pPr>
-      <a:lvl4pPr lvl="3" marR="0" rtl="0" algn="l">
+      <a:lvl4pPr marR="0" lvl="3" algn="l" rtl="0">
         <a:lnSpc>
           <a:spcPct val="100000"/>
         </a:lnSpc>
@@ -6733,7 +6789,7 @@
           <a:srgbClr val="000000"/>
         </a:buClr>
         <a:buFont typeface="Arial"/>
-        <a:defRPr b="0" i="0" sz="1400" u="none" cap="none" strike="noStrike">
+        <a:defRPr sz="1400" b="0" i="0" u="none" strike="noStrike" cap="none">
           <a:solidFill>
             <a:srgbClr val="000000"/>
           </a:solidFill>
@@ -6743,7 +6799,7 @@
           <a:sym typeface="Arial"/>
         </a:defRPr>
       </a:lvl4pPr>
-      <a:lvl5pPr lvl="4" marR="0" rtl="0" algn="l">
+      <a:lvl5pPr marR="0" lvl="4" algn="l" rtl="0">
         <a:lnSpc>
           <a:spcPct val="100000"/>
         </a:lnSpc>
@@ -6757,7 +6813,7 @@
           <a:srgbClr val="000000"/>
         </a:buClr>
         <a:buFont typeface="Arial"/>
-        <a:defRPr b="0" i="0" sz="1400" u="none" cap="none" strike="noStrike">
+        <a:defRPr sz="1400" b="0" i="0" u="none" strike="noStrike" cap="none">
           <a:solidFill>
             <a:srgbClr val="000000"/>
           </a:solidFill>
@@ -6767,7 +6823,7 @@
           <a:sym typeface="Arial"/>
         </a:defRPr>
       </a:lvl5pPr>
-      <a:lvl6pPr lvl="5" marR="0" rtl="0" algn="l">
+      <a:lvl6pPr marR="0" lvl="5" algn="l" rtl="0">
         <a:lnSpc>
           <a:spcPct val="100000"/>
         </a:lnSpc>
@@ -6781,7 +6837,7 @@
           <a:srgbClr val="000000"/>
         </a:buClr>
         <a:buFont typeface="Arial"/>
-        <a:defRPr b="0" i="0" sz="1400" u="none" cap="none" strike="noStrike">
+        <a:defRPr sz="1400" b="0" i="0" u="none" strike="noStrike" cap="none">
           <a:solidFill>
             <a:srgbClr val="000000"/>
           </a:solidFill>
@@ -6791,7 +6847,7 @@
           <a:sym typeface="Arial"/>
         </a:defRPr>
       </a:lvl6pPr>
-      <a:lvl7pPr lvl="6" marR="0" rtl="0" algn="l">
+      <a:lvl7pPr marR="0" lvl="6" algn="l" rtl="0">
         <a:lnSpc>
           <a:spcPct val="100000"/>
         </a:lnSpc>
@@ -6805,7 +6861,7 @@
           <a:srgbClr val="000000"/>
         </a:buClr>
         <a:buFont typeface="Arial"/>
-        <a:defRPr b="0" i="0" sz="1400" u="none" cap="none" strike="noStrike">
+        <a:defRPr sz="1400" b="0" i="0" u="none" strike="noStrike" cap="none">
           <a:solidFill>
             <a:srgbClr val="000000"/>
           </a:solidFill>
@@ -6815,7 +6871,7 @@
           <a:sym typeface="Arial"/>
         </a:defRPr>
       </a:lvl7pPr>
-      <a:lvl8pPr lvl="7" marR="0" rtl="0" algn="l">
+      <a:lvl8pPr marR="0" lvl="7" algn="l" rtl="0">
         <a:lnSpc>
           <a:spcPct val="100000"/>
         </a:lnSpc>
@@ -6829,7 +6885,7 @@
           <a:srgbClr val="000000"/>
         </a:buClr>
         <a:buFont typeface="Arial"/>
-        <a:defRPr b="0" i="0" sz="1400" u="none" cap="none" strike="noStrike">
+        <a:defRPr sz="1400" b="0" i="0" u="none" strike="noStrike" cap="none">
           <a:solidFill>
             <a:srgbClr val="000000"/>
           </a:solidFill>
@@ -6839,7 +6895,7 @@
           <a:sym typeface="Arial"/>
         </a:defRPr>
       </a:lvl8pPr>
-      <a:lvl9pPr lvl="8" marR="0" rtl="0" algn="l">
+      <a:lvl9pPr marR="0" lvl="8" algn="l" rtl="0">
         <a:lnSpc>
           <a:spcPct val="100000"/>
         </a:lnSpc>
@@ -6853,7 +6909,7 @@
           <a:srgbClr val="000000"/>
         </a:buClr>
         <a:buFont typeface="Arial"/>
-        <a:defRPr b="0" i="0" sz="1400" u="none" cap="none" strike="noStrike">
+        <a:defRPr sz="1400" b="0" i="0" u="none" strike="noStrike" cap="none">
           <a:solidFill>
             <a:srgbClr val="000000"/>
           </a:solidFill>
@@ -6869,11 +6925,11 @@
 </file>
 
 <file path=ppt/slides/slide1.xml><?xml version="1.0" encoding="utf-8"?>
-<p:sld xmlns:a="http://schemas.openxmlformats.org/drawingml/2006/main" xmlns:r="http://schemas.openxmlformats.org/officeDocument/2006/relationships" xmlns:mc="http://schemas.openxmlformats.org/markup-compatibility/2006" xmlns:mv="urn:schemas-microsoft-com:mac:vml" xmlns:p="http://schemas.openxmlformats.org/presentationml/2006/main" xmlns:c="http://schemas.openxmlformats.org/drawingml/2006/chart" xmlns:dgm="http://schemas.openxmlformats.org/drawingml/2006/diagram" xmlns:o="urn:schemas-microsoft-com:office:office" xmlns:v="urn:schemas-microsoft-com:vml" xmlns:pvml="urn:schemas-microsoft-com:office:powerpoint" xmlns:com="http://schemas.openxmlformats.org/drawingml/2006/compatibility" xmlns:p14="http://schemas.microsoft.com/office/powerpoint/2010/main" xmlns:p15="http://schemas.microsoft.com/office/powerpoint/2012/main" xmlns:ahyp="http://schemas.microsoft.com/office/drawing/2018/hyperlinkcolor">
+<p:sld xmlns:a="http://schemas.openxmlformats.org/drawingml/2006/main" xmlns:r="http://schemas.openxmlformats.org/officeDocument/2006/relationships" xmlns:p="http://schemas.openxmlformats.org/presentationml/2006/main">
   <p:cSld>
     <p:spTree>
       <p:nvGrpSpPr>
-        <p:cNvPr id="62" name="Shape 62"/>
+        <p:cNvPr id="1" name="Shape 62"/>
         <p:cNvGrpSpPr/>
         <p:nvPr/>
       </p:nvGrpSpPr>
@@ -6888,7 +6944,9 @@
       <p:sp>
         <p:nvSpPr>
           <p:cNvPr id="63" name="Google Shape;63;p13"/>
-          <p:cNvSpPr txBox="1"/>
+          <p:cNvSpPr txBox="1">
+            <a:spLocks noGrp="1"/>
+          </p:cNvSpPr>
           <p:nvPr>
             <p:ph type="ctrTitle"/>
           </p:nvPr>
@@ -6903,12 +6961,12 @@
           </a:prstGeom>
         </p:spPr>
         <p:txBody>
-          <a:bodyPr anchorCtr="0" anchor="b" bIns="91425" lIns="91425" spcFirstLastPara="1" rIns="91425" wrap="square" tIns="91425">
+          <a:bodyPr spcFirstLastPara="1" wrap="square" lIns="91425" tIns="91425" rIns="91425" bIns="91425" anchor="b" anchorCtr="0">
             <a:normAutofit/>
           </a:bodyPr>
           <a:lstStyle/>
           <a:p>
-            <a:pPr indent="0" lvl="0" marL="0" rtl="0" algn="ctr">
+            <a:pPr marL="0" lvl="0" indent="0" algn="ctr" rtl="0">
               <a:spcBef>
                 <a:spcPts val="0"/>
               </a:spcBef>
@@ -6928,9 +6986,11 @@
       <p:sp>
         <p:nvSpPr>
           <p:cNvPr id="64" name="Google Shape;64;p13"/>
-          <p:cNvSpPr txBox="1"/>
+          <p:cNvSpPr txBox="1">
+            <a:spLocks noGrp="1"/>
+          </p:cNvSpPr>
           <p:nvPr>
-            <p:ph idx="1" type="subTitle"/>
+            <p:ph type="subTitle" idx="1"/>
           </p:nvPr>
         </p:nvSpPr>
         <p:spPr>
@@ -6943,12 +7003,12 @@
           </a:prstGeom>
         </p:spPr>
         <p:txBody>
-          <a:bodyPr anchorCtr="0" anchor="t" bIns="91425" lIns="91425" spcFirstLastPara="1" rIns="91425" wrap="square" tIns="91425">
+          <a:bodyPr spcFirstLastPara="1" wrap="square" lIns="91425" tIns="91425" rIns="91425" bIns="91425" anchor="t" anchorCtr="0">
             <a:normAutofit/>
           </a:bodyPr>
           <a:lstStyle/>
           <a:p>
-            <a:pPr indent="0" lvl="0" marL="0" rtl="0" algn="ctr">
+            <a:pPr marL="0" lvl="0" indent="0" algn="ctr" rtl="0">
               <a:spcBef>
                 <a:spcPts val="0"/>
               </a:spcBef>
@@ -6974,11 +7034,11 @@
 </file>
 
 <file path=ppt/slides/slide2.xml><?xml version="1.0" encoding="utf-8"?>
-<p:sld xmlns:a="http://schemas.openxmlformats.org/drawingml/2006/main" xmlns:r="http://schemas.openxmlformats.org/officeDocument/2006/relationships" xmlns:mc="http://schemas.openxmlformats.org/markup-compatibility/2006" xmlns:mv="urn:schemas-microsoft-com:mac:vml" xmlns:p="http://schemas.openxmlformats.org/presentationml/2006/main" xmlns:c="http://schemas.openxmlformats.org/drawingml/2006/chart" xmlns:dgm="http://schemas.openxmlformats.org/drawingml/2006/diagram" xmlns:o="urn:schemas-microsoft-com:office:office" xmlns:v="urn:schemas-microsoft-com:vml" xmlns:pvml="urn:schemas-microsoft-com:office:powerpoint" xmlns:com="http://schemas.openxmlformats.org/drawingml/2006/compatibility" xmlns:p14="http://schemas.microsoft.com/office/powerpoint/2010/main" xmlns:p15="http://schemas.microsoft.com/office/powerpoint/2012/main" xmlns:ahyp="http://schemas.microsoft.com/office/drawing/2018/hyperlinkcolor">
+<p:sld xmlns:a="http://schemas.openxmlformats.org/drawingml/2006/main" xmlns:r="http://schemas.openxmlformats.org/officeDocument/2006/relationships" xmlns:p="http://schemas.openxmlformats.org/presentationml/2006/main">
   <p:cSld>
     <p:spTree>
       <p:nvGrpSpPr>
-        <p:cNvPr id="68" name="Shape 68"/>
+        <p:cNvPr id="1" name="Shape 68"/>
         <p:cNvGrpSpPr/>
         <p:nvPr/>
       </p:nvGrpSpPr>
@@ -6993,7 +7053,9 @@
       <p:sp>
         <p:nvSpPr>
           <p:cNvPr id="69" name="Google Shape;69;p14"/>
-          <p:cNvSpPr txBox="1"/>
+          <p:cNvSpPr txBox="1">
+            <a:spLocks noGrp="1"/>
+          </p:cNvSpPr>
           <p:nvPr>
             <p:ph type="title"/>
           </p:nvPr>
@@ -7008,12 +7070,12 @@
           </a:prstGeom>
         </p:spPr>
         <p:txBody>
-          <a:bodyPr anchorCtr="0" anchor="b" bIns="91425" lIns="91425" spcFirstLastPara="1" rIns="91425" wrap="square" tIns="91425">
+          <a:bodyPr spcFirstLastPara="1" wrap="square" lIns="91425" tIns="91425" rIns="91425" bIns="91425" anchor="b" anchorCtr="0">
             <a:normAutofit/>
           </a:bodyPr>
           <a:lstStyle/>
           <a:p>
-            <a:pPr indent="0" lvl="0" marL="0" rtl="0" algn="l">
+            <a:pPr marL="0" lvl="0" indent="0" algn="l" rtl="0">
               <a:spcBef>
                 <a:spcPts val="0"/>
               </a:spcBef>
@@ -7033,9 +7095,11 @@
       <p:sp>
         <p:nvSpPr>
           <p:cNvPr id="70" name="Google Shape;70;p14"/>
-          <p:cNvSpPr txBox="1"/>
+          <p:cNvSpPr txBox="1">
+            <a:spLocks noGrp="1"/>
+          </p:cNvSpPr>
           <p:nvPr>
-            <p:ph idx="1" type="body"/>
+            <p:ph type="body" idx="1"/>
           </p:nvPr>
         </p:nvSpPr>
         <p:spPr>
@@ -7048,12 +7112,12 @@
           </a:prstGeom>
         </p:spPr>
         <p:txBody>
-          <a:bodyPr anchorCtr="0" anchor="t" bIns="91425" lIns="91425" spcFirstLastPara="1" rIns="91425" wrap="square" tIns="91425">
+          <a:bodyPr spcFirstLastPara="1" wrap="square" lIns="91425" tIns="91425" rIns="91425" bIns="91425" anchor="t" anchorCtr="0">
             <a:normAutofit/>
           </a:bodyPr>
           <a:lstStyle/>
           <a:p>
-            <a:pPr indent="0" lvl="0" marL="0" rtl="0" algn="l">
+            <a:pPr marL="0" lvl="0" indent="0" algn="l" rtl="0">
               <a:spcBef>
                 <a:spcPts val="0"/>
               </a:spcBef>
@@ -7093,14 +7157,14 @@
             <a:avLst/>
           </a:prstGeom>
           <a:noFill/>
-          <a:ln cap="flat" cmpd="sng" w="76200">
+          <a:ln w="76200" cap="flat" cmpd="sng">
             <a:solidFill>
               <a:schemeClr val="dk2"/>
             </a:solidFill>
             <a:prstDash val="solid"/>
             <a:round/>
-            <a:headEnd len="sm" w="sm" type="none"/>
-            <a:tailEnd len="sm" w="sm" type="none"/>
+            <a:headEnd type="none" w="sm" len="sm"/>
+            <a:tailEnd type="none" w="sm" len="sm"/>
           </a:ln>
         </p:spPr>
       </p:pic>
@@ -7113,11 +7177,11 @@
 </file>
 
 <file path=ppt/slides/slide3.xml><?xml version="1.0" encoding="utf-8"?>
-<p:sld xmlns:a="http://schemas.openxmlformats.org/drawingml/2006/main" xmlns:r="http://schemas.openxmlformats.org/officeDocument/2006/relationships" xmlns:mc="http://schemas.openxmlformats.org/markup-compatibility/2006" xmlns:mv="urn:schemas-microsoft-com:mac:vml" xmlns:p="http://schemas.openxmlformats.org/presentationml/2006/main" xmlns:c="http://schemas.openxmlformats.org/drawingml/2006/chart" xmlns:dgm="http://schemas.openxmlformats.org/drawingml/2006/diagram" xmlns:o="urn:schemas-microsoft-com:office:office" xmlns:v="urn:schemas-microsoft-com:vml" xmlns:pvml="urn:schemas-microsoft-com:office:powerpoint" xmlns:com="http://schemas.openxmlformats.org/drawingml/2006/compatibility" xmlns:p14="http://schemas.microsoft.com/office/powerpoint/2010/main" xmlns:p15="http://schemas.microsoft.com/office/powerpoint/2012/main" xmlns:ahyp="http://schemas.microsoft.com/office/drawing/2018/hyperlinkcolor">
+<p:sld xmlns:a="http://schemas.openxmlformats.org/drawingml/2006/main" xmlns:r="http://schemas.openxmlformats.org/officeDocument/2006/relationships" xmlns:p="http://schemas.openxmlformats.org/presentationml/2006/main">
   <p:cSld>
     <p:spTree>
       <p:nvGrpSpPr>
-        <p:cNvPr id="75" name="Shape 75"/>
+        <p:cNvPr id="1" name="Shape 75"/>
         <p:cNvGrpSpPr/>
         <p:nvPr/>
       </p:nvGrpSpPr>
@@ -7132,7 +7196,9 @@
       <p:sp>
         <p:nvSpPr>
           <p:cNvPr id="76" name="Google Shape;76;p15"/>
-          <p:cNvSpPr txBox="1"/>
+          <p:cNvSpPr txBox="1">
+            <a:spLocks noGrp="1"/>
+          </p:cNvSpPr>
           <p:nvPr>
             <p:ph type="title"/>
           </p:nvPr>
@@ -7147,12 +7213,12 @@
           </a:prstGeom>
         </p:spPr>
         <p:txBody>
-          <a:bodyPr anchorCtr="0" anchor="b" bIns="91425" lIns="91425" spcFirstLastPara="1" rIns="91425" wrap="square" tIns="91425">
+          <a:bodyPr spcFirstLastPara="1" wrap="square" lIns="91425" tIns="91425" rIns="91425" bIns="91425" anchor="b" anchorCtr="0">
             <a:normAutofit/>
           </a:bodyPr>
           <a:lstStyle/>
           <a:p>
-            <a:pPr indent="0" lvl="0" marL="0" rtl="0" algn="l">
+            <a:pPr marL="0" lvl="0" indent="0" algn="l" rtl="0">
               <a:spcBef>
                 <a:spcPts val="0"/>
               </a:spcBef>
@@ -7172,9 +7238,11 @@
       <p:sp>
         <p:nvSpPr>
           <p:cNvPr id="77" name="Google Shape;77;p15"/>
-          <p:cNvSpPr txBox="1"/>
+          <p:cNvSpPr txBox="1">
+            <a:spLocks noGrp="1"/>
+          </p:cNvSpPr>
           <p:nvPr>
-            <p:ph idx="1" type="body"/>
+            <p:ph type="body" idx="1"/>
           </p:nvPr>
         </p:nvSpPr>
         <p:spPr>
@@ -7187,12 +7255,12 @@
           </a:prstGeom>
         </p:spPr>
         <p:txBody>
-          <a:bodyPr anchorCtr="0" anchor="t" bIns="91425" lIns="91425" spcFirstLastPara="1" rIns="91425" wrap="square" tIns="91425">
+          <a:bodyPr spcFirstLastPara="1" wrap="square" lIns="91425" tIns="91425" rIns="91425" bIns="91425" anchor="t" anchorCtr="0">
             <a:noAutofit/>
           </a:bodyPr>
           <a:lstStyle/>
           <a:p>
-            <a:pPr indent="0" lvl="0" marL="0" rtl="0" algn="l">
+            <a:pPr marL="0" lvl="0" indent="0" algn="l" rtl="0">
               <a:spcBef>
                 <a:spcPts val="0"/>
               </a:spcBef>
@@ -7208,7 +7276,7 @@
             <a:endParaRPr sz="2400"/>
           </a:p>
           <a:p>
-            <a:pPr indent="0" lvl="0" marL="0" rtl="0" algn="l">
+            <a:pPr marL="0" lvl="0" indent="0" algn="l" rtl="0">
               <a:spcBef>
                 <a:spcPts val="1200"/>
               </a:spcBef>
@@ -7248,14 +7316,14 @@
             <a:avLst/>
           </a:prstGeom>
           <a:noFill/>
-          <a:ln cap="flat" cmpd="sng" w="76200">
+          <a:ln w="76200" cap="flat" cmpd="sng">
             <a:solidFill>
               <a:schemeClr val="dk2"/>
             </a:solidFill>
             <a:prstDash val="solid"/>
             <a:round/>
-            <a:headEnd len="sm" w="sm" type="none"/>
-            <a:tailEnd len="sm" w="sm" type="none"/>
+            <a:headEnd type="none" w="sm" len="sm"/>
+            <a:tailEnd type="none" w="sm" len="sm"/>
           </a:ln>
         </p:spPr>
       </p:pic>
@@ -7268,11 +7336,11 @@
 </file>
 
 <file path=ppt/slides/slide4.xml><?xml version="1.0" encoding="utf-8"?>
-<p:sld xmlns:a="http://schemas.openxmlformats.org/drawingml/2006/main" xmlns:r="http://schemas.openxmlformats.org/officeDocument/2006/relationships" xmlns:mc="http://schemas.openxmlformats.org/markup-compatibility/2006" xmlns:mv="urn:schemas-microsoft-com:mac:vml" xmlns:p="http://schemas.openxmlformats.org/presentationml/2006/main" xmlns:c="http://schemas.openxmlformats.org/drawingml/2006/chart" xmlns:dgm="http://schemas.openxmlformats.org/drawingml/2006/diagram" xmlns:o="urn:schemas-microsoft-com:office:office" xmlns:v="urn:schemas-microsoft-com:vml" xmlns:pvml="urn:schemas-microsoft-com:office:powerpoint" xmlns:com="http://schemas.openxmlformats.org/drawingml/2006/compatibility" xmlns:p14="http://schemas.microsoft.com/office/powerpoint/2010/main" xmlns:p15="http://schemas.microsoft.com/office/powerpoint/2012/main" xmlns:ahyp="http://schemas.microsoft.com/office/drawing/2018/hyperlinkcolor">
+<p:sld xmlns:a="http://schemas.openxmlformats.org/drawingml/2006/main" xmlns:r="http://schemas.openxmlformats.org/officeDocument/2006/relationships" xmlns:p="http://schemas.openxmlformats.org/presentationml/2006/main">
   <p:cSld>
     <p:spTree>
       <p:nvGrpSpPr>
-        <p:cNvPr id="82" name="Shape 82"/>
+        <p:cNvPr id="1" name="Shape 82"/>
         <p:cNvGrpSpPr/>
         <p:nvPr/>
       </p:nvGrpSpPr>
@@ -7287,7 +7355,9 @@
       <p:sp>
         <p:nvSpPr>
           <p:cNvPr id="83" name="Google Shape;83;p16"/>
-          <p:cNvSpPr txBox="1"/>
+          <p:cNvSpPr txBox="1">
+            <a:spLocks noGrp="1"/>
+          </p:cNvSpPr>
           <p:nvPr>
             <p:ph type="title"/>
           </p:nvPr>
@@ -7302,12 +7372,12 @@
           </a:prstGeom>
         </p:spPr>
         <p:txBody>
-          <a:bodyPr anchorCtr="0" anchor="b" bIns="91425" lIns="91425" spcFirstLastPara="1" rIns="91425" wrap="square" tIns="91425">
+          <a:bodyPr spcFirstLastPara="1" wrap="square" lIns="91425" tIns="91425" rIns="91425" bIns="91425" anchor="b" anchorCtr="0">
             <a:normAutofit/>
           </a:bodyPr>
           <a:lstStyle/>
           <a:p>
-            <a:pPr indent="0" lvl="0" marL="0" rtl="0" algn="l">
+            <a:pPr marL="0" lvl="0" indent="0" algn="l" rtl="0">
               <a:spcBef>
                 <a:spcPts val="0"/>
               </a:spcBef>
@@ -7327,9 +7397,11 @@
       <p:sp>
         <p:nvSpPr>
           <p:cNvPr id="84" name="Google Shape;84;p16"/>
-          <p:cNvSpPr txBox="1"/>
+          <p:cNvSpPr txBox="1">
+            <a:spLocks noGrp="1"/>
+          </p:cNvSpPr>
           <p:nvPr>
-            <p:ph idx="1" type="body"/>
+            <p:ph type="body" idx="1"/>
           </p:nvPr>
         </p:nvSpPr>
         <p:spPr>
@@ -7342,12 +7414,12 @@
           </a:prstGeom>
         </p:spPr>
         <p:txBody>
-          <a:bodyPr anchorCtr="0" anchor="t" bIns="91425" lIns="91425" spcFirstLastPara="1" rIns="91425" wrap="square" tIns="91425">
+          <a:bodyPr spcFirstLastPara="1" wrap="square" lIns="91425" tIns="91425" rIns="91425" bIns="91425" anchor="t" anchorCtr="0">
             <a:normAutofit/>
           </a:bodyPr>
           <a:lstStyle/>
           <a:p>
-            <a:pPr indent="0" lvl="0" marL="0" rtl="0" algn="l">
+            <a:pPr marL="0" lvl="0" indent="0" algn="l" rtl="0">
               <a:spcBef>
                 <a:spcPts val="0"/>
               </a:spcBef>
@@ -7363,7 +7435,7 @@
             <a:endParaRPr sz="2400"/>
           </a:p>
           <a:p>
-            <a:pPr indent="0" lvl="0" marL="0" rtl="0" algn="l">
+            <a:pPr marL="0" lvl="0" indent="0" algn="l" rtl="0">
               <a:spcBef>
                 <a:spcPts val="1200"/>
               </a:spcBef>
@@ -7379,7 +7451,7 @@
             <a:endParaRPr sz="2400"/>
           </a:p>
           <a:p>
-            <a:pPr indent="0" lvl="0" marL="0" rtl="0" algn="l">
+            <a:pPr marL="0" lvl="0" indent="0" algn="l" rtl="0">
               <a:spcBef>
                 <a:spcPts val="1200"/>
               </a:spcBef>
@@ -7423,7 +7495,7 @@
             <a:noFill/>
           </a:ln>
           <a:effectLst>
-            <a:outerShdw blurRad="171450" rotWithShape="0" algn="bl">
+            <a:outerShdw blurRad="171450" algn="bl" rotWithShape="0">
               <a:srgbClr val="000000">
                 <a:alpha val="50000"/>
               </a:srgbClr>
@@ -7454,14 +7526,14 @@
             <a:avLst/>
           </a:prstGeom>
           <a:noFill/>
-          <a:ln cap="flat" cmpd="sng" w="76200">
+          <a:ln w="76200" cap="flat" cmpd="sng">
             <a:solidFill>
               <a:schemeClr val="dk2"/>
             </a:solidFill>
             <a:prstDash val="solid"/>
             <a:round/>
-            <a:headEnd len="sm" w="sm" type="none"/>
-            <a:tailEnd len="sm" w="sm" type="none"/>
+            <a:headEnd type="none" w="sm" len="sm"/>
+            <a:tailEnd type="none" w="sm" len="sm"/>
           </a:ln>
         </p:spPr>
       </p:pic>
@@ -7474,11 +7546,11 @@
 </file>
 
 <file path=ppt/slides/slide5.xml><?xml version="1.0" encoding="utf-8"?>
-<p:sld xmlns:a="http://schemas.openxmlformats.org/drawingml/2006/main" xmlns:r="http://schemas.openxmlformats.org/officeDocument/2006/relationships" xmlns:mc="http://schemas.openxmlformats.org/markup-compatibility/2006" xmlns:mv="urn:schemas-microsoft-com:mac:vml" xmlns:p="http://schemas.openxmlformats.org/presentationml/2006/main" xmlns:c="http://schemas.openxmlformats.org/drawingml/2006/chart" xmlns:dgm="http://schemas.openxmlformats.org/drawingml/2006/diagram" xmlns:o="urn:schemas-microsoft-com:office:office" xmlns:v="urn:schemas-microsoft-com:vml" xmlns:pvml="urn:schemas-microsoft-com:office:powerpoint" xmlns:com="http://schemas.openxmlformats.org/drawingml/2006/compatibility" xmlns:p14="http://schemas.microsoft.com/office/powerpoint/2010/main" xmlns:p15="http://schemas.microsoft.com/office/powerpoint/2012/main" xmlns:ahyp="http://schemas.microsoft.com/office/drawing/2018/hyperlinkcolor">
+<p:sld xmlns:a="http://schemas.openxmlformats.org/drawingml/2006/main" xmlns:r="http://schemas.openxmlformats.org/officeDocument/2006/relationships" xmlns:p="http://schemas.openxmlformats.org/presentationml/2006/main">
   <p:cSld>
     <p:spTree>
       <p:nvGrpSpPr>
-        <p:cNvPr id="90" name="Shape 90"/>
+        <p:cNvPr id="1" name="Shape 90"/>
         <p:cNvGrpSpPr/>
         <p:nvPr/>
       </p:nvGrpSpPr>
@@ -7493,7 +7565,9 @@
       <p:sp>
         <p:nvSpPr>
           <p:cNvPr id="91" name="Google Shape;91;p17"/>
-          <p:cNvSpPr txBox="1"/>
+          <p:cNvSpPr txBox="1">
+            <a:spLocks noGrp="1"/>
+          </p:cNvSpPr>
           <p:nvPr>
             <p:ph type="title"/>
           </p:nvPr>
@@ -7508,12 +7582,12 @@
           </a:prstGeom>
         </p:spPr>
         <p:txBody>
-          <a:bodyPr anchorCtr="0" anchor="b" bIns="91425" lIns="91425" spcFirstLastPara="1" rIns="91425" wrap="square" tIns="91425">
+          <a:bodyPr spcFirstLastPara="1" wrap="square" lIns="91425" tIns="91425" rIns="91425" bIns="91425" anchor="b" anchorCtr="0">
             <a:normAutofit/>
           </a:bodyPr>
           <a:lstStyle/>
           <a:p>
-            <a:pPr indent="0" lvl="0" marL="0" rtl="0" algn="l">
+            <a:pPr marL="0" lvl="0" indent="0" algn="l" rtl="0">
               <a:spcBef>
                 <a:spcPts val="0"/>
               </a:spcBef>
@@ -7533,9 +7607,11 @@
       <p:sp>
         <p:nvSpPr>
           <p:cNvPr id="92" name="Google Shape;92;p17"/>
-          <p:cNvSpPr txBox="1"/>
+          <p:cNvSpPr txBox="1">
+            <a:spLocks noGrp="1"/>
+          </p:cNvSpPr>
           <p:nvPr>
-            <p:ph idx="1" type="body"/>
+            <p:ph type="body" idx="1"/>
           </p:nvPr>
         </p:nvSpPr>
         <p:spPr>
@@ -7548,12 +7624,12 @@
           </a:prstGeom>
         </p:spPr>
         <p:txBody>
-          <a:bodyPr anchorCtr="0" anchor="t" bIns="91425" lIns="91425" spcFirstLastPara="1" rIns="91425" wrap="square" tIns="91425">
+          <a:bodyPr spcFirstLastPara="1" wrap="square" lIns="91425" tIns="91425" rIns="91425" bIns="91425" anchor="t" anchorCtr="0">
             <a:noAutofit/>
           </a:bodyPr>
           <a:lstStyle/>
           <a:p>
-            <a:pPr indent="0" lvl="0" marL="0" rtl="0" algn="l">
+            <a:pPr marL="0" lvl="0" indent="0" algn="l" rtl="0">
               <a:lnSpc>
                 <a:spcPct val="105000"/>
               </a:lnSpc>
@@ -7566,21 +7642,17 @@
               <a:buNone/>
             </a:pPr>
             <a:r>
-              <a:rPr b="1" lang="en" sz="2400"/>
+              <a:rPr lang="en" sz="2400" b="1" dirty="0"/>
               <a:t>Jumping</a:t>
             </a:r>
             <a:r>
-              <a:rPr lang="en" sz="2400"/>
-              <a:t> - </a:t>
+              <a:rPr lang="en" sz="2400" dirty="0"/>
+              <a:t> - Click or press Space.</a:t>
             </a:r>
-            <a:r>
-              <a:rPr lang="en" sz="2400"/>
-              <a:t>Click or press Space.</a:t>
-            </a:r>
-            <a:endParaRPr sz="2400"/>
+            <a:endParaRPr sz="2400" dirty="0"/>
           </a:p>
           <a:p>
-            <a:pPr indent="0" lvl="0" marL="0" rtl="0" algn="l">
+            <a:pPr marL="0" lvl="0" indent="0" algn="l" rtl="0">
               <a:lnSpc>
                 <a:spcPct val="105000"/>
               </a:lnSpc>
@@ -7593,17 +7665,17 @@
               <a:buNone/>
             </a:pPr>
             <a:r>
-              <a:rPr b="1" lang="en" sz="2400"/>
+              <a:rPr lang="en" sz="2400" b="1" dirty="0"/>
               <a:t>Aiming </a:t>
             </a:r>
             <a:r>
-              <a:rPr lang="en" sz="2400"/>
+              <a:rPr lang="en" sz="2400" dirty="0"/>
               <a:t>- Automatic. Time your jumps.</a:t>
             </a:r>
-            <a:endParaRPr sz="2400"/>
+            <a:endParaRPr sz="2400" dirty="0"/>
           </a:p>
           <a:p>
-            <a:pPr indent="0" lvl="0" marL="0" rtl="0" algn="l">
+            <a:pPr marL="0" lvl="0" indent="0" algn="l" rtl="0">
               <a:lnSpc>
                 <a:spcPct val="105000"/>
               </a:lnSpc>
@@ -7616,14 +7688,22 @@
               <a:buNone/>
             </a:pPr>
             <a:r>
-              <a:rPr b="1" lang="en" sz="2400"/>
+              <a:rPr lang="en" sz="2400" b="1" dirty="0"/>
               <a:t>Hunger </a:t>
             </a:r>
             <a:r>
-              <a:rPr lang="en" sz="2400"/>
-              <a:t>- Depletes, but food increases. 0% lose, 100% win.</a:t>
+              <a:rPr lang="en" sz="2400" dirty="0"/>
+              <a:t>- Depletes, but food increases </a:t>
             </a:r>
-            <a:endParaRPr sz="2400"/>
+            <a:r>
+              <a:rPr lang="en-US" sz="2400" dirty="0"/>
+              <a:t>it</a:t>
+            </a:r>
+            <a:r>
+              <a:rPr lang="en" sz="2400" dirty="0"/>
+              <a:t>. 0% lose, 100% win.</a:t>
+            </a:r>
+            <a:endParaRPr sz="2400" dirty="0"/>
           </a:p>
         </p:txBody>
       </p:sp>
@@ -7650,14 +7730,14 @@
             <a:avLst/>
           </a:prstGeom>
           <a:noFill/>
-          <a:ln cap="flat" cmpd="sng" w="76200">
+          <a:ln w="76200" cap="flat" cmpd="sng">
             <a:solidFill>
               <a:schemeClr val="dk2"/>
             </a:solidFill>
             <a:prstDash val="solid"/>
             <a:round/>
-            <a:headEnd len="sm" w="sm" type="none"/>
-            <a:tailEnd len="sm" w="sm" type="none"/>
+            <a:headEnd type="none" w="sm" len="sm"/>
+            <a:tailEnd type="none" w="sm" len="sm"/>
           </a:ln>
         </p:spPr>
       </p:pic>
@@ -7670,11 +7750,11 @@
 </file>
 
 <file path=ppt/slides/slide6.xml><?xml version="1.0" encoding="utf-8"?>
-<p:sld xmlns:a="http://schemas.openxmlformats.org/drawingml/2006/main" xmlns:r="http://schemas.openxmlformats.org/officeDocument/2006/relationships" xmlns:mc="http://schemas.openxmlformats.org/markup-compatibility/2006" xmlns:mv="urn:schemas-microsoft-com:mac:vml" xmlns:p="http://schemas.openxmlformats.org/presentationml/2006/main" xmlns:c="http://schemas.openxmlformats.org/drawingml/2006/chart" xmlns:dgm="http://schemas.openxmlformats.org/drawingml/2006/diagram" xmlns:o="urn:schemas-microsoft-com:office:office" xmlns:v="urn:schemas-microsoft-com:vml" xmlns:pvml="urn:schemas-microsoft-com:office:powerpoint" xmlns:com="http://schemas.openxmlformats.org/drawingml/2006/compatibility" xmlns:p14="http://schemas.microsoft.com/office/powerpoint/2010/main" xmlns:p15="http://schemas.microsoft.com/office/powerpoint/2012/main" xmlns:ahyp="http://schemas.microsoft.com/office/drawing/2018/hyperlinkcolor">
+<p:sld xmlns:a="http://schemas.openxmlformats.org/drawingml/2006/main" xmlns:r="http://schemas.openxmlformats.org/officeDocument/2006/relationships" xmlns:p="http://schemas.openxmlformats.org/presentationml/2006/main">
   <p:cSld>
     <p:spTree>
       <p:nvGrpSpPr>
-        <p:cNvPr id="97" name="Shape 97"/>
+        <p:cNvPr id="1" name="Shape 97"/>
         <p:cNvGrpSpPr/>
         <p:nvPr/>
       </p:nvGrpSpPr>
@@ -7689,7 +7769,9 @@
       <p:sp>
         <p:nvSpPr>
           <p:cNvPr id="98" name="Google Shape;98;p18"/>
-          <p:cNvSpPr txBox="1"/>
+          <p:cNvSpPr txBox="1">
+            <a:spLocks noGrp="1"/>
+          </p:cNvSpPr>
           <p:nvPr>
             <p:ph type="title"/>
           </p:nvPr>
@@ -7704,12 +7786,12 @@
           </a:prstGeom>
         </p:spPr>
         <p:txBody>
-          <a:bodyPr anchorCtr="0" anchor="b" bIns="91425" lIns="91425" spcFirstLastPara="1" rIns="91425" wrap="square" tIns="91425">
+          <a:bodyPr spcFirstLastPara="1" wrap="square" lIns="91425" tIns="91425" rIns="91425" bIns="91425" anchor="b" anchorCtr="0">
             <a:normAutofit/>
           </a:bodyPr>
           <a:lstStyle/>
           <a:p>
-            <a:pPr indent="0" lvl="0" marL="0" rtl="0" algn="l">
+            <a:pPr marL="0" lvl="0" indent="0" algn="l" rtl="0">
               <a:spcBef>
                 <a:spcPts val="0"/>
               </a:spcBef>
@@ -7729,9 +7811,11 @@
       <p:sp>
         <p:nvSpPr>
           <p:cNvPr id="99" name="Google Shape;99;p18"/>
-          <p:cNvSpPr txBox="1"/>
+          <p:cNvSpPr txBox="1">
+            <a:spLocks noGrp="1"/>
+          </p:cNvSpPr>
           <p:nvPr>
-            <p:ph idx="1" type="body"/>
+            <p:ph type="body" idx="1"/>
           </p:nvPr>
         </p:nvSpPr>
         <p:spPr>
@@ -7744,12 +7828,12 @@
           </a:prstGeom>
         </p:spPr>
         <p:txBody>
-          <a:bodyPr anchorCtr="0" anchor="t" bIns="91425" lIns="91425" spcFirstLastPara="1" rIns="91425" wrap="square" tIns="91425">
+          <a:bodyPr spcFirstLastPara="1" wrap="square" lIns="91425" tIns="91425" rIns="91425" bIns="91425" anchor="t" anchorCtr="0">
             <a:normAutofit/>
           </a:bodyPr>
           <a:lstStyle/>
           <a:p>
-            <a:pPr indent="0" lvl="0" marL="0" rtl="0" algn="l">
+            <a:pPr marL="0" lvl="0" indent="0" algn="l" rtl="0">
               <a:spcBef>
                 <a:spcPts val="0"/>
               </a:spcBef>
@@ -7765,7 +7849,7 @@
             <a:endParaRPr sz="2400"/>
           </a:p>
           <a:p>
-            <a:pPr indent="0" lvl="0" marL="0" rtl="0" algn="l">
+            <a:pPr marL="0" lvl="0" indent="0" algn="l" rtl="0">
               <a:spcBef>
                 <a:spcPts val="1200"/>
               </a:spcBef>
@@ -7781,7 +7865,7 @@
             <a:endParaRPr sz="2400"/>
           </a:p>
           <a:p>
-            <a:pPr indent="0" lvl="0" marL="0" rtl="0" algn="l">
+            <a:pPr marL="0" lvl="0" indent="0" algn="l" rtl="0">
               <a:spcBef>
                 <a:spcPts val="1200"/>
               </a:spcBef>
@@ -7821,292 +7905,14 @@
             <a:avLst/>
           </a:prstGeom>
           <a:noFill/>
-          <a:ln cap="flat" cmpd="sng" w="76200">
+          <a:ln w="76200" cap="flat" cmpd="sng">
             <a:solidFill>
               <a:schemeClr val="dk2"/>
             </a:solidFill>
             <a:prstDash val="solid"/>
             <a:round/>
-            <a:headEnd len="sm" w="sm" type="none"/>
-            <a:tailEnd len="sm" w="sm" type="none"/>
-          </a:ln>
-        </p:spPr>
-      </p:pic>
-    </p:spTree>
-  </p:cSld>
-  <p:clrMapOvr>
-    <a:masterClrMapping/>
-  </p:clrMapOvr>
-</p:sld>
-</file>
-
-<file path=ppt/slides/slide7.xml><?xml version="1.0" encoding="utf-8"?>
-<p:sld xmlns:a="http://schemas.openxmlformats.org/drawingml/2006/main" xmlns:r="http://schemas.openxmlformats.org/officeDocument/2006/relationships" xmlns:mc="http://schemas.openxmlformats.org/markup-compatibility/2006" xmlns:mv="urn:schemas-microsoft-com:mac:vml" xmlns:p="http://schemas.openxmlformats.org/presentationml/2006/main" xmlns:c="http://schemas.openxmlformats.org/drawingml/2006/chart" xmlns:dgm="http://schemas.openxmlformats.org/drawingml/2006/diagram" xmlns:o="urn:schemas-microsoft-com:office:office" xmlns:v="urn:schemas-microsoft-com:vml" xmlns:pvml="urn:schemas-microsoft-com:office:powerpoint" xmlns:com="http://schemas.openxmlformats.org/drawingml/2006/compatibility" xmlns:p14="http://schemas.microsoft.com/office/powerpoint/2010/main" xmlns:p15="http://schemas.microsoft.com/office/powerpoint/2012/main" xmlns:ahyp="http://schemas.microsoft.com/office/drawing/2018/hyperlinkcolor" show="0">
-  <p:cSld>
-    <p:spTree>
-      <p:nvGrpSpPr>
-        <p:cNvPr id="104" name="Shape 104"/>
-        <p:cNvGrpSpPr/>
-        <p:nvPr/>
-      </p:nvGrpSpPr>
-      <p:grpSpPr>
-        <a:xfrm>
-          <a:off x="0" y="0"/>
-          <a:ext cx="0" cy="0"/>
-          <a:chOff x="0" y="0"/>
-          <a:chExt cx="0" cy="0"/>
-        </a:xfrm>
-      </p:grpSpPr>
-      <p:sp>
-        <p:nvSpPr>
-          <p:cNvPr id="105" name="Google Shape;105;p19"/>
-          <p:cNvSpPr txBox="1"/>
-          <p:nvPr>
-            <p:ph type="title"/>
-          </p:nvPr>
-        </p:nvSpPr>
-        <p:spPr>
-          <a:xfrm>
-            <a:off x="311700" y="445025"/>
-            <a:ext cx="8747100" cy="572700"/>
-          </a:xfrm>
-          <a:prstGeom prst="rect">
-            <a:avLst/>
-          </a:prstGeom>
-        </p:spPr>
-        <p:txBody>
-          <a:bodyPr anchorCtr="0" anchor="b" bIns="91425" lIns="91425" spcFirstLastPara="1" rIns="91425" wrap="square" tIns="91425">
-            <a:noAutofit/>
-          </a:bodyPr>
-          <a:lstStyle/>
-          <a:p>
-            <a:pPr indent="0" lvl="0" marL="0" rtl="0" algn="l">
-              <a:spcBef>
-                <a:spcPts val="0"/>
-              </a:spcBef>
-              <a:spcAft>
-                <a:spcPts val="0"/>
-              </a:spcAft>
-              <a:buSzPts val="990"/>
-              <a:buNone/>
-            </a:pPr>
-            <a:r>
-              <a:rPr lang="en" sz="2100"/>
-              <a:t>Images in presentation, delete this slide when done</a:t>
-            </a:r>
-            <a:endParaRPr sz="2100"/>
-          </a:p>
-          <a:p>
-            <a:pPr indent="0" lvl="0" marL="0" rtl="0" algn="l">
-              <a:spcBef>
-                <a:spcPts val="0"/>
-              </a:spcBef>
-              <a:spcAft>
-                <a:spcPts val="0"/>
-              </a:spcAft>
-              <a:buSzPts val="990"/>
-              <a:buNone/>
-            </a:pPr>
-            <a:r>
-              <a:t/>
-            </a:r>
-            <a:endParaRPr sz="2100"/>
-          </a:p>
-        </p:txBody>
-      </p:sp>
-      <p:pic>
-        <p:nvPicPr>
-          <p:cNvPr id="106" name="Google Shape;106;p19"/>
-          <p:cNvPicPr preferRelativeResize="0"/>
-          <p:nvPr/>
-        </p:nvPicPr>
-        <p:blipFill>
-          <a:blip r:embed="rId3">
-            <a:alphaModFix/>
-          </a:blip>
-          <a:stretch>
-            <a:fillRect/>
-          </a:stretch>
-        </p:blipFill>
-        <p:spPr>
-          <a:xfrm>
-            <a:off x="1794325" y="1628775"/>
-            <a:ext cx="1885950" cy="1885950"/>
-          </a:xfrm>
-          <a:prstGeom prst="rect">
-            <a:avLst/>
-          </a:prstGeom>
-          <a:noFill/>
-          <a:ln>
-            <a:noFill/>
-          </a:ln>
-        </p:spPr>
-      </p:pic>
-      <p:pic>
-        <p:nvPicPr>
-          <p:cNvPr id="107" name="Google Shape;107;p19"/>
-          <p:cNvPicPr preferRelativeResize="0"/>
-          <p:nvPr/>
-        </p:nvPicPr>
-        <p:blipFill>
-          <a:blip r:embed="rId4">
-            <a:alphaModFix/>
-          </a:blip>
-          <a:stretch>
-            <a:fillRect/>
-          </a:stretch>
-        </p:blipFill>
-        <p:spPr>
-          <a:xfrm>
-            <a:off x="465650" y="2146600"/>
-            <a:ext cx="1145524" cy="1145524"/>
-          </a:xfrm>
-          <a:prstGeom prst="rect">
-            <a:avLst/>
-          </a:prstGeom>
-          <a:noFill/>
-          <a:ln>
-            <a:noFill/>
-          </a:ln>
-        </p:spPr>
-      </p:pic>
-      <p:pic>
-        <p:nvPicPr>
-          <p:cNvPr id="108" name="Google Shape;108;p19"/>
-          <p:cNvPicPr preferRelativeResize="0"/>
-          <p:nvPr/>
-        </p:nvPicPr>
-        <p:blipFill>
-          <a:blip r:embed="rId5">
-            <a:alphaModFix/>
-          </a:blip>
-          <a:stretch>
-            <a:fillRect/>
-          </a:stretch>
-        </p:blipFill>
-        <p:spPr>
-          <a:xfrm>
-            <a:off x="465650" y="3774725"/>
-            <a:ext cx="4106352" cy="1368774"/>
-          </a:xfrm>
-          <a:prstGeom prst="rect">
-            <a:avLst/>
-          </a:prstGeom>
-          <a:noFill/>
-          <a:ln>
-            <a:noFill/>
-          </a:ln>
-        </p:spPr>
-      </p:pic>
-      <p:pic>
-        <p:nvPicPr>
-          <p:cNvPr id="109" name="Google Shape;109;p19"/>
-          <p:cNvPicPr preferRelativeResize="0"/>
-          <p:nvPr/>
-        </p:nvPicPr>
-        <p:blipFill>
-          <a:blip r:embed="rId6">
-            <a:alphaModFix/>
-          </a:blip>
-          <a:stretch>
-            <a:fillRect/>
-          </a:stretch>
-        </p:blipFill>
-        <p:spPr>
-          <a:xfrm>
-            <a:off x="3863425" y="1248275"/>
-            <a:ext cx="4396821" cy="2452200"/>
-          </a:xfrm>
-          <a:prstGeom prst="rect">
-            <a:avLst/>
-          </a:prstGeom>
-          <a:noFill/>
-          <a:ln>
-            <a:noFill/>
-          </a:ln>
-        </p:spPr>
-      </p:pic>
-      <p:pic>
-        <p:nvPicPr>
-          <p:cNvPr id="110" name="Google Shape;110;p19"/>
-          <p:cNvPicPr preferRelativeResize="0"/>
-          <p:nvPr/>
-        </p:nvPicPr>
-        <p:blipFill>
-          <a:blip r:embed="rId7">
-            <a:alphaModFix/>
-          </a:blip>
-          <a:stretch>
-            <a:fillRect/>
-          </a:stretch>
-        </p:blipFill>
-        <p:spPr>
-          <a:xfrm>
-            <a:off x="4724402" y="3852875"/>
-            <a:ext cx="1209675" cy="971550"/>
-          </a:xfrm>
-          <a:prstGeom prst="rect">
-            <a:avLst/>
-          </a:prstGeom>
-          <a:noFill/>
-          <a:ln>
-            <a:noFill/>
-          </a:ln>
-        </p:spPr>
-      </p:pic>
-      <p:pic>
-        <p:nvPicPr>
-          <p:cNvPr id="111" name="Google Shape;111;p19"/>
-          <p:cNvPicPr preferRelativeResize="0"/>
-          <p:nvPr/>
-        </p:nvPicPr>
-        <p:blipFill>
-          <a:blip r:embed="rId8">
-            <a:alphaModFix/>
-          </a:blip>
-          <a:stretch>
-            <a:fillRect/>
-          </a:stretch>
-        </p:blipFill>
-        <p:spPr>
-          <a:xfrm>
-            <a:off x="1181700" y="3318687"/>
-            <a:ext cx="429474" cy="429474"/>
-          </a:xfrm>
-          <a:prstGeom prst="rect">
-            <a:avLst/>
-          </a:prstGeom>
-          <a:noFill/>
-          <a:ln>
-            <a:noFill/>
-          </a:ln>
-        </p:spPr>
-      </p:pic>
-      <p:pic>
-        <p:nvPicPr>
-          <p:cNvPr id="112" name="Google Shape;112;p19"/>
-          <p:cNvPicPr preferRelativeResize="0"/>
-          <p:nvPr/>
-        </p:nvPicPr>
-        <p:blipFill>
-          <a:blip r:embed="rId9">
-            <a:alphaModFix/>
-          </a:blip>
-          <a:stretch>
-            <a:fillRect/>
-          </a:stretch>
-        </p:blipFill>
-        <p:spPr>
-          <a:xfrm>
-            <a:off x="6275274" y="3855918"/>
-            <a:ext cx="1984975" cy="1213332"/>
-          </a:xfrm>
-          <a:prstGeom prst="rect">
-            <a:avLst/>
-          </a:prstGeom>
-          <a:noFill/>
-          <a:ln>
-            <a:noFill/>
+            <a:headEnd type="none" w="sm" len="sm"/>
+            <a:tailEnd type="none" w="sm" len="sm"/>
           </a:ln>
         </p:spPr>
       </p:pic>
@@ -8119,7 +7925,7 @@
 </file>
 
 <file path=ppt/theme/theme1.xml><?xml version="1.0" encoding="utf-8"?>
-<a:theme xmlns:a="http://schemas.openxmlformats.org/drawingml/2006/main" xmlns:r="http://schemas.openxmlformats.org/officeDocument/2006/relationships" name="Marina">
+<a:theme xmlns:a="http://schemas.openxmlformats.org/drawingml/2006/main" name="Marina">
   <a:themeElements>
     <a:clrScheme name="Marina">
       <a:dk1>
@@ -8394,11 +8200,13 @@
       </a:bgFillStyleLst>
     </a:fmtScheme>
   </a:themeElements>
+  <a:objectDefaults/>
+  <a:extraClrSchemeLst/>
 </a:theme>
 </file>
 
 <file path=ppt/theme/theme2.xml><?xml version="1.0" encoding="utf-8"?>
-<a:theme xmlns:a="http://schemas.openxmlformats.org/drawingml/2006/main" xmlns:r="http://schemas.openxmlformats.org/officeDocument/2006/relationships">
+<a:theme xmlns:a="http://schemas.openxmlformats.org/drawingml/2006/main">
   <a:themeElements>
     <a:clrScheme name="Default">
       <a:dk1>
@@ -8673,5 +8481,7 @@
       </a:bgFillStyleLst>
     </a:fmtScheme>
   </a:themeElements>
+  <a:objectDefaults/>
+  <a:extraClrSchemeLst/>
 </a:theme>
 </file>